--- a/working_practices/Parallel_Processing_Large_Data.pptx
+++ b/working_practices/Parallel_Processing_Large_Data.pptx
@@ -5,7 +5,7 @@
     <p:sldMasterId id="2147483666" r:id="rId1"/>
   </p:sldMasterIdLst>
   <p:notesMasterIdLst>
-    <p:notesMasterId r:id="rId35"/>
+    <p:notesMasterId r:id="rId34"/>
   </p:notesMasterIdLst>
   <p:sldIdLst>
     <p:sldId id="256" r:id="rId2"/>
@@ -20,7 +20,7 @@
     <p:sldId id="265" r:id="rId11"/>
     <p:sldId id="266" r:id="rId12"/>
     <p:sldId id="267" r:id="rId13"/>
-    <p:sldId id="268" r:id="rId14"/>
+    <p:sldId id="291" r:id="rId14"/>
     <p:sldId id="290" r:id="rId15"/>
     <p:sldId id="269" r:id="rId16"/>
     <p:sldId id="270" r:id="rId17"/>
@@ -29,55 +29,54 @@
     <p:sldId id="274" r:id="rId20"/>
     <p:sldId id="276" r:id="rId21"/>
     <p:sldId id="277" r:id="rId22"/>
-    <p:sldId id="272" r:id="rId23"/>
-    <p:sldId id="278" r:id="rId24"/>
-    <p:sldId id="279" r:id="rId25"/>
-    <p:sldId id="280" r:id="rId26"/>
-    <p:sldId id="281" r:id="rId27"/>
-    <p:sldId id="275" r:id="rId28"/>
-    <p:sldId id="282" r:id="rId29"/>
-    <p:sldId id="283" r:id="rId30"/>
-    <p:sldId id="285" r:id="rId31"/>
-    <p:sldId id="286" r:id="rId32"/>
-    <p:sldId id="287" r:id="rId33"/>
-    <p:sldId id="288" r:id="rId34"/>
+    <p:sldId id="278" r:id="rId23"/>
+    <p:sldId id="279" r:id="rId24"/>
+    <p:sldId id="280" r:id="rId25"/>
+    <p:sldId id="281" r:id="rId26"/>
+    <p:sldId id="275" r:id="rId27"/>
+    <p:sldId id="282" r:id="rId28"/>
+    <p:sldId id="283" r:id="rId29"/>
+    <p:sldId id="285" r:id="rId30"/>
+    <p:sldId id="286" r:id="rId31"/>
+    <p:sldId id="287" r:id="rId32"/>
+    <p:sldId id="288" r:id="rId33"/>
   </p:sldIdLst>
   <p:sldSz cx="9144000" cy="6858000" type="screen4x3"/>
   <p:notesSz cx="6858000" cy="9144000"/>
   <p:embeddedFontLst>
     <p:embeddedFont>
-      <p:font typeface="Calibri" panose="020F0502020204030204" pitchFamily="34" charset="0"/>
-      <p:regular r:id="rId36"/>
-      <p:bold r:id="rId37"/>
-      <p:italic r:id="rId38"/>
-      <p:boldItalic r:id="rId39"/>
+      <p:font typeface="Merriweather Sans" panose="020B0604020202020204" charset="0"/>
+      <p:regular r:id="rId35"/>
+      <p:bold r:id="rId36"/>
+      <p:italic r:id="rId37"/>
+      <p:boldItalic r:id="rId38"/>
     </p:embeddedFont>
     <p:embeddedFont>
-      <p:font typeface="Merriweather Sans" panose="020B0604020202020204" charset="0"/>
-      <p:regular r:id="rId40"/>
-      <p:bold r:id="rId41"/>
-      <p:italic r:id="rId42"/>
-      <p:boldItalic r:id="rId43"/>
+      <p:font typeface="Arimo" panose="020B0604020202020204" charset="0"/>
+      <p:regular r:id="rId39"/>
+      <p:bold r:id="rId40"/>
+      <p:italic r:id="rId41"/>
+      <p:boldItalic r:id="rId42"/>
+    </p:embeddedFont>
+    <p:embeddedFont>
+      <p:font typeface="Nunito" panose="020B0604020202020204" charset="0"/>
+      <p:bold r:id="rId43"/>
+      <p:boldItalic r:id="rId44"/>
+    </p:embeddedFont>
+    <p:embeddedFont>
+      <p:font typeface="Calibri" panose="020F0502020204030204" pitchFamily="34" charset="0"/>
+      <p:regular r:id="rId45"/>
+      <p:bold r:id="rId46"/>
+      <p:italic r:id="rId47"/>
+      <p:boldItalic r:id="rId48"/>
+    </p:embeddedFont>
+    <p:embeddedFont>
+      <p:font typeface="Arial Rounded MT Bold" panose="020F0704030504030204" pitchFamily="34" charset="0"/>
+      <p:regular r:id="rId49"/>
     </p:embeddedFont>
     <p:embeddedFont>
       <p:font typeface="ＭＳ Ｐゴシック" panose="020B0600070205080204" pitchFamily="34" charset="-128"/>
-      <p:regular r:id="rId44"/>
-    </p:embeddedFont>
-    <p:embeddedFont>
-      <p:font typeface="Nunito" panose="020B0604020202020204" charset="0"/>
-      <p:bold r:id="rId45"/>
-      <p:boldItalic r:id="rId46"/>
-    </p:embeddedFont>
-    <p:embeddedFont>
-      <p:font typeface="Arimo" panose="020B0604020202020204" charset="0"/>
-      <p:regular r:id="rId47"/>
-      <p:bold r:id="rId48"/>
-      <p:italic r:id="rId49"/>
-      <p:boldItalic r:id="rId50"/>
-    </p:embeddedFont>
-    <p:embeddedFont>
-      <p:font typeface="Arial Rounded MT Bold" panose="020F0704030504030204" pitchFamily="34" charset="0"/>
-      <p:regular r:id="rId51"/>
+      <p:regular r:id="rId50"/>
     </p:embeddedFont>
   </p:embeddedFontLst>
   <p:defaultTextStyle>
@@ -1373,330 +1372,6 @@
   <p:cSld>
     <p:spTree>
       <p:nvGrpSpPr>
-        <p:cNvPr id="1" name="Shape 222"/>
-        <p:cNvGrpSpPr/>
-        <p:nvPr/>
-      </p:nvGrpSpPr>
-      <p:grpSpPr>
-        <a:xfrm>
-          <a:off x="0" y="0"/>
-          <a:ext cx="0" cy="0"/>
-          <a:chOff x="0" y="0"/>
-          <a:chExt cx="0" cy="0"/>
-        </a:xfrm>
-      </p:grpSpPr>
-      <p:sp>
-        <p:nvSpPr>
-          <p:cNvPr id="223" name="Google Shape;223;g47ebe64b05_1_322:notes"/>
-          <p:cNvSpPr>
-            <a:spLocks noGrp="1" noRot="1" noChangeAspect="1"/>
-          </p:cNvSpPr>
-          <p:nvPr>
-            <p:ph type="sldImg" idx="2"/>
-          </p:nvPr>
-        </p:nvSpPr>
-        <p:spPr>
-          <a:xfrm>
-            <a:off x="1143000" y="685800"/>
-            <a:ext cx="4572000" cy="3429000"/>
-          </a:xfrm>
-          <a:custGeom>
-            <a:avLst/>
-            <a:gdLst/>
-            <a:ahLst/>
-            <a:cxnLst/>
-            <a:rect l="l" t="t" r="r" b="b"/>
-            <a:pathLst>
-              <a:path w="120000" h="120000" extrusionOk="0">
-                <a:moveTo>
-                  <a:pt x="0" y="0"/>
-                </a:moveTo>
-                <a:lnTo>
-                  <a:pt x="120000" y="0"/>
-                </a:lnTo>
-                <a:lnTo>
-                  <a:pt x="120000" y="120000"/>
-                </a:lnTo>
-                <a:lnTo>
-                  <a:pt x="0" y="120000"/>
-                </a:lnTo>
-                <a:close/>
-              </a:path>
-            </a:pathLst>
-          </a:custGeom>
-          <a:noFill/>
-          <a:ln w="9525" cap="flat" cmpd="sng">
-            <a:solidFill>
-              <a:srgbClr val="000000"/>
-            </a:solidFill>
-            <a:prstDash val="solid"/>
-            <a:miter lim="800000"/>
-            <a:headEnd type="none" w="sm" len="sm"/>
-            <a:tailEnd type="none" w="sm" len="sm"/>
-          </a:ln>
-        </p:spPr>
-      </p:sp>
-      <p:sp>
-        <p:nvSpPr>
-          <p:cNvPr id="224" name="Google Shape;224;g47ebe64b05_1_322:notes"/>
-          <p:cNvSpPr txBox="1">
-            <a:spLocks noGrp="1"/>
-          </p:cNvSpPr>
-          <p:nvPr>
-            <p:ph type="body" idx="1"/>
-          </p:nvPr>
-        </p:nvSpPr>
-        <p:spPr>
-          <a:xfrm>
-            <a:off x="685800" y="4343400"/>
-            <a:ext cx="5486400" cy="4114800"/>
-          </a:xfrm>
-          <a:prstGeom prst="rect">
-            <a:avLst/>
-          </a:prstGeom>
-          <a:noFill/>
-          <a:ln>
-            <a:noFill/>
-          </a:ln>
-        </p:spPr>
-        <p:txBody>
-          <a:bodyPr spcFirstLastPara="1" wrap="square" lIns="91425" tIns="45700" rIns="91425" bIns="45700" anchor="t" anchorCtr="0">
-            <a:noAutofit/>
-          </a:bodyPr>
-          <a:lstStyle/>
-          <a:p>
-            <a:pPr marL="0" lvl="0" indent="0" algn="l" rtl="0">
-              <a:spcBef>
-                <a:spcPts val="0"/>
-              </a:spcBef>
-              <a:spcAft>
-                <a:spcPts val="0"/>
-              </a:spcAft>
-              <a:buNone/>
-            </a:pPr>
-            <a:r>
-              <a:rPr lang="en-GB"/>
-              <a:t>Explain the following points:</a:t>
-            </a:r>
-            <a:endParaRPr/>
-          </a:p>
-          <a:p>
-            <a:pPr marL="0" lvl="0" indent="0" algn="l" rtl="0">
-              <a:spcBef>
-                <a:spcPts val="0"/>
-              </a:spcBef>
-              <a:spcAft>
-                <a:spcPts val="0"/>
-              </a:spcAft>
-              <a:buNone/>
-            </a:pPr>
-            <a:endParaRPr/>
-          </a:p>
-          <a:p>
-            <a:pPr marL="0" lvl="0" indent="0" algn="l" rtl="0">
-              <a:spcBef>
-                <a:spcPts val="0"/>
-              </a:spcBef>
-              <a:spcAft>
-                <a:spcPts val="0"/>
-              </a:spcAft>
-              <a:buNone/>
-            </a:pPr>
-            <a:r>
-              <a:rPr lang="en-GB"/>
-              <a:t> * You can log in to JASMIN via the “login1” server</a:t>
-            </a:r>
-            <a:endParaRPr/>
-          </a:p>
-          <a:p>
-            <a:pPr marL="0" lvl="0" indent="0" algn="l" rtl="0">
-              <a:spcBef>
-                <a:spcPts val="0"/>
-              </a:spcBef>
-              <a:spcAft>
-                <a:spcPts val="0"/>
-              </a:spcAft>
-              <a:buNone/>
-            </a:pPr>
-            <a:r>
-              <a:rPr lang="en-GB"/>
-              <a:t> * You can transfer data to/from JASMIN via the “xfer1” server</a:t>
-            </a:r>
-            <a:endParaRPr/>
-          </a:p>
-          <a:p>
-            <a:pPr marL="0" lvl="0" indent="0" algn="l" rtl="0">
-              <a:spcBef>
-                <a:spcPts val="0"/>
-              </a:spcBef>
-              <a:spcAft>
-                <a:spcPts val="0"/>
-              </a:spcAft>
-              <a:buNone/>
-            </a:pPr>
-            <a:r>
-              <a:rPr lang="en-GB"/>
-              <a:t> * Once logged in, you can use 3 different types of computing resource:</a:t>
-            </a:r>
-            <a:endParaRPr/>
-          </a:p>
-          <a:p>
-            <a:pPr marL="0" lvl="0" indent="0" algn="l" rtl="0">
-              <a:spcBef>
-                <a:spcPts val="0"/>
-              </a:spcBef>
-              <a:spcAft>
-                <a:spcPts val="0"/>
-              </a:spcAft>
-              <a:buNone/>
-            </a:pPr>
-            <a:r>
-              <a:rPr lang="en-GB"/>
-              <a:t>   - Generic scientific servers (“sci1/2”)</a:t>
-            </a:r>
-            <a:endParaRPr/>
-          </a:p>
-          <a:p>
-            <a:pPr marL="0" lvl="0" indent="0" algn="l" rtl="0">
-              <a:spcBef>
-                <a:spcPts val="0"/>
-              </a:spcBef>
-              <a:spcAft>
-                <a:spcPts val="0"/>
-              </a:spcAft>
-              <a:buNone/>
-            </a:pPr>
-            <a:r>
-              <a:rPr lang="en-GB"/>
-              <a:t>   - Generic processing cluster (“lotus”) – very relevant to this presentation.</a:t>
-            </a:r>
-            <a:endParaRPr/>
-          </a:p>
-          <a:p>
-            <a:pPr marL="0" lvl="0" indent="0" algn="l" rtl="0">
-              <a:spcBef>
-                <a:spcPts val="0"/>
-              </a:spcBef>
-              <a:spcAft>
-                <a:spcPts val="0"/>
-              </a:spcAft>
-              <a:buNone/>
-            </a:pPr>
-            <a:r>
-              <a:rPr lang="en-GB"/>
-              <a:t>   - Project-specific servers – if you are involved in the relevant project and you have signed up for access.</a:t>
-            </a:r>
-            <a:endParaRPr/>
-          </a:p>
-          <a:p>
-            <a:pPr marL="0" lvl="0" indent="0" algn="l" rtl="0">
-              <a:spcBef>
-                <a:spcPts val="0"/>
-              </a:spcBef>
-              <a:spcAft>
-                <a:spcPts val="0"/>
-              </a:spcAft>
-              <a:buNone/>
-            </a:pPr>
-            <a:r>
-              <a:rPr lang="en-GB"/>
-              <a:t> * Your home directory will appear across all computing resources</a:t>
-            </a:r>
-            <a:endParaRPr/>
-          </a:p>
-          <a:p>
-            <a:pPr marL="0" lvl="0" indent="0" algn="l" rtl="0">
-              <a:spcBef>
-                <a:spcPts val="0"/>
-              </a:spcBef>
-              <a:spcAft>
-                <a:spcPts val="0"/>
-              </a:spcAft>
-              <a:buNone/>
-            </a:pPr>
-            <a:r>
-              <a:rPr lang="en-GB"/>
-              <a:t> * But any large data storage should happen on Group Workspaces – which you need to apply for access to.</a:t>
-            </a:r>
-            <a:endParaRPr/>
-          </a:p>
-        </p:txBody>
-      </p:sp>
-      <p:sp>
-        <p:nvSpPr>
-          <p:cNvPr id="225" name="Google Shape;225;g47ebe64b05_1_322:notes"/>
-          <p:cNvSpPr txBox="1">
-            <a:spLocks noGrp="1"/>
-          </p:cNvSpPr>
-          <p:nvPr>
-            <p:ph type="sldNum" idx="12"/>
-          </p:nvPr>
-        </p:nvSpPr>
-        <p:spPr>
-          <a:xfrm>
-            <a:off x="3884613" y="8685213"/>
-            <a:ext cx="2971800" cy="457200"/>
-          </a:xfrm>
-          <a:prstGeom prst="rect">
-            <a:avLst/>
-          </a:prstGeom>
-          <a:noFill/>
-          <a:ln>
-            <a:noFill/>
-          </a:ln>
-        </p:spPr>
-        <p:txBody>
-          <a:bodyPr spcFirstLastPara="1" wrap="square" lIns="91425" tIns="45700" rIns="91425" bIns="45700" anchor="b" anchorCtr="0">
-            <a:noAutofit/>
-          </a:bodyPr>
-          <a:lstStyle/>
-          <a:p>
-            <a:pPr marL="0" marR="0" lvl="0" indent="0" algn="r" rtl="0">
-              <a:spcBef>
-                <a:spcPts val="0"/>
-              </a:spcBef>
-              <a:spcAft>
-                <a:spcPts val="0"/>
-              </a:spcAft>
-              <a:buNone/>
-            </a:pPr>
-            <a:fld id="{00000000-1234-1234-1234-123412341234}" type="slidenum">
-              <a:rPr lang="en-GB" sz="1200">
-                <a:solidFill>
-                  <a:schemeClr val="dk1"/>
-                </a:solidFill>
-                <a:latin typeface="Arial"/>
-                <a:ea typeface="Arial"/>
-                <a:cs typeface="Arial"/>
-                <a:sym typeface="Arial"/>
-              </a:rPr>
-              <a:t>13</a:t>
-            </a:fld>
-            <a:endParaRPr sz="1200">
-              <a:solidFill>
-                <a:schemeClr val="dk1"/>
-              </a:solidFill>
-              <a:latin typeface="Arial"/>
-              <a:ea typeface="Arial"/>
-              <a:cs typeface="Arial"/>
-              <a:sym typeface="Arial"/>
-            </a:endParaRPr>
-          </a:p>
-        </p:txBody>
-      </p:sp>
-    </p:spTree>
-  </p:cSld>
-  <p:clrMapOvr>
-    <a:masterClrMapping/>
-  </p:clrMapOvr>
-</p:notes>
-</file>
-
-<file path=ppt/notesSlides/notesSlide14.xml><?xml version="1.0" encoding="utf-8"?>
-<p:notes xmlns:a="http://schemas.openxmlformats.org/drawingml/2006/main" xmlns:r="http://schemas.openxmlformats.org/officeDocument/2006/relationships" xmlns:p="http://schemas.openxmlformats.org/presentationml/2006/main" showMasterSp="0" showMasterPhAnim="0">
-  <p:cSld>
-    <p:spTree>
-      <p:nvGrpSpPr>
         <p:cNvPr id="1" name="Shape 234"/>
         <p:cNvGrpSpPr/>
         <p:nvPr/>
@@ -1796,7 +1471,7 @@
 </p:notes>
 </file>
 
-<file path=ppt/notesSlides/notesSlide15.xml><?xml version="1.0" encoding="utf-8"?>
+<file path=ppt/notesSlides/notesSlide14.xml><?xml version="1.0" encoding="utf-8"?>
 <p:notes xmlns:a="http://schemas.openxmlformats.org/drawingml/2006/main" xmlns:r="http://schemas.openxmlformats.org/officeDocument/2006/relationships" xmlns:p="http://schemas.openxmlformats.org/presentationml/2006/main" showMasterSp="0" showMasterPhAnim="0">
   <p:cSld>
     <p:spTree>
@@ -1920,7 +1595,7 @@
 </p:notes>
 </file>
 
-<file path=ppt/notesSlides/notesSlide16.xml><?xml version="1.0" encoding="utf-8"?>
+<file path=ppt/notesSlides/notesSlide15.xml><?xml version="1.0" encoding="utf-8"?>
 <p:notes xmlns:a="http://schemas.openxmlformats.org/drawingml/2006/main" xmlns:r="http://schemas.openxmlformats.org/officeDocument/2006/relationships" xmlns:p="http://schemas.openxmlformats.org/presentationml/2006/main" showMasterSp="0" showMasterPhAnim="0">
   <p:cSld>
     <p:spTree>
@@ -2104,7 +1779,7 @@
 </p:notes>
 </file>
 
-<file path=ppt/notesSlides/notesSlide17.xml><?xml version="1.0" encoding="utf-8"?>
+<file path=ppt/notesSlides/notesSlide16.xml><?xml version="1.0" encoding="utf-8"?>
 <p:notes xmlns:a="http://schemas.openxmlformats.org/drawingml/2006/main" xmlns:r="http://schemas.openxmlformats.org/officeDocument/2006/relationships" xmlns:p="http://schemas.openxmlformats.org/presentationml/2006/main" showMasterSp="0" showMasterPhAnim="0">
   <p:cSld>
     <p:spTree>
@@ -2288,7 +1963,7 @@
 </p:notes>
 </file>
 
-<file path=ppt/notesSlides/notesSlide18.xml><?xml version="1.0" encoding="utf-8"?>
+<file path=ppt/notesSlides/notesSlide17.xml><?xml version="1.0" encoding="utf-8"?>
 <p:notes xmlns:a="http://schemas.openxmlformats.org/drawingml/2006/main" xmlns:r="http://schemas.openxmlformats.org/officeDocument/2006/relationships" xmlns:p="http://schemas.openxmlformats.org/presentationml/2006/main" showMasterSp="0" showMasterPhAnim="0">
   <p:cSld>
     <p:spTree>
@@ -2412,7 +2087,7 @@
 </p:notes>
 </file>
 
-<file path=ppt/notesSlides/notesSlide19.xml><?xml version="1.0" encoding="utf-8"?>
+<file path=ppt/notesSlides/notesSlide18.xml><?xml version="1.0" encoding="utf-8"?>
 <p:notes xmlns:a="http://schemas.openxmlformats.org/drawingml/2006/main" xmlns:r="http://schemas.openxmlformats.org/officeDocument/2006/relationships" xmlns:p="http://schemas.openxmlformats.org/presentationml/2006/main" showMasterSp="0" showMasterPhAnim="0">
   <p:cSld>
     <p:spTree>
@@ -2846,370 +2521,7 @@
 </p:notes>
 </file>
 
-<file path=ppt/notesSlides/notesSlide2.xml><?xml version="1.0" encoding="utf-8"?>
-<p:notes xmlns:a="http://schemas.openxmlformats.org/drawingml/2006/main" xmlns:r="http://schemas.openxmlformats.org/officeDocument/2006/relationships" xmlns:p="http://schemas.openxmlformats.org/presentationml/2006/main">
-  <p:cSld>
-    <p:spTree>
-      <p:nvGrpSpPr>
-        <p:cNvPr id="1" name=""/>
-        <p:cNvGrpSpPr/>
-        <p:nvPr/>
-      </p:nvGrpSpPr>
-      <p:grpSpPr>
-        <a:xfrm>
-          <a:off x="0" y="0"/>
-          <a:ext cx="0" cy="0"/>
-          <a:chOff x="0" y="0"/>
-          <a:chExt cx="0" cy="0"/>
-        </a:xfrm>
-      </p:grpSpPr>
-      <p:sp>
-        <p:nvSpPr>
-          <p:cNvPr id="55298" name="Slide Image Placeholder 1"/>
-          <p:cNvSpPr>
-            <a:spLocks noGrp="1" noRot="1" noChangeAspect="1" noTextEdit="1"/>
-          </p:cNvSpPr>
-          <p:nvPr>
-            <p:ph type="sldImg"/>
-          </p:nvPr>
-        </p:nvSpPr>
-        <p:spPr bwMode="auto">
-          <a:xfrm>
-            <a:off x="1143000" y="685800"/>
-            <a:ext cx="4572000" cy="3429000"/>
-          </a:xfrm>
-          <a:prstGeom prst="rect">
-            <a:avLst/>
-          </a:prstGeom>
-          <a:noFill/>
-          <a:ln>
-            <a:solidFill>
-              <a:srgbClr val="000000"/>
-            </a:solidFill>
-            <a:miter lim="800000"/>
-            <a:headEnd/>
-            <a:tailEnd/>
-          </a:ln>
-          <a:extLst>
-            <a:ext uri="{909E8E84-426E-40DD-AFC4-6F175D3DCCD1}">
-              <a14:hiddenFill xmlns:a14="http://schemas.microsoft.com/office/drawing/2010/main">
-                <a:solidFill>
-                  <a:srgbClr val="FFFFFF"/>
-                </a:solidFill>
-              </a14:hiddenFill>
-            </a:ext>
-          </a:extLst>
-        </p:spPr>
-      </p:sp>
-      <p:sp>
-        <p:nvSpPr>
-          <p:cNvPr id="55299" name="Notes Placeholder 2"/>
-          <p:cNvSpPr>
-            <a:spLocks noGrp="1"/>
-          </p:cNvSpPr>
-          <p:nvPr>
-            <p:ph type="body" idx="1"/>
-          </p:nvPr>
-        </p:nvSpPr>
-        <p:spPr bwMode="auto">
-          <a:noFill/>
-          <a:extLst>
-            <a:ext uri="{909E8E84-426E-40DD-AFC4-6F175D3DCCD1}">
-              <a14:hiddenFill xmlns:a14="http://schemas.microsoft.com/office/drawing/2010/main">
-                <a:solidFill>
-                  <a:srgbClr val="FFFFFF"/>
-                </a:solidFill>
-              </a14:hiddenFill>
-            </a:ext>
-            <a:ext uri="{91240B29-F687-4F45-9708-019B960494DF}">
-              <a14:hiddenLine xmlns:a14="http://schemas.microsoft.com/office/drawing/2010/main" w="9525">
-                <a:solidFill>
-                  <a:srgbClr val="000000"/>
-                </a:solidFill>
-                <a:miter lim="800000"/>
-                <a:headEnd/>
-                <a:tailEnd/>
-              </a14:hiddenLine>
-            </a:ext>
-          </a:extLst>
-        </p:spPr>
-        <p:txBody>
-          <a:bodyPr wrap="square" numCol="1" anchor="t" anchorCtr="0" compatLnSpc="1">
-            <a:prstTxWarp prst="textNoShape">
-              <a:avLst/>
-            </a:prstTxWarp>
-          </a:bodyPr>
-          <a:lstStyle/>
-          <a:p>
-            <a:pPr eaLnBrk="1" hangingPunct="1">
-              <a:spcBef>
-                <a:spcPct val="0"/>
-              </a:spcBef>
-            </a:pPr>
-            <a:r>
-              <a:rPr lang="en-GB" altLang="en-US" dirty="0" smtClean="0">
-                <a:ea typeface="ＭＳ Ｐゴシック" pitchFamily="34" charset="-128"/>
-              </a:rPr>
-              <a:t>Big Data is a hot topic. This pretty diagram, courtesy of IBM, tells us about the four “Vs” that are typically used to identify “Big Data”:</a:t>
-            </a:r>
-          </a:p>
-          <a:p>
-            <a:pPr eaLnBrk="1" hangingPunct="1">
-              <a:spcBef>
-                <a:spcPct val="0"/>
-              </a:spcBef>
-            </a:pPr>
-            <a:endParaRPr lang="en-GB" altLang="en-US" dirty="0" smtClean="0">
-              <a:ea typeface="ＭＳ Ｐゴシック" pitchFamily="34" charset="-128"/>
-            </a:endParaRPr>
-          </a:p>
-          <a:p>
-            <a:pPr eaLnBrk="1" hangingPunct="1">
-              <a:spcBef>
-                <a:spcPct val="0"/>
-              </a:spcBef>
-            </a:pPr>
-            <a:r>
-              <a:rPr lang="en-GB" altLang="en-US" dirty="0" smtClean="0">
-                <a:ea typeface="ＭＳ Ｐゴシック" pitchFamily="34" charset="-128"/>
-              </a:rPr>
-              <a:t> - Firstly, there is Volume, talk briefly about some of the text/graphics [click], explain what a Zettabyte is, [click]</a:t>
-            </a:r>
-          </a:p>
-          <a:p>
-            <a:pPr eaLnBrk="1" hangingPunct="1">
-              <a:spcBef>
-                <a:spcPct val="0"/>
-              </a:spcBef>
-            </a:pPr>
-            <a:r>
-              <a:rPr lang="en-GB" altLang="en-US" dirty="0" smtClean="0">
-                <a:ea typeface="ＭＳ Ｐゴシック" pitchFamily="34" charset="-128"/>
-              </a:rPr>
-              <a:t> - Then, there is Variety, talk briefly about some of the text/graphics [click], </a:t>
-            </a:r>
-          </a:p>
-          <a:p>
-            <a:pPr eaLnBrk="1" hangingPunct="1">
-              <a:spcBef>
-                <a:spcPct val="0"/>
-              </a:spcBef>
-            </a:pPr>
-            <a:r>
-              <a:rPr lang="en-GB" altLang="en-US" dirty="0" smtClean="0">
-                <a:ea typeface="ＭＳ Ｐゴシック" pitchFamily="34" charset="-128"/>
-              </a:rPr>
-              <a:t> - Then, Velocity, which is about throughput, mention the text/graphics... [click],</a:t>
-            </a:r>
-          </a:p>
-          <a:p>
-            <a:pPr eaLnBrk="1" hangingPunct="1">
-              <a:spcBef>
-                <a:spcPct val="0"/>
-              </a:spcBef>
-            </a:pPr>
-            <a:r>
-              <a:rPr lang="en-GB" altLang="en-US" dirty="0" smtClean="0">
-                <a:ea typeface="ＭＳ Ｐゴシック" pitchFamily="34" charset="-128"/>
-              </a:rPr>
-              <a:t> - and finally, Veracity, how much do you trust the data you are using/producing? </a:t>
-            </a:r>
-          </a:p>
-        </p:txBody>
-      </p:sp>
-      <p:sp>
-        <p:nvSpPr>
-          <p:cNvPr id="55300" name="Slide Number Placeholder 3"/>
-          <p:cNvSpPr>
-            <a:spLocks noGrp="1"/>
-          </p:cNvSpPr>
-          <p:nvPr>
-            <p:ph type="sldNum" sz="quarter" idx="5"/>
-          </p:nvPr>
-        </p:nvSpPr>
-        <p:spPr bwMode="auto">
-          <a:noFill/>
-          <a:extLst>
-            <a:ext uri="{909E8E84-426E-40DD-AFC4-6F175D3DCCD1}">
-              <a14:hiddenFill xmlns:a14="http://schemas.microsoft.com/office/drawing/2010/main">
-                <a:solidFill>
-                  <a:srgbClr val="FFFFFF"/>
-                </a:solidFill>
-              </a14:hiddenFill>
-            </a:ext>
-            <a:ext uri="{91240B29-F687-4F45-9708-019B960494DF}">
-              <a14:hiddenLine xmlns:a14="http://schemas.microsoft.com/office/drawing/2010/main" w="9525">
-                <a:solidFill>
-                  <a:srgbClr val="000000"/>
-                </a:solidFill>
-                <a:miter lim="800000"/>
-                <a:headEnd/>
-                <a:tailEnd/>
-              </a14:hiddenLine>
-            </a:ext>
-          </a:extLst>
-        </p:spPr>
-        <p:txBody>
-          <a:bodyPr/>
-          <a:lstStyle>
-            <a:lvl1pPr eaLnBrk="0" hangingPunct="0">
-              <a:spcBef>
-                <a:spcPct val="30000"/>
-              </a:spcBef>
-              <a:defRPr sz="1200">
-                <a:solidFill>
-                  <a:schemeClr val="tx1"/>
-                </a:solidFill>
-                <a:latin typeface="Calibri" pitchFamily="34" charset="0"/>
-                <a:ea typeface="ＭＳ Ｐゴシック" pitchFamily="34" charset="-128"/>
-              </a:defRPr>
-            </a:lvl1pPr>
-            <a:lvl2pPr marL="742950" indent="-285750" eaLnBrk="0" hangingPunct="0">
-              <a:spcBef>
-                <a:spcPct val="30000"/>
-              </a:spcBef>
-              <a:defRPr sz="1200">
-                <a:solidFill>
-                  <a:schemeClr val="tx1"/>
-                </a:solidFill>
-                <a:latin typeface="Calibri" pitchFamily="34" charset="0"/>
-                <a:ea typeface="ＭＳ Ｐゴシック" pitchFamily="34" charset="-128"/>
-              </a:defRPr>
-            </a:lvl2pPr>
-            <a:lvl3pPr marL="1143000" indent="-228600" eaLnBrk="0" hangingPunct="0">
-              <a:spcBef>
-                <a:spcPct val="30000"/>
-              </a:spcBef>
-              <a:defRPr sz="1200">
-                <a:solidFill>
-                  <a:schemeClr val="tx1"/>
-                </a:solidFill>
-                <a:latin typeface="Calibri" pitchFamily="34" charset="0"/>
-                <a:ea typeface="ＭＳ Ｐゴシック" pitchFamily="34" charset="-128"/>
-              </a:defRPr>
-            </a:lvl3pPr>
-            <a:lvl4pPr marL="1600200" indent="-228600" eaLnBrk="0" hangingPunct="0">
-              <a:spcBef>
-                <a:spcPct val="30000"/>
-              </a:spcBef>
-              <a:defRPr sz="1200">
-                <a:solidFill>
-                  <a:schemeClr val="tx1"/>
-                </a:solidFill>
-                <a:latin typeface="Calibri" pitchFamily="34" charset="0"/>
-                <a:ea typeface="ＭＳ Ｐゴシック" pitchFamily="34" charset="-128"/>
-              </a:defRPr>
-            </a:lvl4pPr>
-            <a:lvl5pPr marL="2057400" indent="-228600" eaLnBrk="0" hangingPunct="0">
-              <a:spcBef>
-                <a:spcPct val="30000"/>
-              </a:spcBef>
-              <a:defRPr sz="1200">
-                <a:solidFill>
-                  <a:schemeClr val="tx1"/>
-                </a:solidFill>
-                <a:latin typeface="Calibri" pitchFamily="34" charset="0"/>
-                <a:ea typeface="ＭＳ Ｐゴシック" pitchFamily="34" charset="-128"/>
-              </a:defRPr>
-            </a:lvl5pPr>
-            <a:lvl6pPr marL="2514600" indent="-228600" eaLnBrk="0" fontAlgn="base" hangingPunct="0">
-              <a:spcBef>
-                <a:spcPct val="30000"/>
-              </a:spcBef>
-              <a:spcAft>
-                <a:spcPct val="0"/>
-              </a:spcAft>
-              <a:defRPr sz="1200">
-                <a:solidFill>
-                  <a:schemeClr val="tx1"/>
-                </a:solidFill>
-                <a:latin typeface="Calibri" pitchFamily="34" charset="0"/>
-                <a:ea typeface="ＭＳ Ｐゴシック" pitchFamily="34" charset="-128"/>
-              </a:defRPr>
-            </a:lvl6pPr>
-            <a:lvl7pPr marL="2971800" indent="-228600" eaLnBrk="0" fontAlgn="base" hangingPunct="0">
-              <a:spcBef>
-                <a:spcPct val="30000"/>
-              </a:spcBef>
-              <a:spcAft>
-                <a:spcPct val="0"/>
-              </a:spcAft>
-              <a:defRPr sz="1200">
-                <a:solidFill>
-                  <a:schemeClr val="tx1"/>
-                </a:solidFill>
-                <a:latin typeface="Calibri" pitchFamily="34" charset="0"/>
-                <a:ea typeface="ＭＳ Ｐゴシック" pitchFamily="34" charset="-128"/>
-              </a:defRPr>
-            </a:lvl7pPr>
-            <a:lvl8pPr marL="3429000" indent="-228600" eaLnBrk="0" fontAlgn="base" hangingPunct="0">
-              <a:spcBef>
-                <a:spcPct val="30000"/>
-              </a:spcBef>
-              <a:spcAft>
-                <a:spcPct val="0"/>
-              </a:spcAft>
-              <a:defRPr sz="1200">
-                <a:solidFill>
-                  <a:schemeClr val="tx1"/>
-                </a:solidFill>
-                <a:latin typeface="Calibri" pitchFamily="34" charset="0"/>
-                <a:ea typeface="ＭＳ Ｐゴシック" pitchFamily="34" charset="-128"/>
-              </a:defRPr>
-            </a:lvl8pPr>
-            <a:lvl9pPr marL="3886200" indent="-228600" eaLnBrk="0" fontAlgn="base" hangingPunct="0">
-              <a:spcBef>
-                <a:spcPct val="30000"/>
-              </a:spcBef>
-              <a:spcAft>
-                <a:spcPct val="0"/>
-              </a:spcAft>
-              <a:defRPr sz="1200">
-                <a:solidFill>
-                  <a:schemeClr val="tx1"/>
-                </a:solidFill>
-                <a:latin typeface="Calibri" pitchFamily="34" charset="0"/>
-                <a:ea typeface="ＭＳ Ｐゴシック" pitchFamily="34" charset="-128"/>
-              </a:defRPr>
-            </a:lvl9pPr>
-          </a:lstStyle>
-          <a:p>
-            <a:pPr eaLnBrk="1" hangingPunct="1">
-              <a:spcBef>
-                <a:spcPct val="0"/>
-              </a:spcBef>
-            </a:pPr>
-            <a:fld id="{12520244-4ED5-4297-A822-1664305641AC}" type="slidenum">
-              <a:rPr lang="en-GB" altLang="en-US">
-                <a:latin typeface="Arial" pitchFamily="34" charset="0"/>
-              </a:rPr>
-              <a:pPr eaLnBrk="1" hangingPunct="1">
-                <a:spcBef>
-                  <a:spcPct val="0"/>
-                </a:spcBef>
-              </a:pPr>
-              <a:t>2</a:t>
-            </a:fld>
-            <a:endParaRPr lang="en-GB" altLang="en-US">
-              <a:latin typeface="Arial" pitchFamily="34" charset="0"/>
-            </a:endParaRPr>
-          </a:p>
-        </p:txBody>
-      </p:sp>
-    </p:spTree>
-    <p:extLst>
-      <p:ext uri="{BB962C8B-B14F-4D97-AF65-F5344CB8AC3E}">
-        <p14:creationId xmlns:p14="http://schemas.microsoft.com/office/powerpoint/2010/main" val="2293947508"/>
-      </p:ext>
-    </p:extLst>
-  </p:cSld>
-  <p:clrMapOvr>
-    <a:masterClrMapping/>
-  </p:clrMapOvr>
-</p:notes>
-</file>
-
-<file path=ppt/notesSlides/notesSlide20.xml><?xml version="1.0" encoding="utf-8"?>
+<file path=ppt/notesSlides/notesSlide19.xml><?xml version="1.0" encoding="utf-8"?>
 <p:notes xmlns:a="http://schemas.openxmlformats.org/drawingml/2006/main" xmlns:r="http://schemas.openxmlformats.org/officeDocument/2006/relationships" xmlns:p="http://schemas.openxmlformats.org/presentationml/2006/main" showMasterSp="0" showMasterPhAnim="0">
   <p:cSld>
     <p:spTree>
@@ -3345,12 +2657,12 @@
 </p:notes>
 </file>
 
-<file path=ppt/notesSlides/notesSlide21.xml><?xml version="1.0" encoding="utf-8"?>
-<p:notes xmlns:a="http://schemas.openxmlformats.org/drawingml/2006/main" xmlns:r="http://schemas.openxmlformats.org/officeDocument/2006/relationships" xmlns:p="http://schemas.openxmlformats.org/presentationml/2006/main" showMasterSp="0" showMasterPhAnim="0">
+<file path=ppt/notesSlides/notesSlide2.xml><?xml version="1.0" encoding="utf-8"?>
+<p:notes xmlns:a="http://schemas.openxmlformats.org/drawingml/2006/main" xmlns:r="http://schemas.openxmlformats.org/officeDocument/2006/relationships" xmlns:p="http://schemas.openxmlformats.org/presentationml/2006/main">
   <p:cSld>
     <p:spTree>
       <p:nvGrpSpPr>
-        <p:cNvPr id="1" name="Shape 258"/>
+        <p:cNvPr id="1" name=""/>
         <p:cNvGrpSpPr/>
         <p:nvPr/>
       </p:nvGrpSpPr>
@@ -3364,97 +2676,343 @@
       </p:grpSpPr>
       <p:sp>
         <p:nvSpPr>
-          <p:cNvPr id="259" name="Google Shape;259;g47ebe64b05_1_94:notes"/>
-          <p:cNvSpPr txBox="1">
+          <p:cNvPr id="55298" name="Slide Image Placeholder 1"/>
+          <p:cNvSpPr>
+            <a:spLocks noGrp="1" noRot="1" noChangeAspect="1" noTextEdit="1"/>
+          </p:cNvSpPr>
+          <p:nvPr>
+            <p:ph type="sldImg"/>
+          </p:nvPr>
+        </p:nvSpPr>
+        <p:spPr bwMode="auto">
+          <a:xfrm>
+            <a:off x="1143000" y="685800"/>
+            <a:ext cx="4572000" cy="3429000"/>
+          </a:xfrm>
+          <a:prstGeom prst="rect">
+            <a:avLst/>
+          </a:prstGeom>
+          <a:noFill/>
+          <a:ln>
+            <a:solidFill>
+              <a:srgbClr val="000000"/>
+            </a:solidFill>
+            <a:miter lim="800000"/>
+            <a:headEnd/>
+            <a:tailEnd/>
+          </a:ln>
+          <a:extLst>
+            <a:ext uri="{909E8E84-426E-40DD-AFC4-6F175D3DCCD1}">
+              <a14:hiddenFill xmlns:a14="http://schemas.microsoft.com/office/drawing/2010/main">
+                <a:solidFill>
+                  <a:srgbClr val="FFFFFF"/>
+                </a:solidFill>
+              </a14:hiddenFill>
+            </a:ext>
+          </a:extLst>
+        </p:spPr>
+      </p:sp>
+      <p:sp>
+        <p:nvSpPr>
+          <p:cNvPr id="55299" name="Notes Placeholder 2"/>
+          <p:cNvSpPr>
             <a:spLocks noGrp="1"/>
           </p:cNvSpPr>
           <p:nvPr>
             <p:ph type="body" idx="1"/>
           </p:nvPr>
         </p:nvSpPr>
-        <p:spPr>
-          <a:xfrm>
-            <a:off x="685800" y="4343400"/>
-            <a:ext cx="5486400" cy="4114800"/>
-          </a:xfrm>
-          <a:prstGeom prst="rect">
-            <a:avLst/>
-          </a:prstGeom>
+        <p:spPr bwMode="auto">
+          <a:noFill/>
+          <a:extLst>
+            <a:ext uri="{909E8E84-426E-40DD-AFC4-6F175D3DCCD1}">
+              <a14:hiddenFill xmlns:a14="http://schemas.microsoft.com/office/drawing/2010/main">
+                <a:solidFill>
+                  <a:srgbClr val="FFFFFF"/>
+                </a:solidFill>
+              </a14:hiddenFill>
+            </a:ext>
+            <a:ext uri="{91240B29-F687-4F45-9708-019B960494DF}">
+              <a14:hiddenLine xmlns:a14="http://schemas.microsoft.com/office/drawing/2010/main" w="9525">
+                <a:solidFill>
+                  <a:srgbClr val="000000"/>
+                </a:solidFill>
+                <a:miter lim="800000"/>
+                <a:headEnd/>
+                <a:tailEnd/>
+              </a14:hiddenLine>
+            </a:ext>
+          </a:extLst>
         </p:spPr>
         <p:txBody>
-          <a:bodyPr spcFirstLastPara="1" wrap="square" lIns="91425" tIns="91425" rIns="91425" bIns="91425" anchor="t" anchorCtr="0">
-            <a:noAutofit/>
+          <a:bodyPr wrap="square" numCol="1" anchor="t" anchorCtr="0" compatLnSpc="1">
+            <a:prstTxWarp prst="textNoShape">
+              <a:avLst/>
+            </a:prstTxWarp>
           </a:bodyPr>
           <a:lstStyle/>
           <a:p>
-            <a:pPr marL="0" lvl="0" indent="0" algn="l" rtl="0">
-              <a:spcBef>
-                <a:spcPts val="0"/>
-              </a:spcBef>
-              <a:spcAft>
-                <a:spcPts val="0"/>
-              </a:spcAft>
-              <a:buClr>
-                <a:schemeClr val="dk1"/>
-              </a:buClr>
-              <a:buSzPts val="1100"/>
-              <a:buFont typeface="Arial"/>
-              <a:buNone/>
-            </a:pPr>
-            <a:r>
-              <a:rPr lang="en-GB">
-                <a:solidFill>
-                  <a:schemeClr val="dk1"/>
-                </a:solidFill>
-              </a:rPr>
-              <a:t>Specification of compute resources is needed to run a job on LOTUS -Priority is a numerical ranking of a job by the scheduler that influences how soon it will start (high priority more likely to start sooner)</a:t>
-            </a:r>
-            <a:endParaRPr/>
+            <a:pPr eaLnBrk="1" hangingPunct="1">
+              <a:spcBef>
+                <a:spcPct val="0"/>
+              </a:spcBef>
+            </a:pPr>
+            <a:r>
+              <a:rPr lang="en-GB" altLang="en-US" dirty="0" smtClean="0">
+                <a:ea typeface="ＭＳ Ｐゴシック" pitchFamily="34" charset="-128"/>
+              </a:rPr>
+              <a:t>Big Data is a hot topic. This pretty diagram, courtesy of IBM, tells us about the four “Vs” that are typically used to identify “Big Data”:</a:t>
+            </a:r>
+          </a:p>
+          <a:p>
+            <a:pPr eaLnBrk="1" hangingPunct="1">
+              <a:spcBef>
+                <a:spcPct val="0"/>
+              </a:spcBef>
+            </a:pPr>
+            <a:endParaRPr lang="en-GB" altLang="en-US" dirty="0" smtClean="0">
+              <a:ea typeface="ＭＳ Ｐゴシック" pitchFamily="34" charset="-128"/>
+            </a:endParaRPr>
+          </a:p>
+          <a:p>
+            <a:pPr eaLnBrk="1" hangingPunct="1">
+              <a:spcBef>
+                <a:spcPct val="0"/>
+              </a:spcBef>
+            </a:pPr>
+            <a:r>
+              <a:rPr lang="en-GB" altLang="en-US" dirty="0" smtClean="0">
+                <a:ea typeface="ＭＳ Ｐゴシック" pitchFamily="34" charset="-128"/>
+              </a:rPr>
+              <a:t> - Firstly, there is Volume, talk briefly about some of the text/graphics [click], explain what a Zettabyte is, [click]</a:t>
+            </a:r>
+          </a:p>
+          <a:p>
+            <a:pPr eaLnBrk="1" hangingPunct="1">
+              <a:spcBef>
+                <a:spcPct val="0"/>
+              </a:spcBef>
+            </a:pPr>
+            <a:r>
+              <a:rPr lang="en-GB" altLang="en-US" dirty="0" smtClean="0">
+                <a:ea typeface="ＭＳ Ｐゴシック" pitchFamily="34" charset="-128"/>
+              </a:rPr>
+              <a:t> - Then, there is Variety, talk briefly about some of the text/graphics [click], </a:t>
+            </a:r>
+          </a:p>
+          <a:p>
+            <a:pPr eaLnBrk="1" hangingPunct="1">
+              <a:spcBef>
+                <a:spcPct val="0"/>
+              </a:spcBef>
+            </a:pPr>
+            <a:r>
+              <a:rPr lang="en-GB" altLang="en-US" dirty="0" smtClean="0">
+                <a:ea typeface="ＭＳ Ｐゴシック" pitchFamily="34" charset="-128"/>
+              </a:rPr>
+              <a:t> - Then, Velocity, which is about throughput, mention the text/graphics... [click],</a:t>
+            </a:r>
+          </a:p>
+          <a:p>
+            <a:pPr eaLnBrk="1" hangingPunct="1">
+              <a:spcBef>
+                <a:spcPct val="0"/>
+              </a:spcBef>
+            </a:pPr>
+            <a:r>
+              <a:rPr lang="en-GB" altLang="en-US" dirty="0" smtClean="0">
+                <a:ea typeface="ＭＳ Ｐゴシック" pitchFamily="34" charset="-128"/>
+              </a:rPr>
+              <a:t> - and finally, Veracity, how much do you trust the data you are using/producing? </a:t>
+            </a:r>
           </a:p>
         </p:txBody>
       </p:sp>
       <p:sp>
         <p:nvSpPr>
-          <p:cNvPr id="260" name="Google Shape;260;g47ebe64b05_1_94:notes"/>
+          <p:cNvPr id="55300" name="Slide Number Placeholder 3"/>
           <p:cNvSpPr>
-            <a:spLocks noGrp="1" noRot="1" noChangeAspect="1"/>
+            <a:spLocks noGrp="1"/>
           </p:cNvSpPr>
           <p:nvPr>
-            <p:ph type="sldImg" idx="2"/>
+            <p:ph type="sldNum" sz="quarter" idx="5"/>
           </p:nvPr>
         </p:nvSpPr>
-        <p:spPr>
-          <a:xfrm>
-            <a:off x="1143000" y="685800"/>
-            <a:ext cx="4572000" cy="3429000"/>
-          </a:xfrm>
-          <a:custGeom>
-            <a:avLst/>
-            <a:gdLst/>
-            <a:ahLst/>
-            <a:cxnLst/>
-            <a:rect l="l" t="t" r="r" b="b"/>
-            <a:pathLst>
-              <a:path w="120000" h="120000" extrusionOk="0">
-                <a:moveTo>
-                  <a:pt x="0" y="0"/>
-                </a:moveTo>
-                <a:lnTo>
-                  <a:pt x="120000" y="0"/>
-                </a:lnTo>
-                <a:lnTo>
-                  <a:pt x="120000" y="120000"/>
-                </a:lnTo>
-                <a:lnTo>
-                  <a:pt x="0" y="120000"/>
-                </a:lnTo>
-                <a:close/>
-              </a:path>
-            </a:pathLst>
-          </a:custGeom>
+        <p:spPr bwMode="auto">
+          <a:noFill/>
+          <a:extLst>
+            <a:ext uri="{909E8E84-426E-40DD-AFC4-6F175D3DCCD1}">
+              <a14:hiddenFill xmlns:a14="http://schemas.microsoft.com/office/drawing/2010/main">
+                <a:solidFill>
+                  <a:srgbClr val="FFFFFF"/>
+                </a:solidFill>
+              </a14:hiddenFill>
+            </a:ext>
+            <a:ext uri="{91240B29-F687-4F45-9708-019B960494DF}">
+              <a14:hiddenLine xmlns:a14="http://schemas.microsoft.com/office/drawing/2010/main" w="9525">
+                <a:solidFill>
+                  <a:srgbClr val="000000"/>
+                </a:solidFill>
+                <a:miter lim="800000"/>
+                <a:headEnd/>
+                <a:tailEnd/>
+              </a14:hiddenLine>
+            </a:ext>
+          </a:extLst>
         </p:spPr>
+        <p:txBody>
+          <a:bodyPr/>
+          <a:lstStyle>
+            <a:lvl1pPr eaLnBrk="0" hangingPunct="0">
+              <a:spcBef>
+                <a:spcPct val="30000"/>
+              </a:spcBef>
+              <a:defRPr sz="1200">
+                <a:solidFill>
+                  <a:schemeClr val="tx1"/>
+                </a:solidFill>
+                <a:latin typeface="Calibri" pitchFamily="34" charset="0"/>
+                <a:ea typeface="ＭＳ Ｐゴシック" pitchFamily="34" charset="-128"/>
+              </a:defRPr>
+            </a:lvl1pPr>
+            <a:lvl2pPr marL="742950" indent="-285750" eaLnBrk="0" hangingPunct="0">
+              <a:spcBef>
+                <a:spcPct val="30000"/>
+              </a:spcBef>
+              <a:defRPr sz="1200">
+                <a:solidFill>
+                  <a:schemeClr val="tx1"/>
+                </a:solidFill>
+                <a:latin typeface="Calibri" pitchFamily="34" charset="0"/>
+                <a:ea typeface="ＭＳ Ｐゴシック" pitchFamily="34" charset="-128"/>
+              </a:defRPr>
+            </a:lvl2pPr>
+            <a:lvl3pPr marL="1143000" indent="-228600" eaLnBrk="0" hangingPunct="0">
+              <a:spcBef>
+                <a:spcPct val="30000"/>
+              </a:spcBef>
+              <a:defRPr sz="1200">
+                <a:solidFill>
+                  <a:schemeClr val="tx1"/>
+                </a:solidFill>
+                <a:latin typeface="Calibri" pitchFamily="34" charset="0"/>
+                <a:ea typeface="ＭＳ Ｐゴシック" pitchFamily="34" charset="-128"/>
+              </a:defRPr>
+            </a:lvl3pPr>
+            <a:lvl4pPr marL="1600200" indent="-228600" eaLnBrk="0" hangingPunct="0">
+              <a:spcBef>
+                <a:spcPct val="30000"/>
+              </a:spcBef>
+              <a:defRPr sz="1200">
+                <a:solidFill>
+                  <a:schemeClr val="tx1"/>
+                </a:solidFill>
+                <a:latin typeface="Calibri" pitchFamily="34" charset="0"/>
+                <a:ea typeface="ＭＳ Ｐゴシック" pitchFamily="34" charset="-128"/>
+              </a:defRPr>
+            </a:lvl4pPr>
+            <a:lvl5pPr marL="2057400" indent="-228600" eaLnBrk="0" hangingPunct="0">
+              <a:spcBef>
+                <a:spcPct val="30000"/>
+              </a:spcBef>
+              <a:defRPr sz="1200">
+                <a:solidFill>
+                  <a:schemeClr val="tx1"/>
+                </a:solidFill>
+                <a:latin typeface="Calibri" pitchFamily="34" charset="0"/>
+                <a:ea typeface="ＭＳ Ｐゴシック" pitchFamily="34" charset="-128"/>
+              </a:defRPr>
+            </a:lvl5pPr>
+            <a:lvl6pPr marL="2514600" indent="-228600" eaLnBrk="0" fontAlgn="base" hangingPunct="0">
+              <a:spcBef>
+                <a:spcPct val="30000"/>
+              </a:spcBef>
+              <a:spcAft>
+                <a:spcPct val="0"/>
+              </a:spcAft>
+              <a:defRPr sz="1200">
+                <a:solidFill>
+                  <a:schemeClr val="tx1"/>
+                </a:solidFill>
+                <a:latin typeface="Calibri" pitchFamily="34" charset="0"/>
+                <a:ea typeface="ＭＳ Ｐゴシック" pitchFamily="34" charset="-128"/>
+              </a:defRPr>
+            </a:lvl6pPr>
+            <a:lvl7pPr marL="2971800" indent="-228600" eaLnBrk="0" fontAlgn="base" hangingPunct="0">
+              <a:spcBef>
+                <a:spcPct val="30000"/>
+              </a:spcBef>
+              <a:spcAft>
+                <a:spcPct val="0"/>
+              </a:spcAft>
+              <a:defRPr sz="1200">
+                <a:solidFill>
+                  <a:schemeClr val="tx1"/>
+                </a:solidFill>
+                <a:latin typeface="Calibri" pitchFamily="34" charset="0"/>
+                <a:ea typeface="ＭＳ Ｐゴシック" pitchFamily="34" charset="-128"/>
+              </a:defRPr>
+            </a:lvl7pPr>
+            <a:lvl8pPr marL="3429000" indent="-228600" eaLnBrk="0" fontAlgn="base" hangingPunct="0">
+              <a:spcBef>
+                <a:spcPct val="30000"/>
+              </a:spcBef>
+              <a:spcAft>
+                <a:spcPct val="0"/>
+              </a:spcAft>
+              <a:defRPr sz="1200">
+                <a:solidFill>
+                  <a:schemeClr val="tx1"/>
+                </a:solidFill>
+                <a:latin typeface="Calibri" pitchFamily="34" charset="0"/>
+                <a:ea typeface="ＭＳ Ｐゴシック" pitchFamily="34" charset="-128"/>
+              </a:defRPr>
+            </a:lvl8pPr>
+            <a:lvl9pPr marL="3886200" indent="-228600" eaLnBrk="0" fontAlgn="base" hangingPunct="0">
+              <a:spcBef>
+                <a:spcPct val="30000"/>
+              </a:spcBef>
+              <a:spcAft>
+                <a:spcPct val="0"/>
+              </a:spcAft>
+              <a:defRPr sz="1200">
+                <a:solidFill>
+                  <a:schemeClr val="tx1"/>
+                </a:solidFill>
+                <a:latin typeface="Calibri" pitchFamily="34" charset="0"/>
+                <a:ea typeface="ＭＳ Ｐゴシック" pitchFamily="34" charset="-128"/>
+              </a:defRPr>
+            </a:lvl9pPr>
+          </a:lstStyle>
+          <a:p>
+            <a:pPr eaLnBrk="1" hangingPunct="1">
+              <a:spcBef>
+                <a:spcPct val="0"/>
+              </a:spcBef>
+            </a:pPr>
+            <a:fld id="{12520244-4ED5-4297-A822-1664305641AC}" type="slidenum">
+              <a:rPr lang="en-GB" altLang="en-US">
+                <a:latin typeface="Arial" pitchFamily="34" charset="0"/>
+              </a:rPr>
+              <a:pPr eaLnBrk="1" hangingPunct="1">
+                <a:spcBef>
+                  <a:spcPct val="0"/>
+                </a:spcBef>
+              </a:pPr>
+              <a:t>2</a:t>
+            </a:fld>
+            <a:endParaRPr lang="en-GB" altLang="en-US">
+              <a:latin typeface="Arial" pitchFamily="34" charset="0"/>
+            </a:endParaRPr>
+          </a:p>
+        </p:txBody>
       </p:sp>
     </p:spTree>
+    <p:extLst>
+      <p:ext uri="{BB962C8B-B14F-4D97-AF65-F5344CB8AC3E}">
+        <p14:creationId xmlns:p14="http://schemas.microsoft.com/office/powerpoint/2010/main" val="2293947508"/>
+      </p:ext>
+    </p:extLst>
   </p:cSld>
   <p:clrMapOvr>
     <a:masterClrMapping/>
@@ -3462,7 +3020,7 @@
 </p:notes>
 </file>
 
-<file path=ppt/notesSlides/notesSlide22.xml><?xml version="1.0" encoding="utf-8"?>
+<file path=ppt/notesSlides/notesSlide20.xml><?xml version="1.0" encoding="utf-8"?>
 <p:notes xmlns:a="http://schemas.openxmlformats.org/drawingml/2006/main" xmlns:r="http://schemas.openxmlformats.org/officeDocument/2006/relationships" xmlns:p="http://schemas.openxmlformats.org/presentationml/2006/main" showMasterSp="0" showMasterPhAnim="0">
   <p:cSld>
     <p:spTree>
@@ -3743,7 +3301,7 @@
                 <a:cs typeface="Arial"/>
                 <a:sym typeface="Arial"/>
               </a:rPr>
-              <a:t>23</a:t>
+              <a:t>22</a:t>
             </a:fld>
             <a:endParaRPr sz="1200">
               <a:solidFill>
@@ -3765,7 +3323,7 @@
 </p:notes>
 </file>
 
-<file path=ppt/notesSlides/notesSlide23.xml><?xml version="1.0" encoding="utf-8"?>
+<file path=ppt/notesSlides/notesSlide21.xml><?xml version="1.0" encoding="utf-8"?>
 <p:notes xmlns:a="http://schemas.openxmlformats.org/drawingml/2006/main" xmlns:r="http://schemas.openxmlformats.org/officeDocument/2006/relationships" xmlns:p="http://schemas.openxmlformats.org/presentationml/2006/main" showMasterSp="0" showMasterPhAnim="0">
   <p:cSld>
     <p:spTree>
@@ -3987,7 +3545,7 @@
                 <a:cs typeface="Arial"/>
                 <a:sym typeface="Arial"/>
               </a:rPr>
-              <a:t>24</a:t>
+              <a:t>23</a:t>
             </a:fld>
             <a:endParaRPr sz="1200">
               <a:solidFill>
@@ -4009,7 +3567,7 @@
 </p:notes>
 </file>
 
-<file path=ppt/notesSlides/notesSlide24.xml><?xml version="1.0" encoding="utf-8"?>
+<file path=ppt/notesSlides/notesSlide22.xml><?xml version="1.0" encoding="utf-8"?>
 <p:notes xmlns:a="http://schemas.openxmlformats.org/drawingml/2006/main" xmlns:r="http://schemas.openxmlformats.org/officeDocument/2006/relationships" xmlns:p="http://schemas.openxmlformats.org/presentationml/2006/main" showMasterSp="0" showMasterPhAnim="0">
   <p:cSld>
     <p:spTree>
@@ -4290,7 +3848,7 @@
                 <a:cs typeface="Arial"/>
                 <a:sym typeface="Arial"/>
               </a:rPr>
-              <a:t>25</a:t>
+              <a:t>24</a:t>
             </a:fld>
             <a:endParaRPr sz="1200">
               <a:solidFill>
@@ -4312,7 +3870,7 @@
 </p:notes>
 </file>
 
-<file path=ppt/notesSlides/notesSlide25.xml><?xml version="1.0" encoding="utf-8"?>
+<file path=ppt/notesSlides/notesSlide23.xml><?xml version="1.0" encoding="utf-8"?>
 <p:notes xmlns:a="http://schemas.openxmlformats.org/drawingml/2006/main" xmlns:r="http://schemas.openxmlformats.org/officeDocument/2006/relationships" xmlns:p="http://schemas.openxmlformats.org/presentationml/2006/main" showMasterSp="0" showMasterPhAnim="0">
   <p:cSld>
     <p:spTree>
@@ -4593,7 +4151,7 @@
                 <a:cs typeface="Arial"/>
                 <a:sym typeface="Arial"/>
               </a:rPr>
-              <a:t>26</a:t>
+              <a:t>25</a:t>
             </a:fld>
             <a:endParaRPr sz="1200">
               <a:solidFill>
@@ -4615,7 +4173,7 @@
 </p:notes>
 </file>
 
-<file path=ppt/notesSlides/notesSlide26.xml><?xml version="1.0" encoding="utf-8"?>
+<file path=ppt/notesSlides/notesSlide24.xml><?xml version="1.0" encoding="utf-8"?>
 <p:notes xmlns:a="http://schemas.openxmlformats.org/drawingml/2006/main" xmlns:r="http://schemas.openxmlformats.org/officeDocument/2006/relationships" xmlns:p="http://schemas.openxmlformats.org/presentationml/2006/main" showMasterSp="0" showMasterPhAnim="0">
   <p:cSld>
     <p:spTree>
@@ -4971,7 +4529,7 @@
 </p:notes>
 </file>
 
-<file path=ppt/notesSlides/notesSlide27.xml><?xml version="1.0" encoding="utf-8"?>
+<file path=ppt/notesSlides/notesSlide25.xml><?xml version="1.0" encoding="utf-8"?>
 <p:notes xmlns:a="http://schemas.openxmlformats.org/drawingml/2006/main" xmlns:r="http://schemas.openxmlformats.org/officeDocument/2006/relationships" xmlns:p="http://schemas.openxmlformats.org/presentationml/2006/main" showMasterSp="0" showMasterPhAnim="0">
   <p:cSld>
     <p:spTree>
@@ -5133,7 +4691,7 @@
                 <a:cs typeface="Arial"/>
                 <a:sym typeface="Arial"/>
               </a:rPr>
-              <a:t>28</a:t>
+              <a:t>27</a:t>
             </a:fld>
             <a:endParaRPr sz="1200">
               <a:solidFill>
@@ -5155,7 +4713,7 @@
 </p:notes>
 </file>
 
-<file path=ppt/notesSlides/notesSlide28.xml><?xml version="1.0" encoding="utf-8"?>
+<file path=ppt/notesSlides/notesSlide26.xml><?xml version="1.0" encoding="utf-8"?>
 <p:notes xmlns:a="http://schemas.openxmlformats.org/drawingml/2006/main" xmlns:r="http://schemas.openxmlformats.org/officeDocument/2006/relationships" xmlns:p="http://schemas.openxmlformats.org/presentationml/2006/main" showMasterSp="0" showMasterPhAnim="0">
   <p:cSld>
     <p:spTree>
@@ -5436,7 +4994,7 @@
                 <a:cs typeface="Arial"/>
                 <a:sym typeface="Arial"/>
               </a:rPr>
-              <a:t>29</a:t>
+              <a:t>28</a:t>
             </a:fld>
             <a:endParaRPr sz="1200">
               <a:solidFill>
@@ -5458,7 +5016,7 @@
 </p:notes>
 </file>
 
-<file path=ppt/notesSlides/notesSlide29.xml><?xml version="1.0" encoding="utf-8"?>
+<file path=ppt/notesSlides/notesSlide27.xml><?xml version="1.0" encoding="utf-8"?>
 <p:notes xmlns:a="http://schemas.openxmlformats.org/drawingml/2006/main" xmlns:r="http://schemas.openxmlformats.org/officeDocument/2006/relationships" xmlns:p="http://schemas.openxmlformats.org/presentationml/2006/main" showMasterSp="0" showMasterPhAnim="0">
   <p:cSld>
     <p:spTree>
@@ -5620,7 +5178,401 @@
                 <a:cs typeface="Arial"/>
                 <a:sym typeface="Arial"/>
               </a:rPr>
+              <a:t>29</a:t>
+            </a:fld>
+            <a:endParaRPr sz="1200">
+              <a:solidFill>
+                <a:schemeClr val="dk1"/>
+              </a:solidFill>
+              <a:latin typeface="Arial"/>
+              <a:ea typeface="Arial"/>
+              <a:cs typeface="Arial"/>
+              <a:sym typeface="Arial"/>
+            </a:endParaRPr>
+          </a:p>
+        </p:txBody>
+      </p:sp>
+    </p:spTree>
+  </p:cSld>
+  <p:clrMapOvr>
+    <a:masterClrMapping/>
+  </p:clrMapOvr>
+</p:notes>
+</file>
+
+<file path=ppt/notesSlides/notesSlide28.xml><?xml version="1.0" encoding="utf-8"?>
+<p:notes xmlns:a="http://schemas.openxmlformats.org/drawingml/2006/main" xmlns:r="http://schemas.openxmlformats.org/officeDocument/2006/relationships" xmlns:p="http://schemas.openxmlformats.org/presentationml/2006/main" showMasterSp="0" showMasterPhAnim="0">
+  <p:cSld>
+    <p:spTree>
+      <p:nvGrpSpPr>
+        <p:cNvPr id="1" name="Shape 386"/>
+        <p:cNvGrpSpPr/>
+        <p:nvPr/>
+      </p:nvGrpSpPr>
+      <p:grpSpPr>
+        <a:xfrm>
+          <a:off x="0" y="0"/>
+          <a:ext cx="0" cy="0"/>
+          <a:chOff x="0" y="0"/>
+          <a:chExt cx="0" cy="0"/>
+        </a:xfrm>
+      </p:grpSpPr>
+      <p:sp>
+        <p:nvSpPr>
+          <p:cNvPr id="387" name="Google Shape;387;p26:notes"/>
+          <p:cNvSpPr>
+            <a:spLocks noGrp="1" noRot="1" noChangeAspect="1"/>
+          </p:cNvSpPr>
+          <p:nvPr>
+            <p:ph type="sldImg" idx="2"/>
+          </p:nvPr>
+        </p:nvSpPr>
+        <p:spPr>
+          <a:xfrm>
+            <a:off x="1143000" y="685800"/>
+            <a:ext cx="4572000" cy="3429000"/>
+          </a:xfrm>
+          <a:custGeom>
+            <a:avLst/>
+            <a:gdLst/>
+            <a:ahLst/>
+            <a:cxnLst/>
+            <a:rect l="l" t="t" r="r" b="b"/>
+            <a:pathLst>
+              <a:path w="120000" h="120000" extrusionOk="0">
+                <a:moveTo>
+                  <a:pt x="0" y="0"/>
+                </a:moveTo>
+                <a:lnTo>
+                  <a:pt x="120000" y="0"/>
+                </a:lnTo>
+                <a:lnTo>
+                  <a:pt x="120000" y="120000"/>
+                </a:lnTo>
+                <a:lnTo>
+                  <a:pt x="0" y="120000"/>
+                </a:lnTo>
+                <a:close/>
+              </a:path>
+            </a:pathLst>
+          </a:custGeom>
+          <a:noFill/>
+          <a:ln w="12700" cap="flat" cmpd="sng">
+            <a:solidFill>
+              <a:srgbClr val="000000"/>
+            </a:solidFill>
+            <a:prstDash val="solid"/>
+            <a:round/>
+            <a:headEnd type="none" w="sm" len="sm"/>
+            <a:tailEnd type="none" w="sm" len="sm"/>
+          </a:ln>
+        </p:spPr>
+      </p:sp>
+      <p:sp>
+        <p:nvSpPr>
+          <p:cNvPr id="388" name="Google Shape;388;p26:notes"/>
+          <p:cNvSpPr txBox="1">
+            <a:spLocks noGrp="1"/>
+          </p:cNvSpPr>
+          <p:nvPr>
+            <p:ph type="body" idx="1"/>
+          </p:nvPr>
+        </p:nvSpPr>
+        <p:spPr>
+          <a:xfrm>
+            <a:off x="685800" y="4343400"/>
+            <a:ext cx="5486400" cy="4114800"/>
+          </a:xfrm>
+          <a:prstGeom prst="rect">
+            <a:avLst/>
+          </a:prstGeom>
+          <a:noFill/>
+          <a:ln>
+            <a:noFill/>
+          </a:ln>
+        </p:spPr>
+        <p:txBody>
+          <a:bodyPr spcFirstLastPara="1" wrap="square" lIns="91425" tIns="45700" rIns="91425" bIns="45700" anchor="t" anchorCtr="0">
+            <a:noAutofit/>
+          </a:bodyPr>
+          <a:lstStyle/>
+          <a:p>
+            <a:pPr marL="0" marR="0" lvl="0" indent="0" algn="l" rtl="0">
+              <a:spcBef>
+                <a:spcPts val="0"/>
+              </a:spcBef>
+              <a:spcAft>
+                <a:spcPts val="0"/>
+              </a:spcAft>
+              <a:buClr>
+                <a:srgbClr val="032044"/>
+              </a:buClr>
+              <a:buSzPts val="1200"/>
+              <a:buFont typeface="Calibri"/>
+              <a:buNone/>
+            </a:pPr>
+            <a:r>
+              <a:rPr lang="en-GB" sz="1200" b="0" i="0" u="none" strike="noStrike" cap="none">
+                <a:solidFill>
+                  <a:srgbClr val="032044"/>
+                </a:solidFill>
+                <a:latin typeface="Calibri"/>
+                <a:ea typeface="Calibri"/>
+                <a:cs typeface="Calibri"/>
+                <a:sym typeface="Calibri"/>
+              </a:rPr>
+              <a:t>~3PB disk, 10PB tape/object store</a:t>
+            </a:r>
+            <a:endParaRPr sz="1200" b="0" i="0" u="none" strike="noStrike" cap="none">
+              <a:solidFill>
+                <a:schemeClr val="dk1"/>
+              </a:solidFill>
+              <a:latin typeface="Calibri"/>
+              <a:ea typeface="Calibri"/>
+              <a:cs typeface="Calibri"/>
+              <a:sym typeface="Calibri"/>
+            </a:endParaRPr>
+          </a:p>
+        </p:txBody>
+      </p:sp>
+      <p:sp>
+        <p:nvSpPr>
+          <p:cNvPr id="389" name="Google Shape;389;p26:notes"/>
+          <p:cNvSpPr txBox="1">
+            <a:spLocks noGrp="1"/>
+          </p:cNvSpPr>
+          <p:nvPr>
+            <p:ph type="sldNum" idx="12"/>
+          </p:nvPr>
+        </p:nvSpPr>
+        <p:spPr>
+          <a:xfrm>
+            <a:off x="3884613" y="8685213"/>
+            <a:ext cx="2971800" cy="457200"/>
+          </a:xfrm>
+          <a:prstGeom prst="rect">
+            <a:avLst/>
+          </a:prstGeom>
+          <a:noFill/>
+          <a:ln>
+            <a:noFill/>
+          </a:ln>
+        </p:spPr>
+        <p:txBody>
+          <a:bodyPr spcFirstLastPara="1" wrap="square" lIns="91425" tIns="45700" rIns="91425" bIns="45700" anchor="b" anchorCtr="0">
+            <a:noAutofit/>
+          </a:bodyPr>
+          <a:lstStyle/>
+          <a:p>
+            <a:pPr marL="0" marR="0" lvl="0" indent="0" algn="r" rtl="0">
+              <a:spcBef>
+                <a:spcPts val="0"/>
+              </a:spcBef>
+              <a:spcAft>
+                <a:spcPts val="0"/>
+              </a:spcAft>
+              <a:buClr>
+                <a:schemeClr val="dk1"/>
+              </a:buClr>
+              <a:buSzPts val="1200"/>
+              <a:buFont typeface="Calibri"/>
+              <a:buNone/>
+            </a:pPr>
+            <a:fld id="{00000000-1234-1234-1234-123412341234}" type="slidenum">
+              <a:rPr lang="en-GB" sz="1200">
+                <a:solidFill>
+                  <a:schemeClr val="dk1"/>
+                </a:solidFill>
+                <a:latin typeface="Calibri"/>
+                <a:ea typeface="Calibri"/>
+                <a:cs typeface="Calibri"/>
+                <a:sym typeface="Calibri"/>
+              </a:rPr>
               <a:t>30</a:t>
+            </a:fld>
+            <a:endParaRPr sz="1200">
+              <a:solidFill>
+                <a:schemeClr val="dk1"/>
+              </a:solidFill>
+              <a:latin typeface="Calibri"/>
+              <a:ea typeface="Calibri"/>
+              <a:cs typeface="Calibri"/>
+              <a:sym typeface="Calibri"/>
+            </a:endParaRPr>
+          </a:p>
+        </p:txBody>
+      </p:sp>
+    </p:spTree>
+  </p:cSld>
+  <p:clrMapOvr>
+    <a:masterClrMapping/>
+  </p:clrMapOvr>
+</p:notes>
+</file>
+
+<file path=ppt/notesSlides/notesSlide29.xml><?xml version="1.0" encoding="utf-8"?>
+<p:notes xmlns:a="http://schemas.openxmlformats.org/drawingml/2006/main" xmlns:r="http://schemas.openxmlformats.org/officeDocument/2006/relationships" xmlns:p="http://schemas.openxmlformats.org/presentationml/2006/main" showMasterSp="0" showMasterPhAnim="0">
+  <p:cSld>
+    <p:spTree>
+      <p:nvGrpSpPr>
+        <p:cNvPr id="1" name="Shape 396"/>
+        <p:cNvGrpSpPr/>
+        <p:nvPr/>
+      </p:nvGrpSpPr>
+      <p:grpSpPr>
+        <a:xfrm>
+          <a:off x="0" y="0"/>
+          <a:ext cx="0" cy="0"/>
+          <a:chOff x="0" y="0"/>
+          <a:chExt cx="0" cy="0"/>
+        </a:xfrm>
+      </p:grpSpPr>
+      <p:sp>
+        <p:nvSpPr>
+          <p:cNvPr id="397" name="Google Shape;397;p27:notes"/>
+          <p:cNvSpPr>
+            <a:spLocks noGrp="1" noRot="1" noChangeAspect="1"/>
+          </p:cNvSpPr>
+          <p:nvPr>
+            <p:ph type="sldImg" idx="2"/>
+          </p:nvPr>
+        </p:nvSpPr>
+        <p:spPr>
+          <a:xfrm>
+            <a:off x="1143000" y="685800"/>
+            <a:ext cx="4572000" cy="3429000"/>
+          </a:xfrm>
+          <a:custGeom>
+            <a:avLst/>
+            <a:gdLst/>
+            <a:ahLst/>
+            <a:cxnLst/>
+            <a:rect l="l" t="t" r="r" b="b"/>
+            <a:pathLst>
+              <a:path w="120000" h="120000" extrusionOk="0">
+                <a:moveTo>
+                  <a:pt x="0" y="0"/>
+                </a:moveTo>
+                <a:lnTo>
+                  <a:pt x="120000" y="0"/>
+                </a:lnTo>
+                <a:lnTo>
+                  <a:pt x="120000" y="120000"/>
+                </a:lnTo>
+                <a:lnTo>
+                  <a:pt x="0" y="120000"/>
+                </a:lnTo>
+                <a:close/>
+              </a:path>
+            </a:pathLst>
+          </a:custGeom>
+          <a:noFill/>
+          <a:ln w="9525" cap="flat" cmpd="sng">
+            <a:solidFill>
+              <a:srgbClr val="000000"/>
+            </a:solidFill>
+            <a:prstDash val="solid"/>
+            <a:miter lim="800000"/>
+            <a:headEnd type="none" w="sm" len="sm"/>
+            <a:tailEnd type="none" w="sm" len="sm"/>
+          </a:ln>
+        </p:spPr>
+      </p:sp>
+      <p:sp>
+        <p:nvSpPr>
+          <p:cNvPr id="398" name="Google Shape;398;p27:notes"/>
+          <p:cNvSpPr txBox="1">
+            <a:spLocks noGrp="1"/>
+          </p:cNvSpPr>
+          <p:nvPr>
+            <p:ph type="body" idx="1"/>
+          </p:nvPr>
+        </p:nvSpPr>
+        <p:spPr>
+          <a:xfrm>
+            <a:off x="685800" y="4343400"/>
+            <a:ext cx="5486400" cy="4114800"/>
+          </a:xfrm>
+          <a:prstGeom prst="rect">
+            <a:avLst/>
+          </a:prstGeom>
+          <a:noFill/>
+          <a:ln>
+            <a:noFill/>
+          </a:ln>
+        </p:spPr>
+        <p:txBody>
+          <a:bodyPr spcFirstLastPara="1" wrap="square" lIns="91425" tIns="45700" rIns="91425" bIns="45700" anchor="t" anchorCtr="0">
+            <a:noAutofit/>
+          </a:bodyPr>
+          <a:lstStyle/>
+          <a:p>
+            <a:pPr marL="0" lvl="0" indent="0" algn="l" rtl="0">
+              <a:spcBef>
+                <a:spcPts val="0"/>
+              </a:spcBef>
+              <a:spcAft>
+                <a:spcPts val="0"/>
+              </a:spcAft>
+              <a:buNone/>
+            </a:pPr>
+            <a:r>
+              <a:rPr lang="en-GB"/>
+              <a:t>Here are some ways in which the “Big Data” challenge will continue to affect the way that scientists need to work.</a:t>
+            </a:r>
+            <a:endParaRPr/>
+          </a:p>
+        </p:txBody>
+      </p:sp>
+      <p:sp>
+        <p:nvSpPr>
+          <p:cNvPr id="399" name="Google Shape;399;p27:notes"/>
+          <p:cNvSpPr txBox="1">
+            <a:spLocks noGrp="1"/>
+          </p:cNvSpPr>
+          <p:nvPr>
+            <p:ph type="sldNum" idx="12"/>
+          </p:nvPr>
+        </p:nvSpPr>
+        <p:spPr>
+          <a:xfrm>
+            <a:off x="3884613" y="8685213"/>
+            <a:ext cx="2971800" cy="457200"/>
+          </a:xfrm>
+          <a:prstGeom prst="rect">
+            <a:avLst/>
+          </a:prstGeom>
+          <a:noFill/>
+          <a:ln>
+            <a:noFill/>
+          </a:ln>
+        </p:spPr>
+        <p:txBody>
+          <a:bodyPr spcFirstLastPara="1" wrap="square" lIns="91425" tIns="45700" rIns="91425" bIns="45700" anchor="b" anchorCtr="0">
+            <a:noAutofit/>
+          </a:bodyPr>
+          <a:lstStyle/>
+          <a:p>
+            <a:pPr marL="0" marR="0" lvl="0" indent="0" algn="r" rtl="0">
+              <a:spcBef>
+                <a:spcPts val="0"/>
+              </a:spcBef>
+              <a:spcAft>
+                <a:spcPts val="0"/>
+              </a:spcAft>
+              <a:buNone/>
+            </a:pPr>
+            <a:fld id="{00000000-1234-1234-1234-123412341234}" type="slidenum">
+              <a:rPr lang="en-GB" sz="1200">
+                <a:solidFill>
+                  <a:schemeClr val="dk1"/>
+                </a:solidFill>
+                <a:latin typeface="Arial"/>
+                <a:ea typeface="Arial"/>
+                <a:cs typeface="Arial"/>
+                <a:sym typeface="Arial"/>
+              </a:rPr>
+              <a:t>31</a:t>
             </a:fld>
             <a:endParaRPr sz="1200">
               <a:solidFill>
@@ -5912,400 +5864,6 @@
   <p:cSld>
     <p:spTree>
       <p:nvGrpSpPr>
-        <p:cNvPr id="1" name="Shape 386"/>
-        <p:cNvGrpSpPr/>
-        <p:nvPr/>
-      </p:nvGrpSpPr>
-      <p:grpSpPr>
-        <a:xfrm>
-          <a:off x="0" y="0"/>
-          <a:ext cx="0" cy="0"/>
-          <a:chOff x="0" y="0"/>
-          <a:chExt cx="0" cy="0"/>
-        </a:xfrm>
-      </p:grpSpPr>
-      <p:sp>
-        <p:nvSpPr>
-          <p:cNvPr id="387" name="Google Shape;387;p26:notes"/>
-          <p:cNvSpPr>
-            <a:spLocks noGrp="1" noRot="1" noChangeAspect="1"/>
-          </p:cNvSpPr>
-          <p:nvPr>
-            <p:ph type="sldImg" idx="2"/>
-          </p:nvPr>
-        </p:nvSpPr>
-        <p:spPr>
-          <a:xfrm>
-            <a:off x="1143000" y="685800"/>
-            <a:ext cx="4572000" cy="3429000"/>
-          </a:xfrm>
-          <a:custGeom>
-            <a:avLst/>
-            <a:gdLst/>
-            <a:ahLst/>
-            <a:cxnLst/>
-            <a:rect l="l" t="t" r="r" b="b"/>
-            <a:pathLst>
-              <a:path w="120000" h="120000" extrusionOk="0">
-                <a:moveTo>
-                  <a:pt x="0" y="0"/>
-                </a:moveTo>
-                <a:lnTo>
-                  <a:pt x="120000" y="0"/>
-                </a:lnTo>
-                <a:lnTo>
-                  <a:pt x="120000" y="120000"/>
-                </a:lnTo>
-                <a:lnTo>
-                  <a:pt x="0" y="120000"/>
-                </a:lnTo>
-                <a:close/>
-              </a:path>
-            </a:pathLst>
-          </a:custGeom>
-          <a:noFill/>
-          <a:ln w="12700" cap="flat" cmpd="sng">
-            <a:solidFill>
-              <a:srgbClr val="000000"/>
-            </a:solidFill>
-            <a:prstDash val="solid"/>
-            <a:round/>
-            <a:headEnd type="none" w="sm" len="sm"/>
-            <a:tailEnd type="none" w="sm" len="sm"/>
-          </a:ln>
-        </p:spPr>
-      </p:sp>
-      <p:sp>
-        <p:nvSpPr>
-          <p:cNvPr id="388" name="Google Shape;388;p26:notes"/>
-          <p:cNvSpPr txBox="1">
-            <a:spLocks noGrp="1"/>
-          </p:cNvSpPr>
-          <p:nvPr>
-            <p:ph type="body" idx="1"/>
-          </p:nvPr>
-        </p:nvSpPr>
-        <p:spPr>
-          <a:xfrm>
-            <a:off x="685800" y="4343400"/>
-            <a:ext cx="5486400" cy="4114800"/>
-          </a:xfrm>
-          <a:prstGeom prst="rect">
-            <a:avLst/>
-          </a:prstGeom>
-          <a:noFill/>
-          <a:ln>
-            <a:noFill/>
-          </a:ln>
-        </p:spPr>
-        <p:txBody>
-          <a:bodyPr spcFirstLastPara="1" wrap="square" lIns="91425" tIns="45700" rIns="91425" bIns="45700" anchor="t" anchorCtr="0">
-            <a:noAutofit/>
-          </a:bodyPr>
-          <a:lstStyle/>
-          <a:p>
-            <a:pPr marL="0" marR="0" lvl="0" indent="0" algn="l" rtl="0">
-              <a:spcBef>
-                <a:spcPts val="0"/>
-              </a:spcBef>
-              <a:spcAft>
-                <a:spcPts val="0"/>
-              </a:spcAft>
-              <a:buClr>
-                <a:srgbClr val="032044"/>
-              </a:buClr>
-              <a:buSzPts val="1200"/>
-              <a:buFont typeface="Calibri"/>
-              <a:buNone/>
-            </a:pPr>
-            <a:r>
-              <a:rPr lang="en-GB" sz="1200" b="0" i="0" u="none" strike="noStrike" cap="none">
-                <a:solidFill>
-                  <a:srgbClr val="032044"/>
-                </a:solidFill>
-                <a:latin typeface="Calibri"/>
-                <a:ea typeface="Calibri"/>
-                <a:cs typeface="Calibri"/>
-                <a:sym typeface="Calibri"/>
-              </a:rPr>
-              <a:t>~3PB disk, 10PB tape/object store</a:t>
-            </a:r>
-            <a:endParaRPr sz="1200" b="0" i="0" u="none" strike="noStrike" cap="none">
-              <a:solidFill>
-                <a:schemeClr val="dk1"/>
-              </a:solidFill>
-              <a:latin typeface="Calibri"/>
-              <a:ea typeface="Calibri"/>
-              <a:cs typeface="Calibri"/>
-              <a:sym typeface="Calibri"/>
-            </a:endParaRPr>
-          </a:p>
-        </p:txBody>
-      </p:sp>
-      <p:sp>
-        <p:nvSpPr>
-          <p:cNvPr id="389" name="Google Shape;389;p26:notes"/>
-          <p:cNvSpPr txBox="1">
-            <a:spLocks noGrp="1"/>
-          </p:cNvSpPr>
-          <p:nvPr>
-            <p:ph type="sldNum" idx="12"/>
-          </p:nvPr>
-        </p:nvSpPr>
-        <p:spPr>
-          <a:xfrm>
-            <a:off x="3884613" y="8685213"/>
-            <a:ext cx="2971800" cy="457200"/>
-          </a:xfrm>
-          <a:prstGeom prst="rect">
-            <a:avLst/>
-          </a:prstGeom>
-          <a:noFill/>
-          <a:ln>
-            <a:noFill/>
-          </a:ln>
-        </p:spPr>
-        <p:txBody>
-          <a:bodyPr spcFirstLastPara="1" wrap="square" lIns="91425" tIns="45700" rIns="91425" bIns="45700" anchor="b" anchorCtr="0">
-            <a:noAutofit/>
-          </a:bodyPr>
-          <a:lstStyle/>
-          <a:p>
-            <a:pPr marL="0" marR="0" lvl="0" indent="0" algn="r" rtl="0">
-              <a:spcBef>
-                <a:spcPts val="0"/>
-              </a:spcBef>
-              <a:spcAft>
-                <a:spcPts val="0"/>
-              </a:spcAft>
-              <a:buClr>
-                <a:schemeClr val="dk1"/>
-              </a:buClr>
-              <a:buSzPts val="1200"/>
-              <a:buFont typeface="Calibri"/>
-              <a:buNone/>
-            </a:pPr>
-            <a:fld id="{00000000-1234-1234-1234-123412341234}" type="slidenum">
-              <a:rPr lang="en-GB" sz="1200">
-                <a:solidFill>
-                  <a:schemeClr val="dk1"/>
-                </a:solidFill>
-                <a:latin typeface="Calibri"/>
-                <a:ea typeface="Calibri"/>
-                <a:cs typeface="Calibri"/>
-                <a:sym typeface="Calibri"/>
-              </a:rPr>
-              <a:t>31</a:t>
-            </a:fld>
-            <a:endParaRPr sz="1200">
-              <a:solidFill>
-                <a:schemeClr val="dk1"/>
-              </a:solidFill>
-              <a:latin typeface="Calibri"/>
-              <a:ea typeface="Calibri"/>
-              <a:cs typeface="Calibri"/>
-              <a:sym typeface="Calibri"/>
-            </a:endParaRPr>
-          </a:p>
-        </p:txBody>
-      </p:sp>
-    </p:spTree>
-  </p:cSld>
-  <p:clrMapOvr>
-    <a:masterClrMapping/>
-  </p:clrMapOvr>
-</p:notes>
-</file>
-
-<file path=ppt/notesSlides/notesSlide31.xml><?xml version="1.0" encoding="utf-8"?>
-<p:notes xmlns:a="http://schemas.openxmlformats.org/drawingml/2006/main" xmlns:r="http://schemas.openxmlformats.org/officeDocument/2006/relationships" xmlns:p="http://schemas.openxmlformats.org/presentationml/2006/main" showMasterSp="0" showMasterPhAnim="0">
-  <p:cSld>
-    <p:spTree>
-      <p:nvGrpSpPr>
-        <p:cNvPr id="1" name="Shape 396"/>
-        <p:cNvGrpSpPr/>
-        <p:nvPr/>
-      </p:nvGrpSpPr>
-      <p:grpSpPr>
-        <a:xfrm>
-          <a:off x="0" y="0"/>
-          <a:ext cx="0" cy="0"/>
-          <a:chOff x="0" y="0"/>
-          <a:chExt cx="0" cy="0"/>
-        </a:xfrm>
-      </p:grpSpPr>
-      <p:sp>
-        <p:nvSpPr>
-          <p:cNvPr id="397" name="Google Shape;397;p27:notes"/>
-          <p:cNvSpPr>
-            <a:spLocks noGrp="1" noRot="1" noChangeAspect="1"/>
-          </p:cNvSpPr>
-          <p:nvPr>
-            <p:ph type="sldImg" idx="2"/>
-          </p:nvPr>
-        </p:nvSpPr>
-        <p:spPr>
-          <a:xfrm>
-            <a:off x="1143000" y="685800"/>
-            <a:ext cx="4572000" cy="3429000"/>
-          </a:xfrm>
-          <a:custGeom>
-            <a:avLst/>
-            <a:gdLst/>
-            <a:ahLst/>
-            <a:cxnLst/>
-            <a:rect l="l" t="t" r="r" b="b"/>
-            <a:pathLst>
-              <a:path w="120000" h="120000" extrusionOk="0">
-                <a:moveTo>
-                  <a:pt x="0" y="0"/>
-                </a:moveTo>
-                <a:lnTo>
-                  <a:pt x="120000" y="0"/>
-                </a:lnTo>
-                <a:lnTo>
-                  <a:pt x="120000" y="120000"/>
-                </a:lnTo>
-                <a:lnTo>
-                  <a:pt x="0" y="120000"/>
-                </a:lnTo>
-                <a:close/>
-              </a:path>
-            </a:pathLst>
-          </a:custGeom>
-          <a:noFill/>
-          <a:ln w="9525" cap="flat" cmpd="sng">
-            <a:solidFill>
-              <a:srgbClr val="000000"/>
-            </a:solidFill>
-            <a:prstDash val="solid"/>
-            <a:miter lim="800000"/>
-            <a:headEnd type="none" w="sm" len="sm"/>
-            <a:tailEnd type="none" w="sm" len="sm"/>
-          </a:ln>
-        </p:spPr>
-      </p:sp>
-      <p:sp>
-        <p:nvSpPr>
-          <p:cNvPr id="398" name="Google Shape;398;p27:notes"/>
-          <p:cNvSpPr txBox="1">
-            <a:spLocks noGrp="1"/>
-          </p:cNvSpPr>
-          <p:nvPr>
-            <p:ph type="body" idx="1"/>
-          </p:nvPr>
-        </p:nvSpPr>
-        <p:spPr>
-          <a:xfrm>
-            <a:off x="685800" y="4343400"/>
-            <a:ext cx="5486400" cy="4114800"/>
-          </a:xfrm>
-          <a:prstGeom prst="rect">
-            <a:avLst/>
-          </a:prstGeom>
-          <a:noFill/>
-          <a:ln>
-            <a:noFill/>
-          </a:ln>
-        </p:spPr>
-        <p:txBody>
-          <a:bodyPr spcFirstLastPara="1" wrap="square" lIns="91425" tIns="45700" rIns="91425" bIns="45700" anchor="t" anchorCtr="0">
-            <a:noAutofit/>
-          </a:bodyPr>
-          <a:lstStyle/>
-          <a:p>
-            <a:pPr marL="0" lvl="0" indent="0" algn="l" rtl="0">
-              <a:spcBef>
-                <a:spcPts val="0"/>
-              </a:spcBef>
-              <a:spcAft>
-                <a:spcPts val="0"/>
-              </a:spcAft>
-              <a:buNone/>
-            </a:pPr>
-            <a:r>
-              <a:rPr lang="en-GB"/>
-              <a:t>Here are some ways in which the “Big Data” challenge will continue to affect the way that scientists need to work.</a:t>
-            </a:r>
-            <a:endParaRPr/>
-          </a:p>
-        </p:txBody>
-      </p:sp>
-      <p:sp>
-        <p:nvSpPr>
-          <p:cNvPr id="399" name="Google Shape;399;p27:notes"/>
-          <p:cNvSpPr txBox="1">
-            <a:spLocks noGrp="1"/>
-          </p:cNvSpPr>
-          <p:nvPr>
-            <p:ph type="sldNum" idx="12"/>
-          </p:nvPr>
-        </p:nvSpPr>
-        <p:spPr>
-          <a:xfrm>
-            <a:off x="3884613" y="8685213"/>
-            <a:ext cx="2971800" cy="457200"/>
-          </a:xfrm>
-          <a:prstGeom prst="rect">
-            <a:avLst/>
-          </a:prstGeom>
-          <a:noFill/>
-          <a:ln>
-            <a:noFill/>
-          </a:ln>
-        </p:spPr>
-        <p:txBody>
-          <a:bodyPr spcFirstLastPara="1" wrap="square" lIns="91425" tIns="45700" rIns="91425" bIns="45700" anchor="b" anchorCtr="0">
-            <a:noAutofit/>
-          </a:bodyPr>
-          <a:lstStyle/>
-          <a:p>
-            <a:pPr marL="0" marR="0" lvl="0" indent="0" algn="r" rtl="0">
-              <a:spcBef>
-                <a:spcPts val="0"/>
-              </a:spcBef>
-              <a:spcAft>
-                <a:spcPts val="0"/>
-              </a:spcAft>
-              <a:buNone/>
-            </a:pPr>
-            <a:fld id="{00000000-1234-1234-1234-123412341234}" type="slidenum">
-              <a:rPr lang="en-GB" sz="1200">
-                <a:solidFill>
-                  <a:schemeClr val="dk1"/>
-                </a:solidFill>
-                <a:latin typeface="Arial"/>
-                <a:ea typeface="Arial"/>
-                <a:cs typeface="Arial"/>
-                <a:sym typeface="Arial"/>
-              </a:rPr>
-              <a:t>32</a:t>
-            </a:fld>
-            <a:endParaRPr sz="1200">
-              <a:solidFill>
-                <a:schemeClr val="dk1"/>
-              </a:solidFill>
-              <a:latin typeface="Arial"/>
-              <a:ea typeface="Arial"/>
-              <a:cs typeface="Arial"/>
-              <a:sym typeface="Arial"/>
-            </a:endParaRPr>
-          </a:p>
-        </p:txBody>
-      </p:sp>
-    </p:spTree>
-  </p:cSld>
-  <p:clrMapOvr>
-    <a:masterClrMapping/>
-  </p:clrMapOvr>
-</p:notes>
-</file>
-
-<file path=ppt/notesSlides/notesSlide32.xml><?xml version="1.0" encoding="utf-8"?>
-<p:notes xmlns:a="http://schemas.openxmlformats.org/drawingml/2006/main" xmlns:r="http://schemas.openxmlformats.org/officeDocument/2006/relationships" xmlns:p="http://schemas.openxmlformats.org/presentationml/2006/main" showMasterSp="0" showMasterPhAnim="0">
-  <p:cSld>
-    <p:spTree>
-      <p:nvGrpSpPr>
         <p:cNvPr id="1" name="Shape 403"/>
         <p:cNvGrpSpPr/>
         <p:nvPr/>
@@ -6463,7 +6021,7 @@
                 <a:cs typeface="Arial"/>
                 <a:sym typeface="Arial"/>
               </a:rPr>
-              <a:t>33</a:t>
+              <a:t>32</a:t>
             </a:fld>
             <a:endParaRPr sz="1200">
               <a:solidFill>
@@ -10769,13 +10327,254 @@
 </p:sldLayout>
 </file>
 
+<file path=ppt/slideLayouts/slideLayout7.xml><?xml version="1.0" encoding="utf-8"?>
+<p:sldLayout xmlns:a="http://schemas.openxmlformats.org/drawingml/2006/main" xmlns:r="http://schemas.openxmlformats.org/officeDocument/2006/relationships" xmlns:p="http://schemas.openxmlformats.org/presentationml/2006/main" userDrawn="1">
+  <p:cSld name="1_Content slide text only">
+    <p:spTree>
+      <p:nvGrpSpPr>
+        <p:cNvPr id="1" name=""/>
+        <p:cNvGrpSpPr/>
+        <p:nvPr/>
+      </p:nvGrpSpPr>
+      <p:grpSpPr>
+        <a:xfrm>
+          <a:off x="0" y="0"/>
+          <a:ext cx="0" cy="0"/>
+          <a:chOff x="0" y="0"/>
+          <a:chExt cx="0" cy="0"/>
+        </a:xfrm>
+      </p:grpSpPr>
+      <p:cxnSp>
+        <p:nvCxnSpPr>
+          <p:cNvPr id="18" name="Straight Connector 17"/>
+          <p:cNvCxnSpPr/>
+          <p:nvPr userDrawn="1"/>
+        </p:nvCxnSpPr>
+        <p:spPr>
+          <a:xfrm>
+            <a:off x="406400" y="1028700"/>
+            <a:ext cx="8424000" cy="0"/>
+          </a:xfrm>
+          <a:prstGeom prst="line">
+            <a:avLst/>
+          </a:prstGeom>
+          <a:ln>
+            <a:solidFill>
+              <a:schemeClr val="tx1"/>
+            </a:solidFill>
+          </a:ln>
+        </p:spPr>
+        <p:style>
+          <a:lnRef idx="1">
+            <a:schemeClr val="accent1"/>
+          </a:lnRef>
+          <a:fillRef idx="0">
+            <a:schemeClr val="accent1"/>
+          </a:fillRef>
+          <a:effectRef idx="0">
+            <a:schemeClr val="accent1"/>
+          </a:effectRef>
+          <a:fontRef idx="minor">
+            <a:schemeClr val="tx1"/>
+          </a:fontRef>
+        </p:style>
+      </p:cxnSp>
+      <p:sp>
+        <p:nvSpPr>
+          <p:cNvPr id="21" name="Title 1"/>
+          <p:cNvSpPr>
+            <a:spLocks noGrp="1"/>
+          </p:cNvSpPr>
+          <p:nvPr>
+            <p:ph type="ctrTitle" hasCustomPrompt="1"/>
+          </p:nvPr>
+        </p:nvSpPr>
+        <p:spPr>
+          <a:xfrm>
+            <a:off x="406400" y="313615"/>
+            <a:ext cx="6733371" cy="715085"/>
+          </a:xfrm>
+          <a:prstGeom prst="rect">
+            <a:avLst/>
+          </a:prstGeom>
+        </p:spPr>
+        <p:txBody>
+          <a:bodyPr anchor="t"/>
+          <a:lstStyle>
+            <a:lvl1pPr algn="l">
+              <a:defRPr sz="2800" baseline="0">
+                <a:solidFill>
+                  <a:srgbClr val="63666A"/>
+                </a:solidFill>
+                <a:latin typeface="+mn-lt"/>
+              </a:defRPr>
+            </a:lvl1pPr>
+          </a:lstStyle>
+          <a:p>
+            <a:r>
+              <a:rPr lang="en-US" dirty="0"/>
+              <a:t>Content slide heading</a:t>
+            </a:r>
+          </a:p>
+        </p:txBody>
+      </p:sp>
+      <p:sp>
+        <p:nvSpPr>
+          <p:cNvPr id="7" name="Text Placeholder 2"/>
+          <p:cNvSpPr>
+            <a:spLocks noGrp="1"/>
+          </p:cNvSpPr>
+          <p:nvPr>
+            <p:ph type="body" sz="quarter" idx="12" hasCustomPrompt="1"/>
+          </p:nvPr>
+        </p:nvSpPr>
+        <p:spPr>
+          <a:xfrm>
+            <a:off x="368300" y="1494263"/>
+            <a:ext cx="8462100" cy="4180119"/>
+          </a:xfrm>
+          <a:prstGeom prst="rect">
+            <a:avLst/>
+          </a:prstGeom>
+        </p:spPr>
+        <p:txBody>
+          <a:bodyPr>
+            <a:normAutofit/>
+          </a:bodyPr>
+          <a:lstStyle>
+            <a:lvl1pPr marL="0" marR="0" indent="0" algn="l" defTabSz="914400" rtl="0" eaLnBrk="1" fontAlgn="auto" latinLnBrk="0" hangingPunct="1">
+              <a:lnSpc>
+                <a:spcPct val="100000"/>
+              </a:lnSpc>
+              <a:spcBef>
+                <a:spcPts val="600"/>
+              </a:spcBef>
+              <a:spcAft>
+                <a:spcPts val="0"/>
+              </a:spcAft>
+              <a:buClrTx/>
+              <a:buSzTx/>
+              <a:buFont typeface="Arial" panose="020B0604020202020204" pitchFamily="34" charset="0"/>
+              <a:buNone/>
+              <a:tabLst/>
+              <a:defRPr sz="2400">
+                <a:solidFill>
+                  <a:srgbClr val="63666A"/>
+                </a:solidFill>
+                <a:latin typeface="+mn-lt"/>
+                <a:cs typeface="Arial" panose="020B0604020202020204" pitchFamily="34" charset="0"/>
+              </a:defRPr>
+            </a:lvl1pPr>
+          </a:lstStyle>
+          <a:p>
+            <a:pPr marL="171450" indent="-171450">
+              <a:buFont typeface="Arial" panose="020B0604020202020204" pitchFamily="34" charset="0"/>
+              <a:buChar char="•"/>
+            </a:pPr>
+            <a:r>
+              <a:rPr lang="en-US" sz="1400" dirty="0"/>
+              <a:t>Content</a:t>
+            </a:r>
+            <a:r>
+              <a:rPr lang="en-US" sz="1400" baseline="0" dirty="0"/>
+              <a:t> text here</a:t>
+            </a:r>
+          </a:p>
+          <a:p>
+            <a:pPr marL="171450" indent="-171450">
+              <a:buFont typeface="Arial" panose="020B0604020202020204" pitchFamily="34" charset="0"/>
+              <a:buChar char="•"/>
+            </a:pPr>
+            <a:r>
+              <a:rPr lang="en-US" sz="1400" baseline="0" dirty="0"/>
+              <a:t>Second bullet here</a:t>
+            </a:r>
+          </a:p>
+          <a:p>
+            <a:pPr marL="171450" indent="-171450">
+              <a:buFont typeface="Arial" panose="020B0604020202020204" pitchFamily="34" charset="0"/>
+              <a:buChar char="•"/>
+            </a:pPr>
+            <a:r>
+              <a:rPr lang="en-US" sz="1400" baseline="0" dirty="0"/>
+              <a:t>Another bullet point here</a:t>
+            </a:r>
+          </a:p>
+          <a:p>
+            <a:pPr marL="0" indent="0">
+              <a:lnSpc>
+                <a:spcPct val="100000"/>
+              </a:lnSpc>
+              <a:spcBef>
+                <a:spcPts val="600"/>
+              </a:spcBef>
+              <a:buFont typeface="Arial" panose="020B0604020202020204" pitchFamily="34" charset="0"/>
+              <a:buNone/>
+            </a:pPr>
+            <a:r>
+              <a:rPr lang="en-US" sz="1400" baseline="0" dirty="0"/>
+              <a:t>Main Content text entered here. </a:t>
+            </a:r>
+            <a:endParaRPr lang="en-US" sz="1400" dirty="0"/>
+          </a:p>
+        </p:txBody>
+      </p:sp>
+      <p:pic>
+        <p:nvPicPr>
+          <p:cNvPr id="5" name="Picture 4">
+            <a:extLst>
+              <a:ext uri="{FF2B5EF4-FFF2-40B4-BE49-F238E27FC236}">
+                <a16:creationId xmlns:a16="http://schemas.microsoft.com/office/drawing/2014/main" id="{624290EE-9AF7-B547-9D00-100C2A1E0B25}"/>
+              </a:ext>
+            </a:extLst>
+          </p:cNvPr>
+          <p:cNvPicPr>
+            <a:picLocks noChangeAspect="1"/>
+          </p:cNvPicPr>
+          <p:nvPr userDrawn="1"/>
+        </p:nvPicPr>
+        <p:blipFill>
+          <a:blip r:embed="rId2" cstate="print">
+            <a:extLst>
+              <a:ext uri="{28A0092B-C50C-407E-A947-70E740481C1C}">
+                <a14:useLocalDpi xmlns:a14="http://schemas.microsoft.com/office/drawing/2010/main" val="0"/>
+              </a:ext>
+            </a:extLst>
+          </a:blip>
+          <a:stretch>
+            <a:fillRect/>
+          </a:stretch>
+        </p:blipFill>
+        <p:spPr>
+          <a:xfrm>
+            <a:off x="7139771" y="308340"/>
+            <a:ext cx="1690629" cy="338126"/>
+          </a:xfrm>
+          <a:prstGeom prst="rect">
+            <a:avLst/>
+          </a:prstGeom>
+        </p:spPr>
+      </p:pic>
+    </p:spTree>
+    <p:extLst>
+      <p:ext uri="{BB962C8B-B14F-4D97-AF65-F5344CB8AC3E}">
+        <p14:creationId xmlns:p14="http://schemas.microsoft.com/office/powerpoint/2010/main" val="3035087700"/>
+      </p:ext>
+    </p:extLst>
+  </p:cSld>
+  <p:clrMapOvr>
+    <a:masterClrMapping/>
+  </p:clrMapOvr>
+</p:sldLayout>
+</file>
+
 <file path=ppt/slideMasters/slideMaster1.xml><?xml version="1.0" encoding="utf-8"?>
 <p:sldMaster xmlns:a="http://schemas.openxmlformats.org/drawingml/2006/main" xmlns:r="http://schemas.openxmlformats.org/officeDocument/2006/relationships" xmlns:p="http://schemas.openxmlformats.org/presentationml/2006/main">
   <p:cSld>
     <p:bg>
       <p:bgPr>
         <a:blipFill>
-          <a:blip r:embed="rId8">
+          <a:blip r:embed="rId9">
             <a:alphaModFix/>
           </a:blip>
           <a:stretch>
@@ -10806,7 +10605,7 @@
           <p:nvPr/>
         </p:nvPicPr>
         <p:blipFill rotWithShape="1">
-          <a:blip r:embed="rId9">
+          <a:blip r:embed="rId10">
             <a:alphaModFix/>
           </a:blip>
           <a:srcRect/>
@@ -10833,7 +10632,7 @@
           <p:nvPr/>
         </p:nvPicPr>
         <p:blipFill rotWithShape="1">
-          <a:blip r:embed="rId10">
+          <a:blip r:embed="rId11">
             <a:alphaModFix/>
           </a:blip>
           <a:srcRect/>
@@ -10860,7 +10659,7 @@
           <p:nvPr/>
         </p:nvPicPr>
         <p:blipFill rotWithShape="1">
-          <a:blip r:embed="rId11">
+          <a:blip r:embed="rId12">
             <a:alphaModFix/>
           </a:blip>
           <a:srcRect/>
@@ -11348,6 +11147,7 @@
     <p:sldLayoutId id="2147483651" r:id="rId4"/>
     <p:sldLayoutId id="2147483652" r:id="rId5"/>
     <p:sldLayoutId id="2147483653" r:id="rId6"/>
+    <p:sldLayoutId id="2147483667" r:id="rId7"/>
   </p:sldLayoutIdLst>
   <p:hf sldNum="0" hdr="0" ftr="0" dt="0"/>
   <p:txStyles>
@@ -13532,7 +13332,7 @@
   <p:cSld>
     <p:spTree>
       <p:nvGrpSpPr>
-        <p:cNvPr id="1" name="Shape 226"/>
+        <p:cNvPr id="1" name=""/>
         <p:cNvGrpSpPr/>
         <p:nvPr/>
       </p:nvGrpSpPr>
@@ -13544,328 +13344,1689 @@
           <a:chExt cx="0" cy="0"/>
         </a:xfrm>
       </p:grpSpPr>
-      <p:pic>
-        <p:nvPicPr>
-          <p:cNvPr id="227" name="Google Shape;227;p34" descr="https://lh3.googleusercontent.com/8s3rV2ACyLlBUrAeO9_Q2qb5tvrU6EcjJMSo4W1t7ptHzQaXFrOMkVxSeDMoxJ8uhl8AXUsJL604GhzGU1dV_2kHLJjO6aDqO9gRZVawPDWh_qntEnVstK85SbM"/>
-          <p:cNvPicPr preferRelativeResize="0"/>
+      <p:sp>
+        <p:nvSpPr>
+          <p:cNvPr id="2" name="Title 1">
+            <a:extLst>
+              <a:ext uri="{FF2B5EF4-FFF2-40B4-BE49-F238E27FC236}">
+                <a16:creationId xmlns:a16="http://schemas.microsoft.com/office/drawing/2014/main" id="{225CC875-62BF-3C4D-8030-AB3040C6227C}"/>
+              </a:ext>
+            </a:extLst>
+          </p:cNvPr>
+          <p:cNvSpPr>
+            <a:spLocks noGrp="1"/>
+          </p:cNvSpPr>
+          <p:nvPr>
+            <p:ph type="ctrTitle"/>
+          </p:nvPr>
+        </p:nvSpPr>
+        <p:spPr/>
+        <p:txBody>
+          <a:bodyPr/>
+          <a:lstStyle/>
+          <a:p>
+            <a:r>
+              <a:rPr lang="en-GB" b="1" dirty="0">
+                <a:solidFill>
+                  <a:schemeClr val="tx1"/>
+                </a:solidFill>
+                <a:latin typeface="Arial Rounded MT Bold" panose="020F0704030504030204" pitchFamily="34" charset="0"/>
+              </a:rPr>
+              <a:t>Scientific computing on JASMIN</a:t>
+            </a:r>
+            <a:endParaRPr lang="en-US" dirty="0">
+              <a:solidFill>
+                <a:schemeClr val="tx1"/>
+              </a:solidFill>
+            </a:endParaRPr>
+          </a:p>
+        </p:txBody>
+      </p:sp>
+      <p:sp>
+        <p:nvSpPr>
+          <p:cNvPr id="4" name="Title 1">
+            <a:extLst>
+              <a:ext uri="{FF2B5EF4-FFF2-40B4-BE49-F238E27FC236}">
+                <a16:creationId xmlns:a16="http://schemas.microsoft.com/office/drawing/2014/main" id="{C244D6ED-E1DF-1045-9E14-8BB02C69F011}"/>
+              </a:ext>
+            </a:extLst>
+          </p:cNvPr>
+          <p:cNvSpPr txBox="1">
+            <a:spLocks/>
+          </p:cNvSpPr>
           <p:nvPr/>
-        </p:nvPicPr>
-        <p:blipFill rotWithShape="1">
-          <a:blip r:embed="rId3">
-            <a:alphaModFix/>
-          </a:blip>
-          <a:srcRect t="1158" r="52137" b="25987"/>
-          <a:stretch/>
-        </p:blipFill>
+        </p:nvSpPr>
         <p:spPr>
           <a:xfrm>
-            <a:off x="2940245" y="832625"/>
-            <a:ext cx="4963351" cy="5230074"/>
+            <a:off x="628650" y="1131094"/>
+            <a:ext cx="7886700" cy="994172"/>
+          </a:xfrm>
+          <a:prstGeom prst="rect">
+            <a:avLst/>
+          </a:prstGeom>
+        </p:spPr>
+        <p:txBody>
+          <a:bodyPr anchor="t"/>
+          <a:lstStyle>
+            <a:lvl1pPr algn="l" defTabSz="914400" rtl="0" eaLnBrk="1" latinLnBrk="0" hangingPunct="1">
+              <a:lnSpc>
+                <a:spcPct val="90000"/>
+              </a:lnSpc>
+              <a:spcBef>
+                <a:spcPct val="0"/>
+              </a:spcBef>
+              <a:buNone/>
+              <a:defRPr sz="2800" kern="1200" baseline="0">
+                <a:solidFill>
+                  <a:srgbClr val="63666A"/>
+                </a:solidFill>
+                <a:latin typeface="+mn-lt"/>
+                <a:ea typeface="+mj-ea"/>
+                <a:cs typeface="Arial" panose="020B0604020202020204" pitchFamily="34" charset="0"/>
+              </a:defRPr>
+            </a:lvl1pPr>
+          </a:lstStyle>
+          <a:p>
+            <a:endParaRPr lang="en-US" dirty="0"/>
+          </a:p>
+        </p:txBody>
+      </p:sp>
+      <p:sp>
+        <p:nvSpPr>
+          <p:cNvPr id="5" name="Oval 4">
+            <a:extLst>
+              <a:ext uri="{FF2B5EF4-FFF2-40B4-BE49-F238E27FC236}">
+                <a16:creationId xmlns:a16="http://schemas.microsoft.com/office/drawing/2014/main" id="{DE304813-DBC6-C148-9737-FC8AFF2D0527}"/>
+              </a:ext>
+            </a:extLst>
+          </p:cNvPr>
+          <p:cNvSpPr/>
+          <p:nvPr/>
+        </p:nvSpPr>
+        <p:spPr>
+          <a:xfrm>
+            <a:off x="1998981" y="3679311"/>
+            <a:ext cx="1152744" cy="514350"/>
+          </a:xfrm>
+          <a:prstGeom prst="ellipse">
+            <a:avLst/>
+          </a:prstGeom>
+        </p:spPr>
+        <p:style>
+          <a:lnRef idx="2">
+            <a:schemeClr val="accent1">
+              <a:shade val="50000"/>
+            </a:schemeClr>
+          </a:lnRef>
+          <a:fillRef idx="1">
+            <a:schemeClr val="accent1"/>
+          </a:fillRef>
+          <a:effectRef idx="0">
+            <a:schemeClr val="accent1"/>
+          </a:effectRef>
+          <a:fontRef idx="minor">
+            <a:schemeClr val="lt1"/>
+          </a:fontRef>
+        </p:style>
+        <p:txBody>
+          <a:bodyPr rtlCol="0" anchor="ctr"/>
+          <a:lstStyle/>
+          <a:p>
+            <a:pPr algn="ctr"/>
+            <a:r>
+              <a:rPr lang="en-US" sz="1350" dirty="0"/>
+              <a:t>storage</a:t>
+            </a:r>
+          </a:p>
+        </p:txBody>
+      </p:sp>
+      <p:sp>
+        <p:nvSpPr>
+          <p:cNvPr id="6" name="Rounded Rectangle 5">
+            <a:extLst>
+              <a:ext uri="{FF2B5EF4-FFF2-40B4-BE49-F238E27FC236}">
+                <a16:creationId xmlns:a16="http://schemas.microsoft.com/office/drawing/2014/main" id="{11EAEBE0-C0C2-394F-A6CD-DB572682D959}"/>
+              </a:ext>
+            </a:extLst>
+          </p:cNvPr>
+          <p:cNvSpPr/>
+          <p:nvPr/>
+        </p:nvSpPr>
+        <p:spPr>
+          <a:xfrm>
+            <a:off x="1076199" y="2837564"/>
+            <a:ext cx="715618" cy="424898"/>
+          </a:xfrm>
+          <a:prstGeom prst="roundRect">
+            <a:avLst/>
+          </a:prstGeom>
+        </p:spPr>
+        <p:style>
+          <a:lnRef idx="2">
+            <a:schemeClr val="accent1">
+              <a:shade val="50000"/>
+            </a:schemeClr>
+          </a:lnRef>
+          <a:fillRef idx="1">
+            <a:schemeClr val="accent1"/>
+          </a:fillRef>
+          <a:effectRef idx="0">
+            <a:schemeClr val="accent1"/>
+          </a:effectRef>
+          <a:fontRef idx="minor">
+            <a:schemeClr val="lt1"/>
+          </a:fontRef>
+        </p:style>
+        <p:txBody>
+          <a:bodyPr rtlCol="0" anchor="ctr"/>
+          <a:lstStyle/>
+          <a:p>
+            <a:pPr algn="ctr"/>
+            <a:r>
+              <a:rPr lang="en-US" sz="1350" dirty="0"/>
+              <a:t>home</a:t>
+            </a:r>
+          </a:p>
+        </p:txBody>
+      </p:sp>
+      <p:sp>
+        <p:nvSpPr>
+          <p:cNvPr id="7" name="Rounded Rectangle 6">
+            <a:extLst>
+              <a:ext uri="{FF2B5EF4-FFF2-40B4-BE49-F238E27FC236}">
+                <a16:creationId xmlns:a16="http://schemas.microsoft.com/office/drawing/2014/main" id="{833C98B7-4C7B-F345-BA4A-73A1F482C554}"/>
+              </a:ext>
+            </a:extLst>
+          </p:cNvPr>
+          <p:cNvSpPr/>
+          <p:nvPr/>
+        </p:nvSpPr>
+        <p:spPr>
+          <a:xfrm>
+            <a:off x="1076198" y="3489042"/>
+            <a:ext cx="715618" cy="424898"/>
+          </a:xfrm>
+          <a:prstGeom prst="roundRect">
+            <a:avLst/>
+          </a:prstGeom>
+        </p:spPr>
+        <p:style>
+          <a:lnRef idx="2">
+            <a:schemeClr val="accent1">
+              <a:shade val="50000"/>
+            </a:schemeClr>
+          </a:lnRef>
+          <a:fillRef idx="1">
+            <a:schemeClr val="accent1"/>
+          </a:fillRef>
+          <a:effectRef idx="0">
+            <a:schemeClr val="accent1"/>
+          </a:effectRef>
+          <a:fontRef idx="minor">
+            <a:schemeClr val="lt1"/>
+          </a:fontRef>
+        </p:style>
+        <p:txBody>
+          <a:bodyPr rtlCol="0" anchor="ctr"/>
+          <a:lstStyle/>
+          <a:p>
+            <a:pPr algn="ctr"/>
+            <a:r>
+              <a:rPr lang="en-US" sz="1350" dirty="0"/>
+              <a:t>GWS</a:t>
+            </a:r>
+          </a:p>
+        </p:txBody>
+      </p:sp>
+      <p:sp>
+        <p:nvSpPr>
+          <p:cNvPr id="8" name="Rounded Rectangle 7">
+            <a:extLst>
+              <a:ext uri="{FF2B5EF4-FFF2-40B4-BE49-F238E27FC236}">
+                <a16:creationId xmlns:a16="http://schemas.microsoft.com/office/drawing/2014/main" id="{E18CE929-7C69-6B45-8657-FC3C11DB8260}"/>
+              </a:ext>
+            </a:extLst>
+          </p:cNvPr>
+          <p:cNvSpPr/>
+          <p:nvPr/>
+        </p:nvSpPr>
+        <p:spPr>
+          <a:xfrm>
+            <a:off x="951492" y="4885375"/>
+            <a:ext cx="840323" cy="424898"/>
+          </a:xfrm>
+          <a:prstGeom prst="roundRect">
+            <a:avLst/>
+          </a:prstGeom>
+          <a:solidFill>
+            <a:schemeClr val="accent6"/>
+          </a:solidFill>
+          <a:ln>
+            <a:solidFill>
+              <a:schemeClr val="accent6"/>
+            </a:solidFill>
+          </a:ln>
+        </p:spPr>
+        <p:style>
+          <a:lnRef idx="2">
+            <a:schemeClr val="accent1">
+              <a:shade val="50000"/>
+            </a:schemeClr>
+          </a:lnRef>
+          <a:fillRef idx="1">
+            <a:schemeClr val="accent1"/>
+          </a:fillRef>
+          <a:effectRef idx="0">
+            <a:schemeClr val="accent1"/>
+          </a:effectRef>
+          <a:fontRef idx="minor">
+            <a:schemeClr val="lt1"/>
+          </a:fontRef>
+        </p:style>
+        <p:txBody>
+          <a:bodyPr rtlCol="0" anchor="ctr"/>
+          <a:lstStyle/>
+          <a:p>
+            <a:pPr algn="ctr"/>
+            <a:r>
+              <a:rPr lang="en-US" sz="1350" dirty="0"/>
+              <a:t>CEDA archive</a:t>
+            </a:r>
+          </a:p>
+        </p:txBody>
+      </p:sp>
+      <p:sp>
+        <p:nvSpPr>
+          <p:cNvPr id="9" name="Rounded Rectangle 8">
+            <a:extLst>
+              <a:ext uri="{FF2B5EF4-FFF2-40B4-BE49-F238E27FC236}">
+                <a16:creationId xmlns:a16="http://schemas.microsoft.com/office/drawing/2014/main" id="{E218C638-C069-F54C-AFBF-0BCC2B3982F7}"/>
+              </a:ext>
+            </a:extLst>
+          </p:cNvPr>
+          <p:cNvSpPr/>
+          <p:nvPr/>
+        </p:nvSpPr>
+        <p:spPr>
+          <a:xfrm>
+            <a:off x="1076197" y="4187209"/>
+            <a:ext cx="715618" cy="424898"/>
+          </a:xfrm>
+          <a:prstGeom prst="roundRect">
+            <a:avLst/>
+          </a:prstGeom>
+        </p:spPr>
+        <p:style>
+          <a:lnRef idx="2">
+            <a:schemeClr val="accent1">
+              <a:shade val="50000"/>
+            </a:schemeClr>
+          </a:lnRef>
+          <a:fillRef idx="1">
+            <a:schemeClr val="accent1"/>
+          </a:fillRef>
+          <a:effectRef idx="0">
+            <a:schemeClr val="accent1"/>
+          </a:effectRef>
+          <a:fontRef idx="minor">
+            <a:schemeClr val="lt1"/>
+          </a:fontRef>
+        </p:style>
+        <p:txBody>
+          <a:bodyPr rtlCol="0" anchor="ctr"/>
+          <a:lstStyle/>
+          <a:p>
+            <a:pPr algn="ctr"/>
+            <a:r>
+              <a:rPr lang="en-US" sz="1350" dirty="0"/>
+              <a:t>other</a:t>
+            </a:r>
+          </a:p>
+        </p:txBody>
+      </p:sp>
+      <p:sp>
+        <p:nvSpPr>
+          <p:cNvPr id="10" name="Oval 9">
+            <a:extLst>
+              <a:ext uri="{FF2B5EF4-FFF2-40B4-BE49-F238E27FC236}">
+                <a16:creationId xmlns:a16="http://schemas.microsoft.com/office/drawing/2014/main" id="{ABD3F78D-2F79-1346-B2B9-E321F51B023B}"/>
+              </a:ext>
+            </a:extLst>
+          </p:cNvPr>
+          <p:cNvSpPr/>
+          <p:nvPr/>
+        </p:nvSpPr>
+        <p:spPr>
+          <a:xfrm>
+            <a:off x="3726955" y="3679311"/>
+            <a:ext cx="1231951" cy="491804"/>
+          </a:xfrm>
+          <a:prstGeom prst="ellipse">
+            <a:avLst/>
+          </a:prstGeom>
+          <a:solidFill>
+            <a:schemeClr val="accent2"/>
+          </a:solidFill>
+          <a:ln>
+            <a:solidFill>
+              <a:schemeClr val="accent2"/>
+            </a:solidFill>
+          </a:ln>
+        </p:spPr>
+        <p:style>
+          <a:lnRef idx="2">
+            <a:schemeClr val="accent1">
+              <a:shade val="50000"/>
+            </a:schemeClr>
+          </a:lnRef>
+          <a:fillRef idx="1">
+            <a:schemeClr val="accent1"/>
+          </a:fillRef>
+          <a:effectRef idx="0">
+            <a:schemeClr val="accent1"/>
+          </a:effectRef>
+          <a:fontRef idx="minor">
+            <a:schemeClr val="lt1"/>
+          </a:fontRef>
+        </p:style>
+        <p:txBody>
+          <a:bodyPr rtlCol="0" anchor="ctr"/>
+          <a:lstStyle/>
+          <a:p>
+            <a:pPr algn="ctr"/>
+            <a:r>
+              <a:rPr lang="en-US" sz="1350" dirty="0"/>
+              <a:t>analysis</a:t>
+            </a:r>
+          </a:p>
+          <a:p>
+            <a:pPr algn="ctr"/>
+            <a:r>
+              <a:rPr lang="en-US" sz="1350" dirty="0"/>
+              <a:t>compute</a:t>
+            </a:r>
+          </a:p>
+        </p:txBody>
+      </p:sp>
+      <p:sp>
+        <p:nvSpPr>
+          <p:cNvPr id="11" name="Rounded Rectangle 10">
+            <a:extLst>
+              <a:ext uri="{FF2B5EF4-FFF2-40B4-BE49-F238E27FC236}">
+                <a16:creationId xmlns:a16="http://schemas.microsoft.com/office/drawing/2014/main" id="{013A9A00-AFDD-584F-A2A5-4A8D6E71E9FC}"/>
+              </a:ext>
+            </a:extLst>
+          </p:cNvPr>
+          <p:cNvSpPr/>
+          <p:nvPr/>
+        </p:nvSpPr>
+        <p:spPr>
+          <a:xfrm>
+            <a:off x="7799733" y="1440196"/>
+            <a:ext cx="715618" cy="424898"/>
+          </a:xfrm>
+          <a:prstGeom prst="roundRect">
+            <a:avLst/>
+          </a:prstGeom>
+          <a:solidFill>
+            <a:schemeClr val="accent2"/>
+          </a:solidFill>
+          <a:ln>
+            <a:solidFill>
+              <a:schemeClr val="accent2"/>
+            </a:solidFill>
+          </a:ln>
+        </p:spPr>
+        <p:style>
+          <a:lnRef idx="2">
+            <a:schemeClr val="accent1">
+              <a:shade val="50000"/>
+            </a:schemeClr>
+          </a:lnRef>
+          <a:fillRef idx="1">
+            <a:schemeClr val="accent1"/>
+          </a:fillRef>
+          <a:effectRef idx="0">
+            <a:schemeClr val="accent1"/>
+          </a:effectRef>
+          <a:fontRef idx="minor">
+            <a:schemeClr val="lt1"/>
+          </a:fontRef>
+        </p:style>
+        <p:txBody>
+          <a:bodyPr rtlCol="0" anchor="ctr"/>
+          <a:lstStyle/>
+          <a:p>
+            <a:r>
+              <a:rPr lang="en-US" sz="1350" dirty="0"/>
+              <a:t>login</a:t>
+            </a:r>
+          </a:p>
+        </p:txBody>
+      </p:sp>
+      <p:sp>
+        <p:nvSpPr>
+          <p:cNvPr id="12" name="Rounded Rectangle 11">
+            <a:extLst>
+              <a:ext uri="{FF2B5EF4-FFF2-40B4-BE49-F238E27FC236}">
+                <a16:creationId xmlns:a16="http://schemas.microsoft.com/office/drawing/2014/main" id="{B2D72889-1FC6-D748-A273-70BD4BD41A64}"/>
+              </a:ext>
+            </a:extLst>
+          </p:cNvPr>
+          <p:cNvSpPr/>
+          <p:nvPr/>
+        </p:nvSpPr>
+        <p:spPr>
+          <a:xfrm>
+            <a:off x="7799733" y="1936679"/>
+            <a:ext cx="715618" cy="424898"/>
+          </a:xfrm>
+          <a:prstGeom prst="roundRect">
+            <a:avLst/>
+          </a:prstGeom>
+          <a:solidFill>
+            <a:schemeClr val="accent2"/>
+          </a:solidFill>
+          <a:ln>
+            <a:solidFill>
+              <a:schemeClr val="accent2"/>
+            </a:solidFill>
+          </a:ln>
+        </p:spPr>
+        <p:style>
+          <a:lnRef idx="2">
+            <a:schemeClr val="accent1">
+              <a:shade val="50000"/>
+            </a:schemeClr>
+          </a:lnRef>
+          <a:fillRef idx="1">
+            <a:schemeClr val="accent1"/>
+          </a:fillRef>
+          <a:effectRef idx="0">
+            <a:schemeClr val="accent1"/>
+          </a:effectRef>
+          <a:fontRef idx="minor">
+            <a:schemeClr val="lt1"/>
+          </a:fontRef>
+        </p:style>
+        <p:txBody>
+          <a:bodyPr rtlCol="0" anchor="ctr"/>
+          <a:lstStyle/>
+          <a:p>
+            <a:r>
+              <a:rPr lang="en-US" sz="1350" dirty="0"/>
+              <a:t>xfer</a:t>
+            </a:r>
+          </a:p>
+        </p:txBody>
+      </p:sp>
+      <p:sp>
+        <p:nvSpPr>
+          <p:cNvPr id="13" name="Rounded Rectangle 12">
+            <a:extLst>
+              <a:ext uri="{FF2B5EF4-FFF2-40B4-BE49-F238E27FC236}">
+                <a16:creationId xmlns:a16="http://schemas.microsoft.com/office/drawing/2014/main" id="{5F1D018F-3B43-014C-AE7D-95DFEF4E2F64}"/>
+              </a:ext>
+            </a:extLst>
+          </p:cNvPr>
+          <p:cNvSpPr/>
+          <p:nvPr/>
+        </p:nvSpPr>
+        <p:spPr>
+          <a:xfrm>
+            <a:off x="6262579" y="3238146"/>
+            <a:ext cx="930354" cy="621935"/>
+          </a:xfrm>
+          <a:prstGeom prst="roundRect">
+            <a:avLst/>
+          </a:prstGeom>
+          <a:solidFill>
+            <a:schemeClr val="accent2"/>
+          </a:solidFill>
+          <a:ln>
+            <a:solidFill>
+              <a:schemeClr val="accent2"/>
+            </a:solidFill>
+          </a:ln>
+        </p:spPr>
+        <p:style>
+          <a:lnRef idx="2">
+            <a:schemeClr val="accent1">
+              <a:shade val="50000"/>
+            </a:schemeClr>
+          </a:lnRef>
+          <a:fillRef idx="1">
+            <a:schemeClr val="accent1"/>
+          </a:fillRef>
+          <a:effectRef idx="0">
+            <a:schemeClr val="accent1"/>
+          </a:effectRef>
+          <a:fontRef idx="minor">
+            <a:schemeClr val="lt1"/>
+          </a:fontRef>
+        </p:style>
+        <p:txBody>
+          <a:bodyPr rtlCol="0" anchor="ctr"/>
+          <a:lstStyle/>
+          <a:p>
+            <a:r>
+              <a:rPr lang="en-US" sz="1350" dirty="0"/>
+              <a:t>batch </a:t>
+            </a:r>
+            <a:r>
+              <a:rPr lang="en-US" sz="1350" dirty="0" smtClean="0"/>
+              <a:t>compute</a:t>
+            </a:r>
+          </a:p>
+          <a:p>
+            <a:r>
+              <a:rPr lang="en-US" sz="1350" dirty="0" smtClean="0"/>
+              <a:t>(LOTUS)</a:t>
+            </a:r>
+            <a:endParaRPr lang="en-US" sz="1350" dirty="0"/>
+          </a:p>
+        </p:txBody>
+      </p:sp>
+      <p:sp>
+        <p:nvSpPr>
+          <p:cNvPr id="14" name="Rounded Rectangle 13">
+            <a:extLst>
+              <a:ext uri="{FF2B5EF4-FFF2-40B4-BE49-F238E27FC236}">
+                <a16:creationId xmlns:a16="http://schemas.microsoft.com/office/drawing/2014/main" id="{8B7B9140-9254-8A40-B526-08222F062112}"/>
+              </a:ext>
+            </a:extLst>
+          </p:cNvPr>
+          <p:cNvSpPr/>
+          <p:nvPr/>
+        </p:nvSpPr>
+        <p:spPr>
+          <a:xfrm>
+            <a:off x="5075474" y="5283914"/>
+            <a:ext cx="1150460" cy="624329"/>
+          </a:xfrm>
+          <a:prstGeom prst="roundRect">
+            <a:avLst/>
+          </a:prstGeom>
+          <a:solidFill>
+            <a:schemeClr val="accent2"/>
+          </a:solidFill>
+          <a:ln>
+            <a:solidFill>
+              <a:schemeClr val="accent2"/>
+            </a:solidFill>
+          </a:ln>
+        </p:spPr>
+        <p:style>
+          <a:lnRef idx="2">
+            <a:schemeClr val="accent1">
+              <a:shade val="50000"/>
+            </a:schemeClr>
+          </a:lnRef>
+          <a:fillRef idx="1">
+            <a:schemeClr val="accent1"/>
+          </a:fillRef>
+          <a:effectRef idx="0">
+            <a:schemeClr val="accent1"/>
+          </a:effectRef>
+          <a:fontRef idx="minor">
+            <a:schemeClr val="lt1"/>
+          </a:fontRef>
+        </p:style>
+        <p:txBody>
+          <a:bodyPr rtlCol="0" anchor="ctr"/>
+          <a:lstStyle/>
+          <a:p>
+            <a:pPr algn="ctr"/>
+            <a:r>
+              <a:rPr lang="en-US" sz="1350" dirty="0" err="1"/>
+              <a:t>jasmin</a:t>
+            </a:r>
+            <a:r>
+              <a:rPr lang="en-US" sz="1350" dirty="0"/>
+              <a:t> cloud</a:t>
+            </a:r>
+          </a:p>
+        </p:txBody>
+      </p:sp>
+      <p:sp>
+        <p:nvSpPr>
+          <p:cNvPr id="15" name="Rounded Rectangle 14">
+            <a:extLst>
+              <a:ext uri="{FF2B5EF4-FFF2-40B4-BE49-F238E27FC236}">
+                <a16:creationId xmlns:a16="http://schemas.microsoft.com/office/drawing/2014/main" id="{EE374E2E-60C4-2C4B-9298-0260C0EC392F}"/>
+              </a:ext>
+            </a:extLst>
+          </p:cNvPr>
+          <p:cNvSpPr/>
+          <p:nvPr/>
+        </p:nvSpPr>
+        <p:spPr>
+          <a:xfrm>
+            <a:off x="4965845" y="1487731"/>
+            <a:ext cx="1150460" cy="861755"/>
+          </a:xfrm>
+          <a:prstGeom prst="roundRect">
+            <a:avLst/>
+          </a:prstGeom>
+          <a:solidFill>
+            <a:schemeClr val="accent2"/>
+          </a:solidFill>
+          <a:ln>
+            <a:solidFill>
+              <a:schemeClr val="accent2"/>
+            </a:solidFill>
+          </a:ln>
+        </p:spPr>
+        <p:style>
+          <a:lnRef idx="2">
+            <a:schemeClr val="accent1">
+              <a:shade val="50000"/>
+            </a:schemeClr>
+          </a:lnRef>
+          <a:fillRef idx="1">
+            <a:schemeClr val="accent1"/>
+          </a:fillRef>
+          <a:effectRef idx="0">
+            <a:schemeClr val="accent1"/>
+          </a:effectRef>
+          <a:fontRef idx="minor">
+            <a:schemeClr val="lt1"/>
+          </a:fontRef>
+        </p:style>
+        <p:txBody>
+          <a:bodyPr rtlCol="0" anchor="ctr"/>
+          <a:lstStyle/>
+          <a:p>
+            <a:pPr algn="ctr"/>
+            <a:r>
+              <a:rPr lang="en-US" sz="1350" dirty="0"/>
+              <a:t>managed analysis compute</a:t>
+            </a:r>
+          </a:p>
+        </p:txBody>
+      </p:sp>
+      <p:sp>
+        <p:nvSpPr>
+          <p:cNvPr id="17" name="Rounded Rectangle 16">
+            <a:extLst>
+              <a:ext uri="{FF2B5EF4-FFF2-40B4-BE49-F238E27FC236}">
+                <a16:creationId xmlns:a16="http://schemas.microsoft.com/office/drawing/2014/main" id="{28C82F7D-DF50-8743-9088-AA62E81E92D4}"/>
+              </a:ext>
+            </a:extLst>
+          </p:cNvPr>
+          <p:cNvSpPr/>
+          <p:nvPr/>
+        </p:nvSpPr>
+        <p:spPr>
+          <a:xfrm>
+            <a:off x="7531872" y="5267849"/>
+            <a:ext cx="983478" cy="631250"/>
+          </a:xfrm>
+          <a:prstGeom prst="roundRect">
+            <a:avLst/>
+          </a:prstGeom>
+          <a:solidFill>
+            <a:schemeClr val="accent2"/>
+          </a:solidFill>
+          <a:ln>
+            <a:solidFill>
+              <a:schemeClr val="accent2"/>
+            </a:solidFill>
+          </a:ln>
+        </p:spPr>
+        <p:style>
+          <a:lnRef idx="2">
+            <a:schemeClr val="accent1">
+              <a:shade val="50000"/>
+            </a:schemeClr>
+          </a:lnRef>
+          <a:fillRef idx="1">
+            <a:schemeClr val="accent1"/>
+          </a:fillRef>
+          <a:effectRef idx="0">
+            <a:schemeClr val="accent1"/>
+          </a:effectRef>
+          <a:fontRef idx="minor">
+            <a:schemeClr val="lt1"/>
+          </a:fontRef>
+        </p:style>
+        <p:txBody>
+          <a:bodyPr rtlCol="0" anchor="ctr"/>
+          <a:lstStyle/>
+          <a:p>
+            <a:r>
+              <a:rPr lang="en-US" sz="1350" dirty="0"/>
+              <a:t>external tenancies</a:t>
+            </a:r>
+          </a:p>
+        </p:txBody>
+      </p:sp>
+      <p:sp>
+        <p:nvSpPr>
+          <p:cNvPr id="18" name="Rounded Rectangle 17">
+            <a:extLst>
+              <a:ext uri="{FF2B5EF4-FFF2-40B4-BE49-F238E27FC236}">
+                <a16:creationId xmlns:a16="http://schemas.microsoft.com/office/drawing/2014/main" id="{48C851FD-0E25-6340-A59C-1002028DC3CD}"/>
+              </a:ext>
+            </a:extLst>
+          </p:cNvPr>
+          <p:cNvSpPr/>
+          <p:nvPr/>
+        </p:nvSpPr>
+        <p:spPr>
+          <a:xfrm>
+            <a:off x="6176227" y="4490478"/>
+            <a:ext cx="1016705" cy="435554"/>
+          </a:xfrm>
+          <a:prstGeom prst="roundRect">
+            <a:avLst/>
+          </a:prstGeom>
+          <a:solidFill>
+            <a:schemeClr val="accent2"/>
+          </a:solidFill>
+          <a:ln>
+            <a:solidFill>
+              <a:schemeClr val="accent2"/>
+            </a:solidFill>
+          </a:ln>
+        </p:spPr>
+        <p:style>
+          <a:lnRef idx="2">
+            <a:schemeClr val="accent1">
+              <a:shade val="50000"/>
+            </a:schemeClr>
+          </a:lnRef>
+          <a:fillRef idx="1">
+            <a:schemeClr val="accent1"/>
+          </a:fillRef>
+          <a:effectRef idx="0">
+            <a:schemeClr val="accent1"/>
+          </a:effectRef>
+          <a:fontRef idx="minor">
+            <a:schemeClr val="lt1"/>
+          </a:fontRef>
+        </p:style>
+        <p:txBody>
+          <a:bodyPr rtlCol="0" anchor="ctr"/>
+          <a:lstStyle/>
+          <a:p>
+            <a:r>
+              <a:rPr lang="en-US" sz="1350" dirty="0"/>
+              <a:t>managed tenancies</a:t>
+            </a:r>
+          </a:p>
+        </p:txBody>
+      </p:sp>
+      <p:sp>
+        <p:nvSpPr>
+          <p:cNvPr id="19" name="Rounded Rectangle 18">
+            <a:extLst>
+              <a:ext uri="{FF2B5EF4-FFF2-40B4-BE49-F238E27FC236}">
+                <a16:creationId xmlns:a16="http://schemas.microsoft.com/office/drawing/2014/main" id="{2EF0DB2C-9601-EA40-90B6-B8C28B6BA929}"/>
+              </a:ext>
+            </a:extLst>
+          </p:cNvPr>
+          <p:cNvSpPr/>
+          <p:nvPr/>
+        </p:nvSpPr>
+        <p:spPr>
+          <a:xfrm>
+            <a:off x="6262579" y="2269287"/>
+            <a:ext cx="715619" cy="334426"/>
+          </a:xfrm>
+          <a:prstGeom prst="roundRect">
+            <a:avLst/>
+          </a:prstGeom>
+          <a:solidFill>
+            <a:schemeClr val="accent2"/>
+          </a:solidFill>
+          <a:ln>
+            <a:solidFill>
+              <a:schemeClr val="accent2"/>
+            </a:solidFill>
+          </a:ln>
+        </p:spPr>
+        <p:style>
+          <a:lnRef idx="2">
+            <a:schemeClr val="accent1">
+              <a:shade val="50000"/>
+            </a:schemeClr>
+          </a:lnRef>
+          <a:fillRef idx="1">
+            <a:schemeClr val="accent1"/>
+          </a:fillRef>
+          <a:effectRef idx="0">
+            <a:schemeClr val="accent1"/>
+          </a:effectRef>
+          <a:fontRef idx="minor">
+            <a:schemeClr val="lt1"/>
+          </a:fontRef>
+        </p:style>
+        <p:txBody>
+          <a:bodyPr rtlCol="0" anchor="ctr"/>
+          <a:lstStyle/>
+          <a:p>
+            <a:r>
+              <a:rPr lang="en-US" sz="1350" dirty="0"/>
+              <a:t>sci</a:t>
+            </a:r>
+          </a:p>
+        </p:txBody>
+      </p:sp>
+      <p:sp>
+        <p:nvSpPr>
+          <p:cNvPr id="20" name="Rounded Rectangle 19">
+            <a:extLst>
+              <a:ext uri="{FF2B5EF4-FFF2-40B4-BE49-F238E27FC236}">
+                <a16:creationId xmlns:a16="http://schemas.microsoft.com/office/drawing/2014/main" id="{283067A5-7999-0547-8FD4-60F95843B368}"/>
+              </a:ext>
+            </a:extLst>
+          </p:cNvPr>
+          <p:cNvSpPr/>
+          <p:nvPr/>
+        </p:nvSpPr>
+        <p:spPr>
+          <a:xfrm>
+            <a:off x="6262579" y="3943657"/>
+            <a:ext cx="966998" cy="407982"/>
+          </a:xfrm>
+          <a:prstGeom prst="roundRect">
+            <a:avLst/>
+          </a:prstGeom>
+          <a:solidFill>
+            <a:schemeClr val="accent2"/>
+          </a:solidFill>
+          <a:ln>
+            <a:solidFill>
+              <a:schemeClr val="accent2"/>
+            </a:solidFill>
+          </a:ln>
+        </p:spPr>
+        <p:style>
+          <a:lnRef idx="2">
+            <a:schemeClr val="accent1">
+              <a:shade val="50000"/>
+            </a:schemeClr>
+          </a:lnRef>
+          <a:fillRef idx="1">
+            <a:schemeClr val="accent1"/>
+          </a:fillRef>
+          <a:effectRef idx="0">
+            <a:schemeClr val="accent1"/>
+          </a:effectRef>
+          <a:fontRef idx="minor">
+            <a:schemeClr val="lt1"/>
+          </a:fontRef>
+        </p:style>
+        <p:txBody>
+          <a:bodyPr rtlCol="0" anchor="ctr"/>
+          <a:lstStyle/>
+          <a:p>
+            <a:r>
+              <a:rPr lang="en-US" sz="1350" dirty="0"/>
+              <a:t>software</a:t>
+            </a:r>
+          </a:p>
+        </p:txBody>
+      </p:sp>
+      <p:cxnSp>
+        <p:nvCxnSpPr>
+          <p:cNvPr id="21" name="Straight Connector 25">
+            <a:extLst>
+              <a:ext uri="{FF2B5EF4-FFF2-40B4-BE49-F238E27FC236}">
+                <a16:creationId xmlns:a16="http://schemas.microsoft.com/office/drawing/2014/main" id="{B9E74505-636B-7A48-985B-2C28BD68DA97}"/>
+              </a:ext>
+            </a:extLst>
+          </p:cNvPr>
+          <p:cNvCxnSpPr>
+            <a:cxnSpLocks/>
+            <a:stCxn id="10" idx="7"/>
+            <a:endCxn id="15" idx="1"/>
+          </p:cNvCxnSpPr>
+          <p:nvPr/>
+        </p:nvCxnSpPr>
+        <p:spPr>
+          <a:xfrm rot="5400000" flipH="1" flipV="1">
+            <a:off x="3964648" y="2750139"/>
+            <a:ext cx="1832726" cy="169666"/>
+          </a:xfrm>
+          <a:prstGeom prst="bentConnector2">
+            <a:avLst/>
+          </a:prstGeom>
+        </p:spPr>
+        <p:style>
+          <a:lnRef idx="1">
+            <a:schemeClr val="accent1"/>
+          </a:lnRef>
+          <a:fillRef idx="0">
+            <a:schemeClr val="accent1"/>
+          </a:fillRef>
+          <a:effectRef idx="0">
+            <a:schemeClr val="accent1"/>
+          </a:effectRef>
+          <a:fontRef idx="minor">
+            <a:schemeClr val="tx1"/>
+          </a:fontRef>
+        </p:style>
+      </p:cxnSp>
+      <p:cxnSp>
+        <p:nvCxnSpPr>
+          <p:cNvPr id="22" name="Straight Connector 27">
+            <a:extLst>
+              <a:ext uri="{FF2B5EF4-FFF2-40B4-BE49-F238E27FC236}">
+                <a16:creationId xmlns:a16="http://schemas.microsoft.com/office/drawing/2014/main" id="{22694D6B-D54A-6742-A769-0EB39B15A7AF}"/>
+              </a:ext>
+            </a:extLst>
+          </p:cNvPr>
+          <p:cNvCxnSpPr>
+            <a:cxnSpLocks/>
+            <a:stCxn id="10" idx="5"/>
+          </p:cNvCxnSpPr>
+          <p:nvPr/>
+        </p:nvCxnSpPr>
+        <p:spPr>
+          <a:xfrm rot="16200000" flipH="1">
+            <a:off x="4173917" y="4703665"/>
+            <a:ext cx="1506130" cy="296983"/>
+          </a:xfrm>
+          <a:prstGeom prst="bentConnector3">
+            <a:avLst>
+              <a:gd name="adj1" fmla="val 99177"/>
+            </a:avLst>
+          </a:prstGeom>
+        </p:spPr>
+        <p:style>
+          <a:lnRef idx="1">
+            <a:schemeClr val="accent1"/>
+          </a:lnRef>
+          <a:fillRef idx="0">
+            <a:schemeClr val="accent1"/>
+          </a:fillRef>
+          <a:effectRef idx="0">
+            <a:schemeClr val="accent1"/>
+          </a:effectRef>
+          <a:fontRef idx="minor">
+            <a:schemeClr val="tx1"/>
+          </a:fontRef>
+        </p:style>
+      </p:cxnSp>
+      <p:cxnSp>
+        <p:nvCxnSpPr>
+          <p:cNvPr id="23" name="Straight Connector 29">
+            <a:extLst>
+              <a:ext uri="{FF2B5EF4-FFF2-40B4-BE49-F238E27FC236}">
+                <a16:creationId xmlns:a16="http://schemas.microsoft.com/office/drawing/2014/main" id="{66799301-C715-CD41-9ED1-AAB18E6B2FE4}"/>
+              </a:ext>
+            </a:extLst>
+          </p:cNvPr>
+          <p:cNvCxnSpPr>
+            <a:cxnSpLocks/>
+            <a:stCxn id="15" idx="3"/>
+            <a:endCxn id="11" idx="1"/>
+          </p:cNvCxnSpPr>
+          <p:nvPr/>
+        </p:nvCxnSpPr>
+        <p:spPr>
+          <a:xfrm flipV="1">
+            <a:off x="6116305" y="1652645"/>
+            <a:ext cx="1683428" cy="265964"/>
+          </a:xfrm>
+          <a:prstGeom prst="bentConnector3">
+            <a:avLst>
+              <a:gd name="adj1" fmla="val 50000"/>
+            </a:avLst>
+          </a:prstGeom>
+        </p:spPr>
+        <p:style>
+          <a:lnRef idx="1">
+            <a:schemeClr val="accent1"/>
+          </a:lnRef>
+          <a:fillRef idx="0">
+            <a:schemeClr val="accent1"/>
+          </a:fillRef>
+          <a:effectRef idx="0">
+            <a:schemeClr val="accent1"/>
+          </a:effectRef>
+          <a:fontRef idx="minor">
+            <a:schemeClr val="tx1"/>
+          </a:fontRef>
+        </p:style>
+      </p:cxnSp>
+      <p:cxnSp>
+        <p:nvCxnSpPr>
+          <p:cNvPr id="24" name="Straight Connector 31">
+            <a:extLst>
+              <a:ext uri="{FF2B5EF4-FFF2-40B4-BE49-F238E27FC236}">
+                <a16:creationId xmlns:a16="http://schemas.microsoft.com/office/drawing/2014/main" id="{D4372A58-E513-1A41-A056-8A9883CE6F69}"/>
+              </a:ext>
+            </a:extLst>
+          </p:cNvPr>
+          <p:cNvCxnSpPr>
+            <a:stCxn id="15" idx="3"/>
+            <a:endCxn id="12" idx="1"/>
+          </p:cNvCxnSpPr>
+          <p:nvPr/>
+        </p:nvCxnSpPr>
+        <p:spPr>
+          <a:xfrm>
+            <a:off x="6116305" y="1918609"/>
+            <a:ext cx="1683428" cy="230519"/>
+          </a:xfrm>
+          <a:prstGeom prst="bentConnector3">
+            <a:avLst>
+              <a:gd name="adj1" fmla="val 50000"/>
+            </a:avLst>
+          </a:prstGeom>
+        </p:spPr>
+        <p:style>
+          <a:lnRef idx="1">
+            <a:schemeClr val="accent1"/>
+          </a:lnRef>
+          <a:fillRef idx="0">
+            <a:schemeClr val="accent1"/>
+          </a:fillRef>
+          <a:effectRef idx="0">
+            <a:schemeClr val="accent1"/>
+          </a:effectRef>
+          <a:fontRef idx="minor">
+            <a:schemeClr val="tx1"/>
+          </a:fontRef>
+        </p:style>
+      </p:cxnSp>
+      <p:cxnSp>
+        <p:nvCxnSpPr>
+          <p:cNvPr id="25" name="Straight Connector 24">
+            <a:extLst>
+              <a:ext uri="{FF2B5EF4-FFF2-40B4-BE49-F238E27FC236}">
+                <a16:creationId xmlns:a16="http://schemas.microsoft.com/office/drawing/2014/main" id="{C83A8059-883D-4C41-9B2D-C7A6B745788F}"/>
+              </a:ext>
+            </a:extLst>
+          </p:cNvPr>
+          <p:cNvCxnSpPr>
+            <a:cxnSpLocks/>
+            <a:stCxn id="15" idx="3"/>
+            <a:endCxn id="15" idx="3"/>
+          </p:cNvCxnSpPr>
+          <p:nvPr/>
+        </p:nvCxnSpPr>
+        <p:spPr>
+          <a:xfrm>
+            <a:off x="6116305" y="1918609"/>
+            <a:ext cx="0" cy="0"/>
+          </a:xfrm>
+          <a:prstGeom prst="line">
+            <a:avLst/>
+          </a:prstGeom>
+        </p:spPr>
+        <p:style>
+          <a:lnRef idx="1">
+            <a:schemeClr val="accent1"/>
+          </a:lnRef>
+          <a:fillRef idx="0">
+            <a:schemeClr val="accent1"/>
+          </a:fillRef>
+          <a:effectRef idx="0">
+            <a:schemeClr val="accent1"/>
+          </a:effectRef>
+          <a:fontRef idx="minor">
+            <a:schemeClr val="tx1"/>
+          </a:fontRef>
+        </p:style>
+      </p:cxnSp>
+      <p:cxnSp>
+        <p:nvCxnSpPr>
+          <p:cNvPr id="26" name="Straight Connector 46">
+            <a:extLst>
+              <a:ext uri="{FF2B5EF4-FFF2-40B4-BE49-F238E27FC236}">
+                <a16:creationId xmlns:a16="http://schemas.microsoft.com/office/drawing/2014/main" id="{CABED305-F36B-DF4F-AF83-F3379E9C30D9}"/>
+              </a:ext>
+            </a:extLst>
+          </p:cNvPr>
+          <p:cNvCxnSpPr>
+            <a:cxnSpLocks/>
+          </p:cNvCxnSpPr>
+          <p:nvPr/>
+        </p:nvCxnSpPr>
+        <p:spPr>
+          <a:xfrm flipV="1">
+            <a:off x="6225934" y="5583474"/>
+            <a:ext cx="1305938" cy="3461"/>
+          </a:xfrm>
+          <a:prstGeom prst="bentConnector3">
+            <a:avLst>
+              <a:gd name="adj1" fmla="val 50000"/>
+            </a:avLst>
+          </a:prstGeom>
+        </p:spPr>
+        <p:style>
+          <a:lnRef idx="1">
+            <a:schemeClr val="accent1"/>
+          </a:lnRef>
+          <a:fillRef idx="0">
+            <a:schemeClr val="accent1"/>
+          </a:fillRef>
+          <a:effectRef idx="0">
+            <a:schemeClr val="accent1"/>
+          </a:effectRef>
+          <a:fontRef idx="minor">
+            <a:schemeClr val="tx1"/>
+          </a:fontRef>
+        </p:style>
+      </p:cxnSp>
+      <p:cxnSp>
+        <p:nvCxnSpPr>
+          <p:cNvPr id="27" name="Straight Connector 48">
+            <a:extLst>
+              <a:ext uri="{FF2B5EF4-FFF2-40B4-BE49-F238E27FC236}">
+                <a16:creationId xmlns:a16="http://schemas.microsoft.com/office/drawing/2014/main" id="{92BF9AD8-F2F9-C944-89B6-78553CF27ECF}"/>
+              </a:ext>
+            </a:extLst>
+          </p:cNvPr>
+          <p:cNvCxnSpPr>
+            <a:cxnSpLocks/>
+            <a:stCxn id="5" idx="2"/>
+            <a:endCxn id="6" idx="3"/>
+          </p:cNvCxnSpPr>
+          <p:nvPr/>
+        </p:nvCxnSpPr>
+        <p:spPr>
+          <a:xfrm rot="10800000">
+            <a:off x="1791817" y="3050014"/>
+            <a:ext cx="207164" cy="886473"/>
+          </a:xfrm>
+          <a:prstGeom prst="bentConnector3">
+            <a:avLst>
+              <a:gd name="adj1" fmla="val 50000"/>
+            </a:avLst>
+          </a:prstGeom>
+        </p:spPr>
+        <p:style>
+          <a:lnRef idx="1">
+            <a:schemeClr val="accent1"/>
+          </a:lnRef>
+          <a:fillRef idx="0">
+            <a:schemeClr val="accent1"/>
+          </a:fillRef>
+          <a:effectRef idx="0">
+            <a:schemeClr val="accent1"/>
+          </a:effectRef>
+          <a:fontRef idx="minor">
+            <a:schemeClr val="tx1"/>
+          </a:fontRef>
+        </p:style>
+      </p:cxnSp>
+      <p:cxnSp>
+        <p:nvCxnSpPr>
+          <p:cNvPr id="28" name="Straight Connector 50">
+            <a:extLst>
+              <a:ext uri="{FF2B5EF4-FFF2-40B4-BE49-F238E27FC236}">
+                <a16:creationId xmlns:a16="http://schemas.microsoft.com/office/drawing/2014/main" id="{418635B7-6907-3344-BE22-3067253FDA24}"/>
+              </a:ext>
+            </a:extLst>
+          </p:cNvPr>
+          <p:cNvCxnSpPr>
+            <a:cxnSpLocks/>
+            <a:stCxn id="5" idx="2"/>
+            <a:endCxn id="7" idx="3"/>
+          </p:cNvCxnSpPr>
+          <p:nvPr/>
+        </p:nvCxnSpPr>
+        <p:spPr>
+          <a:xfrm rot="10800000">
+            <a:off x="1791817" y="3701492"/>
+            <a:ext cx="207165" cy="234995"/>
+          </a:xfrm>
+          <a:prstGeom prst="bentConnector3">
+            <a:avLst>
+              <a:gd name="adj1" fmla="val 50000"/>
+            </a:avLst>
+          </a:prstGeom>
+        </p:spPr>
+        <p:style>
+          <a:lnRef idx="1">
+            <a:schemeClr val="accent1"/>
+          </a:lnRef>
+          <a:fillRef idx="0">
+            <a:schemeClr val="accent1"/>
+          </a:fillRef>
+          <a:effectRef idx="0">
+            <a:schemeClr val="accent1"/>
+          </a:effectRef>
+          <a:fontRef idx="minor">
+            <a:schemeClr val="tx1"/>
+          </a:fontRef>
+        </p:style>
+      </p:cxnSp>
+      <p:cxnSp>
+        <p:nvCxnSpPr>
+          <p:cNvPr id="29" name="Straight Connector 52">
+            <a:extLst>
+              <a:ext uri="{FF2B5EF4-FFF2-40B4-BE49-F238E27FC236}">
+                <a16:creationId xmlns:a16="http://schemas.microsoft.com/office/drawing/2014/main" id="{70DE8223-EEFE-834D-B35B-8671C6F3A178}"/>
+              </a:ext>
+            </a:extLst>
+          </p:cNvPr>
+          <p:cNvCxnSpPr>
+            <a:cxnSpLocks/>
+            <a:stCxn id="5" idx="2"/>
+            <a:endCxn id="8" idx="3"/>
+          </p:cNvCxnSpPr>
+          <p:nvPr/>
+        </p:nvCxnSpPr>
+        <p:spPr>
+          <a:xfrm rot="10800000" flipV="1">
+            <a:off x="1791815" y="3936486"/>
+            <a:ext cx="207166" cy="1161338"/>
+          </a:xfrm>
+          <a:prstGeom prst="bentConnector3">
+            <a:avLst>
+              <a:gd name="adj1" fmla="val 50000"/>
+            </a:avLst>
+          </a:prstGeom>
+        </p:spPr>
+        <p:style>
+          <a:lnRef idx="1">
+            <a:schemeClr val="accent1"/>
+          </a:lnRef>
+          <a:fillRef idx="0">
+            <a:schemeClr val="accent1"/>
+          </a:fillRef>
+          <a:effectRef idx="0">
+            <a:schemeClr val="accent1"/>
+          </a:effectRef>
+          <a:fontRef idx="minor">
+            <a:schemeClr val="tx1"/>
+          </a:fontRef>
+        </p:style>
+      </p:cxnSp>
+      <p:cxnSp>
+        <p:nvCxnSpPr>
+          <p:cNvPr id="30" name="Straight Connector 54">
+            <a:extLst>
+              <a:ext uri="{FF2B5EF4-FFF2-40B4-BE49-F238E27FC236}">
+                <a16:creationId xmlns:a16="http://schemas.microsoft.com/office/drawing/2014/main" id="{5C1D6763-9322-A54B-8B96-0740843558D5}"/>
+              </a:ext>
+            </a:extLst>
+          </p:cNvPr>
+          <p:cNvCxnSpPr>
+            <a:cxnSpLocks/>
+            <a:stCxn id="5" idx="2"/>
+            <a:endCxn id="9" idx="3"/>
+          </p:cNvCxnSpPr>
+          <p:nvPr/>
+        </p:nvCxnSpPr>
+        <p:spPr>
+          <a:xfrm rot="10800000" flipV="1">
+            <a:off x="1791815" y="3936486"/>
+            <a:ext cx="207166" cy="463172"/>
+          </a:xfrm>
+          <a:prstGeom prst="bentConnector3">
+            <a:avLst>
+              <a:gd name="adj1" fmla="val 50000"/>
+            </a:avLst>
+          </a:prstGeom>
+        </p:spPr>
+        <p:style>
+          <a:lnRef idx="1">
+            <a:schemeClr val="accent1"/>
+          </a:lnRef>
+          <a:fillRef idx="0">
+            <a:schemeClr val="accent1"/>
+          </a:fillRef>
+          <a:effectRef idx="0">
+            <a:schemeClr val="accent1"/>
+          </a:effectRef>
+          <a:fontRef idx="minor">
+            <a:schemeClr val="tx1"/>
+          </a:fontRef>
+        </p:style>
+      </p:cxnSp>
+      <p:cxnSp>
+        <p:nvCxnSpPr>
+          <p:cNvPr id="31" name="Elbow Connector 30">
+            <a:extLst>
+              <a:ext uri="{FF2B5EF4-FFF2-40B4-BE49-F238E27FC236}">
+                <a16:creationId xmlns:a16="http://schemas.microsoft.com/office/drawing/2014/main" id="{629744C1-E493-4542-B88D-6A9577191FF1}"/>
+              </a:ext>
+            </a:extLst>
+          </p:cNvPr>
+          <p:cNvCxnSpPr>
+            <a:stCxn id="15" idx="2"/>
+            <a:endCxn id="19" idx="1"/>
+          </p:cNvCxnSpPr>
+          <p:nvPr/>
+        </p:nvCxnSpPr>
+        <p:spPr>
+          <a:xfrm rot="16200000" flipH="1">
+            <a:off x="5858320" y="2032241"/>
+            <a:ext cx="87014" cy="721504"/>
+          </a:xfrm>
+          <a:prstGeom prst="bentConnector2">
+            <a:avLst/>
+          </a:prstGeom>
+        </p:spPr>
+        <p:style>
+          <a:lnRef idx="1">
+            <a:schemeClr val="accent1"/>
+          </a:lnRef>
+          <a:fillRef idx="0">
+            <a:schemeClr val="accent1"/>
+          </a:fillRef>
+          <a:effectRef idx="0">
+            <a:schemeClr val="accent1"/>
+          </a:effectRef>
+          <a:fontRef idx="minor">
+            <a:schemeClr val="tx1"/>
+          </a:fontRef>
+        </p:style>
+      </p:cxnSp>
+      <p:cxnSp>
+        <p:nvCxnSpPr>
+          <p:cNvPr id="32" name="Elbow Connector 31">
+            <a:extLst>
+              <a:ext uri="{FF2B5EF4-FFF2-40B4-BE49-F238E27FC236}">
+                <a16:creationId xmlns:a16="http://schemas.microsoft.com/office/drawing/2014/main" id="{AC557776-4BDC-FA47-8DD6-31117599322A}"/>
+              </a:ext>
+            </a:extLst>
+          </p:cNvPr>
+          <p:cNvCxnSpPr>
+            <a:cxnSpLocks/>
+          </p:cNvCxnSpPr>
+          <p:nvPr/>
+        </p:nvCxnSpPr>
+        <p:spPr>
+          <a:xfrm rot="16200000" flipH="1">
+            <a:off x="5468287" y="2768506"/>
+            <a:ext cx="867079" cy="721504"/>
+          </a:xfrm>
+          <a:prstGeom prst="bentConnector2">
+            <a:avLst/>
+          </a:prstGeom>
+        </p:spPr>
+        <p:style>
+          <a:lnRef idx="1">
+            <a:schemeClr val="accent1"/>
+          </a:lnRef>
+          <a:fillRef idx="0">
+            <a:schemeClr val="accent1"/>
+          </a:fillRef>
+          <a:effectRef idx="0">
+            <a:schemeClr val="accent1"/>
+          </a:effectRef>
+          <a:fontRef idx="minor">
+            <a:schemeClr val="tx1"/>
+          </a:fontRef>
+        </p:style>
+      </p:cxnSp>
+      <p:cxnSp>
+        <p:nvCxnSpPr>
+          <p:cNvPr id="33" name="Elbow Connector 32">
+            <a:extLst>
+              <a:ext uri="{FF2B5EF4-FFF2-40B4-BE49-F238E27FC236}">
+                <a16:creationId xmlns:a16="http://schemas.microsoft.com/office/drawing/2014/main" id="{5CBA9619-2E5D-C54A-8D15-386B6DEE0B62}"/>
+              </a:ext>
+            </a:extLst>
+          </p:cNvPr>
+          <p:cNvCxnSpPr>
+            <a:cxnSpLocks/>
+            <a:endCxn id="20" idx="1"/>
+          </p:cNvCxnSpPr>
+          <p:nvPr/>
+        </p:nvCxnSpPr>
+        <p:spPr>
+          <a:xfrm rot="16200000" flipH="1">
+            <a:off x="5149220" y="3034288"/>
+            <a:ext cx="1505213" cy="721505"/>
+          </a:xfrm>
+          <a:prstGeom prst="bentConnector2">
+            <a:avLst/>
+          </a:prstGeom>
+        </p:spPr>
+        <p:style>
+          <a:lnRef idx="1">
+            <a:schemeClr val="accent1"/>
+          </a:lnRef>
+          <a:fillRef idx="0">
+            <a:schemeClr val="accent1"/>
+          </a:fillRef>
+          <a:effectRef idx="0">
+            <a:schemeClr val="accent1"/>
+          </a:effectRef>
+          <a:fontRef idx="minor">
+            <a:schemeClr val="tx1"/>
+          </a:fontRef>
+        </p:style>
+      </p:cxnSp>
+      <p:cxnSp>
+        <p:nvCxnSpPr>
+          <p:cNvPr id="34" name="Elbow Connector 33">
+            <a:extLst>
+              <a:ext uri="{FF2B5EF4-FFF2-40B4-BE49-F238E27FC236}">
+                <a16:creationId xmlns:a16="http://schemas.microsoft.com/office/drawing/2014/main" id="{619C2C5B-5DB9-3E41-9DDA-B648384AD929}"/>
+              </a:ext>
+            </a:extLst>
+          </p:cNvPr>
+          <p:cNvCxnSpPr>
+            <a:cxnSpLocks/>
+            <a:stCxn id="14" idx="0"/>
+            <a:endCxn id="18" idx="1"/>
+          </p:cNvCxnSpPr>
+          <p:nvPr/>
+        </p:nvCxnSpPr>
+        <p:spPr>
+          <a:xfrm rot="5400000" flipH="1" flipV="1">
+            <a:off x="5625636" y="4733324"/>
+            <a:ext cx="575659" cy="525523"/>
+          </a:xfrm>
+          <a:prstGeom prst="bentConnector2">
+            <a:avLst/>
+          </a:prstGeom>
+        </p:spPr>
+        <p:style>
+          <a:lnRef idx="1">
+            <a:schemeClr val="accent1"/>
+          </a:lnRef>
+          <a:fillRef idx="0">
+            <a:schemeClr val="accent1"/>
+          </a:fillRef>
+          <a:effectRef idx="0">
+            <a:schemeClr val="accent1"/>
+          </a:effectRef>
+          <a:fontRef idx="minor">
+            <a:schemeClr val="tx1"/>
+          </a:fontRef>
+        </p:style>
+      </p:cxnSp>
+      <p:cxnSp>
+        <p:nvCxnSpPr>
+          <p:cNvPr id="35" name="Straight Connector 34">
+            <a:extLst>
+              <a:ext uri="{FF2B5EF4-FFF2-40B4-BE49-F238E27FC236}">
+                <a16:creationId xmlns:a16="http://schemas.microsoft.com/office/drawing/2014/main" id="{A7741909-87BC-7545-B9F5-17209BB1FEDE}"/>
+              </a:ext>
+            </a:extLst>
+          </p:cNvPr>
+          <p:cNvCxnSpPr>
+            <a:cxnSpLocks/>
+            <a:stCxn id="36" idx="1"/>
+          </p:cNvCxnSpPr>
+          <p:nvPr/>
+        </p:nvCxnSpPr>
+        <p:spPr>
+          <a:xfrm flipH="1">
+            <a:off x="7328972" y="1214566"/>
+            <a:ext cx="33634" cy="4625062"/>
+          </a:xfrm>
+          <a:prstGeom prst="line">
+            <a:avLst/>
+          </a:prstGeom>
+          <a:ln w="50800">
+            <a:solidFill>
+              <a:srgbClr val="C00000"/>
+            </a:solidFill>
+            <a:prstDash val="sysDash"/>
+          </a:ln>
+        </p:spPr>
+        <p:style>
+          <a:lnRef idx="1">
+            <a:schemeClr val="accent1"/>
+          </a:lnRef>
+          <a:fillRef idx="0">
+            <a:schemeClr val="accent1"/>
+          </a:fillRef>
+          <a:effectRef idx="0">
+            <a:schemeClr val="accent1"/>
+          </a:effectRef>
+          <a:fontRef idx="minor">
+            <a:schemeClr val="tx1"/>
+          </a:fontRef>
+        </p:style>
+      </p:cxnSp>
+      <p:sp>
+        <p:nvSpPr>
+          <p:cNvPr id="36" name="TextBox 35">
+            <a:extLst>
+              <a:ext uri="{FF2B5EF4-FFF2-40B4-BE49-F238E27FC236}">
+                <a16:creationId xmlns:a16="http://schemas.microsoft.com/office/drawing/2014/main" id="{07B3D9D4-C2F1-6244-9E6F-E051491B38ED}"/>
+              </a:ext>
+            </a:extLst>
+          </p:cNvPr>
+          <p:cNvSpPr txBox="1"/>
+          <p:nvPr/>
+        </p:nvSpPr>
+        <p:spPr>
+          <a:xfrm>
+            <a:off x="7362606" y="1064525"/>
+            <a:ext cx="925417" cy="300082"/>
           </a:xfrm>
           <a:prstGeom prst="rect">
             <a:avLst/>
           </a:prstGeom>
           <a:noFill/>
-          <a:ln>
-            <a:noFill/>
-          </a:ln>
         </p:spPr>
-      </p:pic>
-      <p:pic>
-        <p:nvPicPr>
-          <p:cNvPr id="228" name="Google Shape;228;p34" descr="https://lh3.googleusercontent.com/8s3rV2ACyLlBUrAeO9_Q2qb5tvrU6EcjJMSo4W1t7ptHzQaXFrOMkVxSeDMoxJ8uhl8AXUsJL604GhzGU1dV_2kHLJjO6aDqO9gRZVawPDWh_qntEnVstK85SbM"/>
-          <p:cNvPicPr preferRelativeResize="0"/>
-          <p:nvPr/>
-        </p:nvPicPr>
-        <p:blipFill rotWithShape="1">
-          <a:blip r:embed="rId3">
-            <a:alphaModFix/>
-          </a:blip>
-          <a:srcRect l="68039" t="71146"/>
-          <a:stretch/>
-        </p:blipFill>
-        <p:spPr>
-          <a:xfrm>
-            <a:off x="535423" y="4308793"/>
-            <a:ext cx="2233613" cy="1490663"/>
-          </a:xfrm>
-          <a:prstGeom prst="rect">
-            <a:avLst/>
-          </a:prstGeom>
-          <a:noFill/>
-          <a:ln>
-            <a:noFill/>
-          </a:ln>
-        </p:spPr>
-      </p:pic>
+        <p:txBody>
+          <a:bodyPr wrap="square" rtlCol="0">
+            <a:spAutoFit/>
+          </a:bodyPr>
+          <a:lstStyle/>
+          <a:p>
+            <a:r>
+              <a:rPr lang="en-US" sz="1350" dirty="0">
+                <a:solidFill>
+                  <a:srgbClr val="C00000"/>
+                </a:solidFill>
+              </a:rPr>
+              <a:t>Firewall</a:t>
+            </a:r>
+          </a:p>
+        </p:txBody>
+      </p:sp>
       <p:sp>
         <p:nvSpPr>
-          <p:cNvPr id="229" name="Google Shape;229;p34"/>
-          <p:cNvSpPr txBox="1">
-            <a:spLocks noGrp="1"/>
-          </p:cNvSpPr>
-          <p:nvPr>
-            <p:ph type="title"/>
-          </p:nvPr>
-        </p:nvSpPr>
-        <p:spPr>
-          <a:xfrm>
-            <a:off x="414925" y="73400"/>
-            <a:ext cx="8656200" cy="687300"/>
-          </a:xfrm>
-          <a:prstGeom prst="rect">
-            <a:avLst/>
-          </a:prstGeom>
-          <a:noFill/>
-          <a:ln>
-            <a:noFill/>
-          </a:ln>
-        </p:spPr>
-        <p:txBody>
-          <a:bodyPr spcFirstLastPara="1" wrap="square" lIns="91425" tIns="45700" rIns="91425" bIns="45700" anchor="ctr" anchorCtr="0">
-            <a:noAutofit/>
-          </a:bodyPr>
-          <a:lstStyle/>
-          <a:p>
-            <a:pPr marL="0" lvl="0" indent="0" algn="ctr" rtl="0">
-              <a:lnSpc>
-                <a:spcPct val="100000"/>
-              </a:lnSpc>
-              <a:spcBef>
-                <a:spcPts val="0"/>
-              </a:spcBef>
-              <a:spcAft>
-                <a:spcPts val="0"/>
-              </a:spcAft>
-              <a:buClr>
-                <a:schemeClr val="dk1"/>
-              </a:buClr>
-              <a:buFont typeface="Arial"/>
-              <a:buNone/>
-            </a:pPr>
-            <a:r>
-              <a:rPr lang="en-GB" b="1" dirty="0">
-                <a:latin typeface="Arial Rounded MT Bold" panose="020F0704030504030204" pitchFamily="34" charset="0"/>
-              </a:rPr>
-              <a:t>Scientific computing on JASMIN</a:t>
-            </a:r>
-            <a:endParaRPr b="1" dirty="0">
-              <a:latin typeface="Arial Rounded MT Bold" panose="020F0704030504030204" pitchFamily="34" charset="0"/>
-            </a:endParaRPr>
-          </a:p>
-        </p:txBody>
-      </p:sp>
-      <p:pic>
-        <p:nvPicPr>
-          <p:cNvPr id="230" name="Google Shape;230;p34" descr="https://lh3.googleusercontent.com/8s3rV2ACyLlBUrAeO9_Q2qb5tvrU6EcjJMSo4W1t7ptHzQaXFrOMkVxSeDMoxJ8uhl8AXUsJL604GhzGU1dV_2kHLJjO6aDqO9gRZVawPDWh_qntEnVstK85SbM"/>
-          <p:cNvPicPr preferRelativeResize="0"/>
-          <p:nvPr/>
-        </p:nvPicPr>
-        <p:blipFill rotWithShape="1">
-          <a:blip r:embed="rId3">
-            <a:alphaModFix/>
-          </a:blip>
-          <a:srcRect l="31958" t="71146" r="32992"/>
-          <a:stretch/>
-        </p:blipFill>
-        <p:spPr>
-          <a:xfrm>
-            <a:off x="906615" y="2748712"/>
-            <a:ext cx="2298075" cy="1397900"/>
-          </a:xfrm>
-          <a:prstGeom prst="rect">
-            <a:avLst/>
-          </a:prstGeom>
-          <a:noFill/>
-          <a:ln>
-            <a:noFill/>
-          </a:ln>
-        </p:spPr>
-      </p:pic>
-      <p:sp>
-        <p:nvSpPr>
-          <p:cNvPr id="231" name="Google Shape;231;p34"/>
-          <p:cNvSpPr txBox="1"/>
+          <p:cNvPr id="37" name="Rounded Rectangle 36">
+            <a:extLst>
+              <a:ext uri="{FF2B5EF4-FFF2-40B4-BE49-F238E27FC236}">
+                <a16:creationId xmlns:a16="http://schemas.microsoft.com/office/drawing/2014/main" id="{2EF0DB2C-9601-EA40-90B6-B8C28B6BA929}"/>
+              </a:ext>
+            </a:extLst>
+          </p:cNvPr>
+          <p:cNvSpPr/>
           <p:nvPr/>
         </p:nvSpPr>
         <p:spPr>
           <a:xfrm>
-            <a:off x="3481790" y="3594325"/>
-            <a:ext cx="2463900" cy="316500"/>
+            <a:off x="6262579" y="2683616"/>
+            <a:ext cx="790767" cy="472621"/>
           </a:xfrm>
-          <a:prstGeom prst="rect">
+          <a:prstGeom prst="roundRect">
             <a:avLst/>
           </a:prstGeom>
-          <a:noFill/>
+          <a:solidFill>
+            <a:schemeClr val="accent2"/>
+          </a:solidFill>
           <a:ln>
-            <a:noFill/>
+            <a:solidFill>
+              <a:schemeClr val="accent2"/>
+            </a:solidFill>
           </a:ln>
         </p:spPr>
+        <p:style>
+          <a:lnRef idx="2">
+            <a:schemeClr val="accent1">
+              <a:shade val="50000"/>
+            </a:schemeClr>
+          </a:lnRef>
+          <a:fillRef idx="1">
+            <a:schemeClr val="accent1"/>
+          </a:fillRef>
+          <a:effectRef idx="0">
+            <a:schemeClr val="accent1"/>
+          </a:effectRef>
+          <a:fontRef idx="minor">
+            <a:schemeClr val="lt1"/>
+          </a:fontRef>
+        </p:style>
         <p:txBody>
-          <a:bodyPr spcFirstLastPara="1" wrap="square" lIns="91425" tIns="91425" rIns="91425" bIns="91425" anchor="t" anchorCtr="0">
-            <a:noAutofit/>
-          </a:bodyPr>
+          <a:bodyPr rtlCol="0" anchor="ctr"/>
           <a:lstStyle/>
           <a:p>
-            <a:pPr marL="0" lvl="0" indent="0" algn="l" rtl="0">
-              <a:spcBef>
-                <a:spcPts val="0"/>
-              </a:spcBef>
-              <a:spcAft>
-                <a:spcPts val="0"/>
-              </a:spcAft>
-              <a:buNone/>
-            </a:pPr>
-            <a:r>
-              <a:rPr lang="en-GB" b="1" dirty="0" smtClean="0">
-                <a:latin typeface="Calibri" panose="020F0502020204030204" pitchFamily="34" charset="0"/>
-                <a:cs typeface="Calibri" panose="020F0502020204030204" pitchFamily="34" charset="0"/>
-              </a:rPr>
-              <a:t>(</a:t>
-            </a:r>
-            <a:r>
-              <a:rPr lang="en-GB" b="1" dirty="0" err="1" smtClean="0">
-                <a:latin typeface="Calibri" panose="020F0502020204030204" pitchFamily="34" charset="0"/>
-                <a:cs typeface="Calibri" panose="020F0502020204030204" pitchFamily="34" charset="0"/>
-              </a:rPr>
-              <a:t>jasmin-sci</a:t>
-            </a:r>
-            <a:r>
-              <a:rPr lang="en-GB" b="1" dirty="0" smtClean="0">
-                <a:latin typeface="Calibri" panose="020F0502020204030204" pitchFamily="34" charset="0"/>
-                <a:cs typeface="Calibri" panose="020F0502020204030204" pitchFamily="34" charset="0"/>
-              </a:rPr>
-              <a:t>[1-5</a:t>
-            </a:r>
-            <a:r>
-              <a:rPr lang="en-GB" b="1" dirty="0">
-                <a:latin typeface="Calibri" panose="020F0502020204030204" pitchFamily="34" charset="0"/>
-                <a:cs typeface="Calibri" panose="020F0502020204030204" pitchFamily="34" charset="0"/>
-              </a:rPr>
-              <a:t>].</a:t>
-            </a:r>
-            <a:r>
-              <a:rPr lang="en-GB" b="1" dirty="0" smtClean="0">
-                <a:latin typeface="Calibri" panose="020F0502020204030204" pitchFamily="34" charset="0"/>
-                <a:cs typeface="Calibri" panose="020F0502020204030204" pitchFamily="34" charset="0"/>
-              </a:rPr>
-              <a:t>ceda.ac.uk)</a:t>
-            </a:r>
-            <a:endParaRPr b="1" dirty="0">
-              <a:latin typeface="Calibri" panose="020F0502020204030204" pitchFamily="34" charset="0"/>
-              <a:cs typeface="Calibri" panose="020F0502020204030204" pitchFamily="34" charset="0"/>
-            </a:endParaRPr>
+            <a:r>
+              <a:rPr lang="en-US" sz="1350" dirty="0" err="1" smtClean="0"/>
+              <a:t>projectVM</a:t>
+            </a:r>
+            <a:endParaRPr lang="en-US" sz="1350" dirty="0"/>
           </a:p>
         </p:txBody>
       </p:sp>
-      <p:sp>
-        <p:nvSpPr>
-          <p:cNvPr id="232" name="Google Shape;232;p34"/>
-          <p:cNvSpPr txBox="1"/>
+      <p:cxnSp>
+        <p:nvCxnSpPr>
+          <p:cNvPr id="45" name="Elbow Connector 44">
+            <a:extLst>
+              <a:ext uri="{FF2B5EF4-FFF2-40B4-BE49-F238E27FC236}">
+                <a16:creationId xmlns:a16="http://schemas.microsoft.com/office/drawing/2014/main" id="{629744C1-E493-4542-B88D-6A9577191FF1}"/>
+              </a:ext>
+            </a:extLst>
+          </p:cNvPr>
+          <p:cNvCxnSpPr>
+            <a:stCxn id="15" idx="2"/>
+            <a:endCxn id="37" idx="1"/>
+          </p:cNvCxnSpPr>
           <p:nvPr/>
-        </p:nvSpPr>
+        </p:nvCxnSpPr>
         <p:spPr>
-          <a:xfrm>
-            <a:off x="6105705" y="3596195"/>
-            <a:ext cx="1105500" cy="271200"/>
+          <a:xfrm rot="16200000" flipH="1">
+            <a:off x="5616607" y="2273954"/>
+            <a:ext cx="570441" cy="721504"/>
           </a:xfrm>
-          <a:prstGeom prst="rect">
+          <a:prstGeom prst="bentConnector2">
             <a:avLst/>
           </a:prstGeom>
-          <a:noFill/>
-          <a:ln>
-            <a:noFill/>
-          </a:ln>
         </p:spPr>
-        <p:txBody>
-          <a:bodyPr spcFirstLastPara="1" wrap="square" lIns="91425" tIns="91425" rIns="91425" bIns="91425" anchor="t" anchorCtr="0">
-            <a:noAutofit/>
-          </a:bodyPr>
-          <a:lstStyle/>
-          <a:p>
-            <a:pPr marL="0" lvl="0" indent="0" algn="l" rtl="0">
-              <a:spcBef>
-                <a:spcPts val="0"/>
-              </a:spcBef>
-              <a:spcAft>
-                <a:spcPts val="0"/>
-              </a:spcAft>
-              <a:buNone/>
-            </a:pPr>
-            <a:r>
-              <a:rPr lang="en-GB" b="1" dirty="0">
-                <a:latin typeface="Calibri" panose="020F0502020204030204" pitchFamily="34" charset="0"/>
-                <a:cs typeface="Calibri" panose="020F0502020204030204" pitchFamily="34" charset="0"/>
-              </a:rPr>
-              <a:t>5700 Cores </a:t>
-            </a:r>
-            <a:endParaRPr b="1" dirty="0">
-              <a:latin typeface="Calibri" panose="020F0502020204030204" pitchFamily="34" charset="0"/>
-              <a:cs typeface="Calibri" panose="020F0502020204030204" pitchFamily="34" charset="0"/>
-            </a:endParaRPr>
-          </a:p>
-        </p:txBody>
-      </p:sp>
-      <p:sp>
-        <p:nvSpPr>
-          <p:cNvPr id="233" name="Google Shape;233;p34"/>
-          <p:cNvSpPr txBox="1"/>
-          <p:nvPr/>
-        </p:nvSpPr>
-        <p:spPr>
-          <a:xfrm>
-            <a:off x="3614715" y="1938003"/>
-            <a:ext cx="2463900" cy="316500"/>
-          </a:xfrm>
-          <a:prstGeom prst="rect">
-            <a:avLst/>
-          </a:prstGeom>
-          <a:noFill/>
-          <a:ln>
-            <a:noFill/>
-          </a:ln>
-        </p:spPr>
-        <p:txBody>
-          <a:bodyPr spcFirstLastPara="1" wrap="square" lIns="91425" tIns="91425" rIns="91425" bIns="91425" anchor="t" anchorCtr="0">
-            <a:noAutofit/>
-          </a:bodyPr>
-          <a:lstStyle/>
-          <a:p>
-            <a:pPr marL="0" lvl="0" indent="0" algn="l" rtl="0">
-              <a:spcBef>
-                <a:spcPts val="0"/>
-              </a:spcBef>
-              <a:spcAft>
-                <a:spcPts val="0"/>
-              </a:spcAft>
-              <a:buNone/>
-            </a:pPr>
-            <a:r>
-              <a:rPr lang="en-GB" b="1" dirty="0" smtClean="0">
-                <a:latin typeface="Calibri" panose="020F0502020204030204" pitchFamily="34" charset="0"/>
-                <a:cs typeface="Calibri" panose="020F0502020204030204" pitchFamily="34" charset="0"/>
-              </a:rPr>
-              <a:t>(jasmin-login1.ceda.ac.uk)</a:t>
-            </a:r>
-            <a:endParaRPr b="1" dirty="0">
-              <a:latin typeface="Calibri" panose="020F0502020204030204" pitchFamily="34" charset="0"/>
-              <a:cs typeface="Calibri" panose="020F0502020204030204" pitchFamily="34" charset="0"/>
-            </a:endParaRPr>
-          </a:p>
-        </p:txBody>
-      </p:sp>
+        <p:style>
+          <a:lnRef idx="1">
+            <a:schemeClr val="accent1"/>
+          </a:lnRef>
+          <a:fillRef idx="0">
+            <a:schemeClr val="accent1"/>
+          </a:fillRef>
+          <a:effectRef idx="0">
+            <a:schemeClr val="accent1"/>
+          </a:effectRef>
+          <a:fontRef idx="minor">
+            <a:schemeClr val="tx1"/>
+          </a:fontRef>
+        </p:style>
+      </p:cxnSp>
     </p:spTree>
+    <p:extLst>
+      <p:ext uri="{BB962C8B-B14F-4D97-AF65-F5344CB8AC3E}">
+        <p14:creationId xmlns:p14="http://schemas.microsoft.com/office/powerpoint/2010/main" val="1268323795"/>
+      </p:ext>
+    </p:extLst>
   </p:cSld>
   <p:clrMapOvr>
     <a:masterClrMapping/>
   </p:clrMapOvr>
-  <p:timing>
-    <p:tnLst>
-      <p:par>
-        <p:cTn id="1" dur="indefinite" restart="never" nodeType="tmRoot"/>
-      </p:par>
-    </p:tnLst>
-  </p:timing>
 </p:sld>
 </file>
 
@@ -19802,474 +20963,6 @@
 </file>
 
 <file path=ppt/slides/slide22.xml><?xml version="1.0" encoding="utf-8"?>
-<p:sld xmlns:a="http://schemas.openxmlformats.org/drawingml/2006/main" xmlns:r="http://schemas.openxmlformats.org/officeDocument/2006/relationships" xmlns:p="http://schemas.openxmlformats.org/presentationml/2006/main" show="0">
-  <p:cSld>
-    <p:spTree>
-      <p:nvGrpSpPr>
-        <p:cNvPr id="1" name="Shape 261"/>
-        <p:cNvGrpSpPr/>
-        <p:nvPr/>
-      </p:nvGrpSpPr>
-      <p:grpSpPr>
-        <a:xfrm>
-          <a:off x="0" y="0"/>
-          <a:ext cx="0" cy="0"/>
-          <a:chOff x="0" y="0"/>
-          <a:chExt cx="0" cy="0"/>
-        </a:xfrm>
-      </p:grpSpPr>
-      <p:sp>
-        <p:nvSpPr>
-          <p:cNvPr id="262" name="Google Shape;262;p38"/>
-          <p:cNvSpPr txBox="1">
-            <a:spLocks noGrp="1"/>
-          </p:cNvSpPr>
-          <p:nvPr>
-            <p:ph type="title"/>
-          </p:nvPr>
-        </p:nvSpPr>
-        <p:spPr>
-          <a:xfrm>
-            <a:off x="376518" y="380325"/>
-            <a:ext cx="8417858" cy="686475"/>
-          </a:xfrm>
-          <a:prstGeom prst="rect">
-            <a:avLst/>
-          </a:prstGeom>
-          <a:noFill/>
-          <a:ln>
-            <a:noFill/>
-          </a:ln>
-        </p:spPr>
-        <p:txBody>
-          <a:bodyPr spcFirstLastPara="1" wrap="square" lIns="91425" tIns="45700" rIns="91425" bIns="45700" anchor="t" anchorCtr="0">
-            <a:noAutofit/>
-          </a:bodyPr>
-          <a:lstStyle/>
-          <a:p>
-            <a:pPr marL="0" marR="0" lvl="0" indent="0" rtl="0">
-              <a:lnSpc>
-                <a:spcPct val="90000"/>
-              </a:lnSpc>
-              <a:spcBef>
-                <a:spcPts val="0"/>
-              </a:spcBef>
-              <a:spcAft>
-                <a:spcPts val="0"/>
-              </a:spcAft>
-              <a:buClr>
-                <a:srgbClr val="63666A"/>
-              </a:buClr>
-              <a:buSzPts val="2400"/>
-              <a:buFont typeface="Calibri"/>
-              <a:buNone/>
-            </a:pPr>
-            <a:r>
-              <a:rPr lang="en-GB" b="1" dirty="0">
-                <a:latin typeface="Arial Rounded MT Bold" panose="020F0704030504030204" pitchFamily="34" charset="0"/>
-              </a:rPr>
-              <a:t>Batch system LSF on LOTUS   </a:t>
-            </a:r>
-            <a:endParaRPr b="1" dirty="0">
-              <a:latin typeface="Arial Rounded MT Bold" panose="020F0704030504030204" pitchFamily="34" charset="0"/>
-            </a:endParaRPr>
-          </a:p>
-          <a:p>
-            <a:pPr marL="0" marR="0" lvl="0" indent="0" algn="l" rtl="0">
-              <a:lnSpc>
-                <a:spcPct val="90000"/>
-              </a:lnSpc>
-              <a:spcBef>
-                <a:spcPts val="0"/>
-              </a:spcBef>
-              <a:spcAft>
-                <a:spcPts val="0"/>
-              </a:spcAft>
-              <a:buClr>
-                <a:srgbClr val="63666A"/>
-              </a:buClr>
-              <a:buSzPts val="2400"/>
-              <a:buFont typeface="Calibri"/>
-              <a:buNone/>
-            </a:pPr>
-            <a:r>
-              <a:rPr lang="en-GB" sz="2400" dirty="0"/>
-              <a:t> </a:t>
-            </a:r>
-            <a:endParaRPr sz="2400" b="0" i="0" u="none" strike="noStrike" cap="none" dirty="0">
-              <a:solidFill>
-                <a:srgbClr val="63666A"/>
-              </a:solidFill>
-              <a:latin typeface="Calibri"/>
-              <a:ea typeface="Calibri"/>
-              <a:cs typeface="Calibri"/>
-              <a:sym typeface="Calibri"/>
-            </a:endParaRPr>
-          </a:p>
-        </p:txBody>
-      </p:sp>
-      <p:sp>
-        <p:nvSpPr>
-          <p:cNvPr id="263" name="Google Shape;263;p38"/>
-          <p:cNvSpPr txBox="1">
-            <a:spLocks noGrp="1"/>
-          </p:cNvSpPr>
-          <p:nvPr>
-            <p:ph type="body" idx="1"/>
-          </p:nvPr>
-        </p:nvSpPr>
-        <p:spPr>
-          <a:prstGeom prst="rect">
-            <a:avLst/>
-          </a:prstGeom>
-          <a:noFill/>
-          <a:ln>
-            <a:noFill/>
-          </a:ln>
-        </p:spPr>
-        <p:txBody>
-          <a:bodyPr spcFirstLastPara="1" wrap="square" lIns="91425" tIns="45700" rIns="91425" bIns="45700" anchor="t" anchorCtr="0">
-            <a:noAutofit/>
-          </a:bodyPr>
-          <a:lstStyle/>
-          <a:p>
-            <a:pPr marL="0" lvl="0" indent="0" algn="l" rtl="0">
-              <a:spcBef>
-                <a:spcPts val="0"/>
-              </a:spcBef>
-              <a:spcAft>
-                <a:spcPts val="0"/>
-              </a:spcAft>
-              <a:buClr>
-                <a:srgbClr val="63666A"/>
-              </a:buClr>
-              <a:buSzPts val="2800"/>
-              <a:buFont typeface="Arial"/>
-              <a:buNone/>
-            </a:pPr>
-            <a:r>
-              <a:rPr lang="en-GB" sz="2800" dirty="0"/>
-              <a:t>Batch systems</a:t>
-            </a:r>
-            <a:endParaRPr sz="2800" dirty="0"/>
-          </a:p>
-          <a:p>
-            <a:pPr marL="457200" lvl="0" indent="-381000" algn="l" rtl="0">
-              <a:lnSpc>
-                <a:spcPct val="115000"/>
-              </a:lnSpc>
-              <a:spcBef>
-                <a:spcPts val="500"/>
-              </a:spcBef>
-              <a:spcAft>
-                <a:spcPts val="0"/>
-              </a:spcAft>
-              <a:buClr>
-                <a:srgbClr val="032044"/>
-              </a:buClr>
-              <a:buSzPts val="2400"/>
-              <a:buChar char="●"/>
-            </a:pPr>
-            <a:r>
-              <a:rPr lang="en-GB" sz="2800" b="1" dirty="0">
-                <a:solidFill>
-                  <a:srgbClr val="032044"/>
-                </a:solidFill>
-              </a:rPr>
-              <a:t>LSF L</a:t>
-            </a:r>
-            <a:r>
-              <a:rPr lang="en-GB" sz="2800" dirty="0">
-                <a:solidFill>
-                  <a:srgbClr val="032044"/>
-                </a:solidFill>
-              </a:rPr>
-              <a:t>oad</a:t>
-            </a:r>
-            <a:r>
-              <a:rPr lang="en-GB" sz="2800" b="1" dirty="0">
-                <a:solidFill>
-                  <a:srgbClr val="032044"/>
-                </a:solidFill>
-              </a:rPr>
-              <a:t> S</a:t>
-            </a:r>
-            <a:r>
-              <a:rPr lang="en-GB" sz="2800" dirty="0">
-                <a:solidFill>
-                  <a:srgbClr val="032044"/>
-                </a:solidFill>
-              </a:rPr>
-              <a:t>haring</a:t>
-            </a:r>
-            <a:r>
-              <a:rPr lang="en-GB" sz="2800" b="1" dirty="0">
-                <a:solidFill>
-                  <a:srgbClr val="032044"/>
-                </a:solidFill>
-              </a:rPr>
-              <a:t> F</a:t>
-            </a:r>
-            <a:r>
-              <a:rPr lang="en-GB" sz="2800" dirty="0">
-                <a:solidFill>
-                  <a:srgbClr val="032044"/>
-                </a:solidFill>
-              </a:rPr>
-              <a:t>acility</a:t>
-            </a:r>
-            <a:r>
-              <a:rPr lang="en-GB" sz="2800" b="1" dirty="0">
-                <a:solidFill>
-                  <a:srgbClr val="032044"/>
-                </a:solidFill>
-              </a:rPr>
-              <a:t> </a:t>
-            </a:r>
-            <a:r>
-              <a:rPr lang="en-GB" sz="2800" dirty="0">
-                <a:solidFill>
-                  <a:srgbClr val="032044"/>
-                </a:solidFill>
-              </a:rPr>
-              <a:t>-IBM</a:t>
-            </a:r>
-            <a:endParaRPr sz="2800" dirty="0">
-              <a:solidFill>
-                <a:srgbClr val="032044"/>
-              </a:solidFill>
-            </a:endParaRPr>
-          </a:p>
-          <a:p>
-            <a:pPr marL="457200" lvl="0" indent="-381000" algn="l" rtl="0">
-              <a:lnSpc>
-                <a:spcPct val="115000"/>
-              </a:lnSpc>
-              <a:spcBef>
-                <a:spcPts val="0"/>
-              </a:spcBef>
-              <a:spcAft>
-                <a:spcPts val="0"/>
-              </a:spcAft>
-              <a:buClr>
-                <a:srgbClr val="032044"/>
-              </a:buClr>
-              <a:buSzPts val="2400"/>
-              <a:buChar char="●"/>
-            </a:pPr>
-            <a:r>
-              <a:rPr lang="en-GB" sz="2800" dirty="0">
-                <a:solidFill>
-                  <a:srgbClr val="032044"/>
-                </a:solidFill>
-              </a:rPr>
-              <a:t>PBS (on Archer)</a:t>
-            </a:r>
-            <a:endParaRPr sz="2800" dirty="0">
-              <a:solidFill>
-                <a:srgbClr val="032044"/>
-              </a:solidFill>
-            </a:endParaRPr>
-          </a:p>
-          <a:p>
-            <a:pPr marL="457200" lvl="0" indent="-381000" algn="l" rtl="0">
-              <a:lnSpc>
-                <a:spcPct val="115000"/>
-              </a:lnSpc>
-              <a:spcBef>
-                <a:spcPts val="0"/>
-              </a:spcBef>
-              <a:spcAft>
-                <a:spcPts val="0"/>
-              </a:spcAft>
-              <a:buClr>
-                <a:srgbClr val="032044"/>
-              </a:buClr>
-              <a:buSzPts val="2400"/>
-              <a:buChar char="●"/>
-            </a:pPr>
-            <a:r>
-              <a:rPr lang="en-GB" sz="2800" dirty="0" err="1">
-                <a:solidFill>
-                  <a:srgbClr val="032044"/>
-                </a:solidFill>
-              </a:rPr>
-              <a:t>Slurm</a:t>
-            </a:r>
-            <a:endParaRPr sz="2800" dirty="0"/>
-          </a:p>
-          <a:p>
-            <a:pPr marL="0" lvl="0" indent="0" algn="l" rtl="0">
-              <a:spcBef>
-                <a:spcPts val="0"/>
-              </a:spcBef>
-              <a:spcAft>
-                <a:spcPts val="0"/>
-              </a:spcAft>
-              <a:buClr>
-                <a:srgbClr val="63666A"/>
-              </a:buClr>
-              <a:buSzPts val="2800"/>
-              <a:buFont typeface="Arial"/>
-              <a:buNone/>
-            </a:pPr>
-            <a:endParaRPr sz="2800" dirty="0"/>
-          </a:p>
-          <a:p>
-            <a:pPr marL="0" lvl="0" indent="0" algn="l" rtl="0">
-              <a:spcBef>
-                <a:spcPts val="0"/>
-              </a:spcBef>
-              <a:spcAft>
-                <a:spcPts val="0"/>
-              </a:spcAft>
-              <a:buClr>
-                <a:srgbClr val="63666A"/>
-              </a:buClr>
-              <a:buSzPts val="2800"/>
-              <a:buFont typeface="Arial"/>
-              <a:buNone/>
-            </a:pPr>
-            <a:r>
-              <a:rPr lang="en-GB" sz="2800" dirty="0"/>
-              <a:t>Batch system concepts</a:t>
-            </a:r>
-            <a:endParaRPr sz="2800" dirty="0"/>
-          </a:p>
-          <a:p>
-            <a:pPr marL="457200" lvl="0" indent="-381000" algn="l" rtl="0">
-              <a:lnSpc>
-                <a:spcPct val="115000"/>
-              </a:lnSpc>
-              <a:spcBef>
-                <a:spcPts val="500"/>
-              </a:spcBef>
-              <a:spcAft>
-                <a:spcPts val="0"/>
-              </a:spcAft>
-              <a:buClr>
-                <a:srgbClr val="032044"/>
-              </a:buClr>
-              <a:buSzPts val="2400"/>
-              <a:buChar char="●"/>
-            </a:pPr>
-            <a:r>
-              <a:rPr lang="en-GB" sz="2800" dirty="0">
-                <a:solidFill>
-                  <a:srgbClr val="032044"/>
-                </a:solidFill>
-              </a:rPr>
-              <a:t>Job </a:t>
-            </a:r>
-            <a:endParaRPr sz="2800" dirty="0">
-              <a:solidFill>
-                <a:srgbClr val="032044"/>
-              </a:solidFill>
-            </a:endParaRPr>
-          </a:p>
-          <a:p>
-            <a:pPr marL="457200" lvl="0" indent="-381000" algn="l" rtl="0">
-              <a:lnSpc>
-                <a:spcPct val="115000"/>
-              </a:lnSpc>
-              <a:spcBef>
-                <a:spcPts val="0"/>
-              </a:spcBef>
-              <a:spcAft>
-                <a:spcPts val="0"/>
-              </a:spcAft>
-              <a:buClr>
-                <a:srgbClr val="032044"/>
-              </a:buClr>
-              <a:buSzPts val="2400"/>
-              <a:buChar char="●"/>
-            </a:pPr>
-            <a:r>
-              <a:rPr lang="en-GB" sz="2800" dirty="0">
-                <a:solidFill>
-                  <a:srgbClr val="032044"/>
-                </a:solidFill>
-              </a:rPr>
-              <a:t>Queue </a:t>
-            </a:r>
-            <a:endParaRPr sz="2800" dirty="0">
-              <a:solidFill>
-                <a:srgbClr val="032044"/>
-              </a:solidFill>
-            </a:endParaRPr>
-          </a:p>
-          <a:p>
-            <a:pPr marL="457200" lvl="0" indent="-381000" algn="l" rtl="0">
-              <a:lnSpc>
-                <a:spcPct val="115000"/>
-              </a:lnSpc>
-              <a:spcBef>
-                <a:spcPts val="0"/>
-              </a:spcBef>
-              <a:spcAft>
-                <a:spcPts val="0"/>
-              </a:spcAft>
-              <a:buClr>
-                <a:srgbClr val="032044"/>
-              </a:buClr>
-              <a:buSzPts val="2400"/>
-              <a:buChar char="●"/>
-            </a:pPr>
-            <a:r>
-              <a:rPr lang="en-GB" sz="2800" dirty="0">
-                <a:solidFill>
-                  <a:srgbClr val="032044"/>
-                </a:solidFill>
-              </a:rPr>
-              <a:t>Priority </a:t>
-            </a:r>
-            <a:endParaRPr sz="2800" dirty="0">
-              <a:solidFill>
-                <a:srgbClr val="032044"/>
-              </a:solidFill>
-            </a:endParaRPr>
-          </a:p>
-          <a:p>
-            <a:pPr marL="457200" lvl="0" indent="0" algn="l" rtl="0">
-              <a:lnSpc>
-                <a:spcPct val="115000"/>
-              </a:lnSpc>
-              <a:spcBef>
-                <a:spcPts val="500"/>
-              </a:spcBef>
-              <a:spcAft>
-                <a:spcPts val="0"/>
-              </a:spcAft>
-              <a:buNone/>
-            </a:pPr>
-            <a:endParaRPr sz="2400" dirty="0"/>
-          </a:p>
-        </p:txBody>
-      </p:sp>
-    </p:spTree>
-  </p:cSld>
-  <p:clrMapOvr>
-    <a:masterClrMapping/>
-  </p:clrMapOvr>
-  <mc:AlternateContent xmlns:mc="http://schemas.openxmlformats.org/markup-compatibility/2006" xmlns:p14="http://schemas.microsoft.com/office/powerpoint/2010/main">
-    <mc:Choice Requires="p14">
-      <p:transition spd="slow" p14:dur="2000"/>
-    </mc:Choice>
-    <mc:Fallback xmlns="">
-      <p:transition spd="slow"/>
-    </mc:Fallback>
-  </mc:AlternateContent>
-  <p:timing>
-    <p:tnLst>
-      <p:par>
-        <p:cTn id="1" dur="indefinite" restart="never" nodeType="tmRoot"/>
-      </p:par>
-    </p:tnLst>
-  </p:timing>
-</p:sld>
-</file>
-
-<file path=ppt/slides/slide23.xml><?xml version="1.0" encoding="utf-8"?>
 <p:sld xmlns:a="http://schemas.openxmlformats.org/drawingml/2006/main" xmlns:r="http://schemas.openxmlformats.org/officeDocument/2006/relationships" xmlns:p="http://schemas.openxmlformats.org/presentationml/2006/main">
   <p:cSld>
     <p:spTree>
@@ -20685,7 +21378,7 @@
 </p:sld>
 </file>
 
-<file path=ppt/slides/slide24.xml><?xml version="1.0" encoding="utf-8"?>
+<file path=ppt/slides/slide23.xml><?xml version="1.0" encoding="utf-8"?>
 <p:sld xmlns:a="http://schemas.openxmlformats.org/drawingml/2006/main" xmlns:r="http://schemas.openxmlformats.org/officeDocument/2006/relationships" xmlns:p="http://schemas.openxmlformats.org/presentationml/2006/main">
   <p:cSld>
     <p:spTree>
@@ -21658,7 +22351,7 @@
 </p:sld>
 </file>
 
-<file path=ppt/slides/slide25.xml><?xml version="1.0" encoding="utf-8"?>
+<file path=ppt/slides/slide24.xml><?xml version="1.0" encoding="utf-8"?>
 <p:sld xmlns:a="http://schemas.openxmlformats.org/drawingml/2006/main" xmlns:r="http://schemas.openxmlformats.org/officeDocument/2006/relationships" xmlns:p="http://schemas.openxmlformats.org/presentationml/2006/main">
   <p:cSld>
     <p:spTree>
@@ -22288,7 +22981,7 @@
 </p:sld>
 </file>
 
-<file path=ppt/slides/slide26.xml><?xml version="1.0" encoding="utf-8"?>
+<file path=ppt/slides/slide25.xml><?xml version="1.0" encoding="utf-8"?>
 <p:sld xmlns:a="http://schemas.openxmlformats.org/drawingml/2006/main" xmlns:r="http://schemas.openxmlformats.org/officeDocument/2006/relationships" xmlns:p="http://schemas.openxmlformats.org/presentationml/2006/main">
   <p:cSld>
     <p:spTree>
@@ -22735,7 +23428,7 @@
 </p:sld>
 </file>
 
-<file path=ppt/slides/slide27.xml><?xml version="1.0" encoding="utf-8"?>
+<file path=ppt/slides/slide26.xml><?xml version="1.0" encoding="utf-8"?>
 <p:sld xmlns:a="http://schemas.openxmlformats.org/drawingml/2006/main" xmlns:r="http://schemas.openxmlformats.org/officeDocument/2006/relationships" xmlns:p="http://schemas.openxmlformats.org/presentationml/2006/main">
   <p:cSld>
     <p:spTree>
@@ -23811,7 +24504,7 @@
 </p:sld>
 </file>
 
-<file path=ppt/slides/slide28.xml><?xml version="1.0" encoding="utf-8"?>
+<file path=ppt/slides/slide27.xml><?xml version="1.0" encoding="utf-8"?>
 <p:sld xmlns:a="http://schemas.openxmlformats.org/drawingml/2006/main" xmlns:r="http://schemas.openxmlformats.org/officeDocument/2006/relationships" xmlns:p="http://schemas.openxmlformats.org/presentationml/2006/main">
   <p:cSld>
     <p:spTree>
@@ -24128,7 +24821,7 @@
 </p:sld>
 </file>
 
-<file path=ppt/slides/slide29.xml><?xml version="1.0" encoding="utf-8"?>
+<file path=ppt/slides/slide28.xml><?xml version="1.0" encoding="utf-8"?>
 <p:sld xmlns:a="http://schemas.openxmlformats.org/drawingml/2006/main" xmlns:r="http://schemas.openxmlformats.org/officeDocument/2006/relationships" xmlns:p="http://schemas.openxmlformats.org/presentationml/2006/main">
   <p:cSld>
     <p:spTree>
@@ -24975,367 +25668,7 @@
 </p:sld>
 </file>
 
-<file path=ppt/slides/slide3.xml><?xml version="1.0" encoding="utf-8"?>
-<p:sld xmlns:a="http://schemas.openxmlformats.org/drawingml/2006/main" xmlns:r="http://schemas.openxmlformats.org/officeDocument/2006/relationships" xmlns:p="http://schemas.openxmlformats.org/presentationml/2006/main">
-  <p:cSld>
-    <p:spTree>
-      <p:nvGrpSpPr>
-        <p:cNvPr id="1" name="Shape 129"/>
-        <p:cNvGrpSpPr/>
-        <p:nvPr/>
-      </p:nvGrpSpPr>
-      <p:grpSpPr>
-        <a:xfrm>
-          <a:off x="0" y="0"/>
-          <a:ext cx="0" cy="0"/>
-          <a:chOff x="0" y="0"/>
-          <a:chExt cx="0" cy="0"/>
-        </a:xfrm>
-      </p:grpSpPr>
-      <p:sp>
-        <p:nvSpPr>
-          <p:cNvPr id="130" name="Google Shape;130;p24"/>
-          <p:cNvSpPr txBox="1">
-            <a:spLocks noGrp="1"/>
-          </p:cNvSpPr>
-          <p:nvPr>
-            <p:ph type="title"/>
-          </p:nvPr>
-        </p:nvSpPr>
-        <p:spPr>
-          <a:xfrm>
-            <a:off x="457200" y="274638"/>
-            <a:ext cx="8229600" cy="562074"/>
-          </a:xfrm>
-          <a:prstGeom prst="rect">
-            <a:avLst/>
-          </a:prstGeom>
-          <a:noFill/>
-          <a:ln>
-            <a:noFill/>
-          </a:ln>
-        </p:spPr>
-        <p:txBody>
-          <a:bodyPr spcFirstLastPara="1" wrap="square" lIns="91425" tIns="45700" rIns="91425" bIns="45700" anchor="ctr" anchorCtr="0">
-            <a:noAutofit/>
-          </a:bodyPr>
-          <a:lstStyle/>
-          <a:p>
-            <a:pPr marL="0" lvl="0" indent="0" algn="ctr" rtl="0">
-              <a:lnSpc>
-                <a:spcPct val="90000"/>
-              </a:lnSpc>
-              <a:spcBef>
-                <a:spcPts val="0"/>
-              </a:spcBef>
-              <a:spcAft>
-                <a:spcPts val="0"/>
-              </a:spcAft>
-              <a:buClr>
-                <a:schemeClr val="dk1"/>
-              </a:buClr>
-              <a:buSzPts val="3200"/>
-              <a:buFont typeface="Nunito"/>
-              <a:buNone/>
-            </a:pPr>
-            <a:r>
-              <a:rPr lang="en-GB" sz="3200" b="1" dirty="0">
-                <a:latin typeface="Arial Rounded MT Bold" panose="020F0704030504030204" pitchFamily="34" charset="0"/>
-                <a:ea typeface="Nunito"/>
-                <a:cs typeface="Nunito"/>
-                <a:sym typeface="Nunito"/>
-              </a:rPr>
-              <a:t>Processing big data: the issues</a:t>
-            </a:r>
-            <a:endParaRPr dirty="0">
-              <a:latin typeface="Arial Rounded MT Bold" panose="020F0704030504030204" pitchFamily="34" charset="0"/>
-            </a:endParaRPr>
-          </a:p>
-        </p:txBody>
-      </p:sp>
-      <p:sp>
-        <p:nvSpPr>
-          <p:cNvPr id="131" name="Google Shape;131;p24"/>
-          <p:cNvSpPr txBox="1">
-            <a:spLocks noGrp="1"/>
-          </p:cNvSpPr>
-          <p:nvPr>
-            <p:ph type="body" idx="1"/>
-          </p:nvPr>
-        </p:nvSpPr>
-        <p:spPr>
-          <a:xfrm>
-            <a:off x="457200" y="980728"/>
-            <a:ext cx="8229600" cy="4824536"/>
-          </a:xfrm>
-          <a:prstGeom prst="rect">
-            <a:avLst/>
-          </a:prstGeom>
-          <a:noFill/>
-          <a:ln>
-            <a:noFill/>
-          </a:ln>
-        </p:spPr>
-        <p:txBody>
-          <a:bodyPr spcFirstLastPara="1" wrap="square" lIns="91425" tIns="45700" rIns="91425" bIns="45700" anchor="t" anchorCtr="0">
-            <a:noAutofit/>
-          </a:bodyPr>
-          <a:lstStyle/>
-          <a:p>
-            <a:pPr marL="228600" lvl="0" indent="-228600" algn="l" rtl="0">
-              <a:lnSpc>
-                <a:spcPct val="80000"/>
-              </a:lnSpc>
-              <a:spcBef>
-                <a:spcPts val="0"/>
-              </a:spcBef>
-              <a:spcAft>
-                <a:spcPts val="0"/>
-              </a:spcAft>
-              <a:buClr>
-                <a:srgbClr val="000000"/>
-              </a:buClr>
-              <a:buSzPts val="2800"/>
-              <a:buChar char="•"/>
-            </a:pPr>
-            <a:r>
-              <a:rPr lang="en-GB" sz="2800" dirty="0">
-                <a:solidFill>
-                  <a:srgbClr val="000000"/>
-                </a:solidFill>
-              </a:rPr>
-              <a:t>Parallel processing in the Environmental Sciences has historically focussed on running highly-parallelised models.</a:t>
-            </a:r>
-            <a:endParaRPr dirty="0"/>
-          </a:p>
-          <a:p>
-            <a:pPr marL="228600" lvl="0" indent="-228600" algn="l" rtl="0">
-              <a:lnSpc>
-                <a:spcPct val="80000"/>
-              </a:lnSpc>
-              <a:spcBef>
-                <a:spcPts val="1000"/>
-              </a:spcBef>
-              <a:spcAft>
-                <a:spcPts val="0"/>
-              </a:spcAft>
-              <a:buClr>
-                <a:srgbClr val="000000"/>
-              </a:buClr>
-              <a:buSzPts val="2800"/>
-              <a:buChar char="•"/>
-            </a:pPr>
-            <a:r>
-              <a:rPr lang="en-GB" sz="2800" dirty="0">
-                <a:solidFill>
-                  <a:srgbClr val="000000"/>
-                </a:solidFill>
-              </a:rPr>
-              <a:t>Data analysis was typically run sequentially because:</a:t>
-            </a:r>
-            <a:endParaRPr dirty="0"/>
-          </a:p>
-          <a:p>
-            <a:pPr marL="800100" lvl="1" algn="l" rtl="0">
-              <a:lnSpc>
-                <a:spcPct val="80000"/>
-              </a:lnSpc>
-              <a:spcBef>
-                <a:spcPts val="500"/>
-              </a:spcBef>
-              <a:spcAft>
-                <a:spcPts val="0"/>
-              </a:spcAft>
-              <a:buClr>
-                <a:srgbClr val="000000"/>
-              </a:buClr>
-              <a:buSzPts val="2400"/>
-              <a:buFont typeface="Calibri" panose="020F0502020204030204" pitchFamily="34" charset="0"/>
-              <a:buChar char="̶"/>
-            </a:pPr>
-            <a:r>
-              <a:rPr lang="en-GB" sz="2400" dirty="0">
-                <a:solidFill>
-                  <a:srgbClr val="000000"/>
-                </a:solidFill>
-              </a:rPr>
-              <a:t>It was a smaller problem</a:t>
-            </a:r>
-            <a:endParaRPr dirty="0"/>
-          </a:p>
-          <a:p>
-            <a:pPr marL="800100" lvl="1" algn="l" rtl="0">
-              <a:lnSpc>
-                <a:spcPct val="80000"/>
-              </a:lnSpc>
-              <a:spcBef>
-                <a:spcPts val="500"/>
-              </a:spcBef>
-              <a:spcAft>
-                <a:spcPts val="0"/>
-              </a:spcAft>
-              <a:buClr>
-                <a:srgbClr val="000000"/>
-              </a:buClr>
-              <a:buSzPts val="2400"/>
-              <a:buFont typeface="Calibri" panose="020F0502020204030204" pitchFamily="34" charset="0"/>
-              <a:buChar char="̶"/>
-            </a:pPr>
-            <a:r>
-              <a:rPr lang="en-GB" sz="2400" dirty="0">
-                <a:solidFill>
-                  <a:srgbClr val="000000"/>
-                </a:solidFill>
-              </a:rPr>
-              <a:t>It didn’t have parallel resources available</a:t>
-            </a:r>
-            <a:endParaRPr dirty="0"/>
-          </a:p>
-          <a:p>
-            <a:pPr marL="800100" lvl="1" algn="l" rtl="0">
-              <a:lnSpc>
-                <a:spcPct val="80000"/>
-              </a:lnSpc>
-              <a:spcBef>
-                <a:spcPts val="500"/>
-              </a:spcBef>
-              <a:spcAft>
-                <a:spcPts val="0"/>
-              </a:spcAft>
-              <a:buClr>
-                <a:srgbClr val="000000"/>
-              </a:buClr>
-              <a:buSzPts val="2400"/>
-              <a:buFont typeface="Calibri" panose="020F0502020204030204" pitchFamily="34" charset="0"/>
-              <a:buChar char="̶"/>
-            </a:pPr>
-            <a:r>
-              <a:rPr lang="en-GB" sz="2400" dirty="0">
-                <a:solidFill>
-                  <a:srgbClr val="000000"/>
-                </a:solidFill>
-              </a:rPr>
-              <a:t>The software/scientists were not equipped to work in parallel</a:t>
-            </a:r>
-            <a:endParaRPr dirty="0"/>
-          </a:p>
-          <a:p>
-            <a:pPr marL="228600" lvl="0" indent="-228600" algn="l" rtl="0">
-              <a:lnSpc>
-                <a:spcPct val="80000"/>
-              </a:lnSpc>
-              <a:spcBef>
-                <a:spcPts val="1000"/>
-              </a:spcBef>
-              <a:spcAft>
-                <a:spcPts val="0"/>
-              </a:spcAft>
-              <a:buClr>
-                <a:srgbClr val="000000"/>
-              </a:buClr>
-              <a:buSzPts val="2800"/>
-              <a:buChar char="•"/>
-            </a:pPr>
-            <a:r>
-              <a:rPr lang="en-GB" sz="2800" dirty="0">
-                <a:solidFill>
-                  <a:srgbClr val="000000"/>
-                </a:solidFill>
-              </a:rPr>
-              <a:t>The generation of enormous datasets (e.g. UPSCALE – around 300Tb) means that:</a:t>
-            </a:r>
-            <a:endParaRPr dirty="0"/>
-          </a:p>
-          <a:p>
-            <a:pPr marL="800100" lvl="1" algn="l" rtl="0">
-              <a:lnSpc>
-                <a:spcPct val="80000"/>
-              </a:lnSpc>
-              <a:spcBef>
-                <a:spcPts val="500"/>
-              </a:spcBef>
-              <a:spcAft>
-                <a:spcPts val="0"/>
-              </a:spcAft>
-              <a:buClr>
-                <a:srgbClr val="000000"/>
-              </a:buClr>
-              <a:buSzPts val="2400"/>
-              <a:buFont typeface="Calibri" panose="020F0502020204030204" pitchFamily="34" charset="0"/>
-              <a:buChar char="̶"/>
-            </a:pPr>
-            <a:r>
-              <a:rPr lang="en-GB" sz="2400" dirty="0">
-                <a:solidFill>
-                  <a:srgbClr val="000000"/>
-                </a:solidFill>
-              </a:rPr>
-              <a:t>Processing big data </a:t>
-            </a:r>
-            <a:r>
-              <a:rPr lang="en-GB" sz="2400" b="1" dirty="0">
-                <a:solidFill>
-                  <a:srgbClr val="000000"/>
-                </a:solidFill>
-              </a:rPr>
-              <a:t>requires</a:t>
-            </a:r>
-            <a:r>
-              <a:rPr lang="en-GB" sz="2400" dirty="0">
-                <a:solidFill>
-                  <a:srgbClr val="000000"/>
-                </a:solidFill>
-              </a:rPr>
-              <a:t> a parallel approach</a:t>
-            </a:r>
-            <a:endParaRPr dirty="0"/>
-          </a:p>
-          <a:p>
-            <a:pPr marL="800100" lvl="1" algn="l" rtl="0">
-              <a:lnSpc>
-                <a:spcPct val="80000"/>
-              </a:lnSpc>
-              <a:spcBef>
-                <a:spcPts val="500"/>
-              </a:spcBef>
-              <a:spcAft>
-                <a:spcPts val="0"/>
-              </a:spcAft>
-              <a:buClr>
-                <a:srgbClr val="000000"/>
-              </a:buClr>
-              <a:buSzPts val="2400"/>
-              <a:buFont typeface="Calibri" panose="020F0502020204030204" pitchFamily="34" charset="0"/>
-              <a:buChar char="̶"/>
-            </a:pPr>
-            <a:r>
-              <a:rPr lang="en-GB" sz="2400" dirty="0">
-                <a:solidFill>
-                  <a:srgbClr val="000000"/>
-                </a:solidFill>
-              </a:rPr>
-              <a:t>Fortunately, platforms, tools, and programmers are becoming better equipped</a:t>
-            </a:r>
-            <a:endParaRPr sz="2400" dirty="0"/>
-          </a:p>
-        </p:txBody>
-      </p:sp>
-    </p:spTree>
-  </p:cSld>
-  <p:clrMapOvr>
-    <a:masterClrMapping/>
-  </p:clrMapOvr>
-  <p:timing>
-    <p:tnLst>
-      <p:par>
-        <p:cTn id="1" dur="indefinite" restart="never" nodeType="tmRoot"/>
-      </p:par>
-    </p:tnLst>
-  </p:timing>
-</p:sld>
-</file>
-
-<file path=ppt/slides/slide30.xml><?xml version="1.0" encoding="utf-8"?>
+<file path=ppt/slides/slide29.xml><?xml version="1.0" encoding="utf-8"?>
 <p:sld xmlns:a="http://schemas.openxmlformats.org/drawingml/2006/main" xmlns:r="http://schemas.openxmlformats.org/officeDocument/2006/relationships" xmlns:p="http://schemas.openxmlformats.org/presentationml/2006/main">
   <p:cSld>
     <p:spTree>
@@ -26332,7 +26665,367 @@
 </p:sld>
 </file>
 
-<file path=ppt/slides/slide31.xml><?xml version="1.0" encoding="utf-8"?>
+<file path=ppt/slides/slide3.xml><?xml version="1.0" encoding="utf-8"?>
+<p:sld xmlns:a="http://schemas.openxmlformats.org/drawingml/2006/main" xmlns:r="http://schemas.openxmlformats.org/officeDocument/2006/relationships" xmlns:p="http://schemas.openxmlformats.org/presentationml/2006/main">
+  <p:cSld>
+    <p:spTree>
+      <p:nvGrpSpPr>
+        <p:cNvPr id="1" name="Shape 129"/>
+        <p:cNvGrpSpPr/>
+        <p:nvPr/>
+      </p:nvGrpSpPr>
+      <p:grpSpPr>
+        <a:xfrm>
+          <a:off x="0" y="0"/>
+          <a:ext cx="0" cy="0"/>
+          <a:chOff x="0" y="0"/>
+          <a:chExt cx="0" cy="0"/>
+        </a:xfrm>
+      </p:grpSpPr>
+      <p:sp>
+        <p:nvSpPr>
+          <p:cNvPr id="130" name="Google Shape;130;p24"/>
+          <p:cNvSpPr txBox="1">
+            <a:spLocks noGrp="1"/>
+          </p:cNvSpPr>
+          <p:nvPr>
+            <p:ph type="title"/>
+          </p:nvPr>
+        </p:nvSpPr>
+        <p:spPr>
+          <a:xfrm>
+            <a:off x="457200" y="274638"/>
+            <a:ext cx="8229600" cy="562074"/>
+          </a:xfrm>
+          <a:prstGeom prst="rect">
+            <a:avLst/>
+          </a:prstGeom>
+          <a:noFill/>
+          <a:ln>
+            <a:noFill/>
+          </a:ln>
+        </p:spPr>
+        <p:txBody>
+          <a:bodyPr spcFirstLastPara="1" wrap="square" lIns="91425" tIns="45700" rIns="91425" bIns="45700" anchor="ctr" anchorCtr="0">
+            <a:noAutofit/>
+          </a:bodyPr>
+          <a:lstStyle/>
+          <a:p>
+            <a:pPr marL="0" lvl="0" indent="0" algn="ctr" rtl="0">
+              <a:lnSpc>
+                <a:spcPct val="90000"/>
+              </a:lnSpc>
+              <a:spcBef>
+                <a:spcPts val="0"/>
+              </a:spcBef>
+              <a:spcAft>
+                <a:spcPts val="0"/>
+              </a:spcAft>
+              <a:buClr>
+                <a:schemeClr val="dk1"/>
+              </a:buClr>
+              <a:buSzPts val="3200"/>
+              <a:buFont typeface="Nunito"/>
+              <a:buNone/>
+            </a:pPr>
+            <a:r>
+              <a:rPr lang="en-GB" sz="3200" b="1" dirty="0">
+                <a:latin typeface="Arial Rounded MT Bold" panose="020F0704030504030204" pitchFamily="34" charset="0"/>
+                <a:ea typeface="Nunito"/>
+                <a:cs typeface="Nunito"/>
+                <a:sym typeface="Nunito"/>
+              </a:rPr>
+              <a:t>Processing big data: the issues</a:t>
+            </a:r>
+            <a:endParaRPr dirty="0">
+              <a:latin typeface="Arial Rounded MT Bold" panose="020F0704030504030204" pitchFamily="34" charset="0"/>
+            </a:endParaRPr>
+          </a:p>
+        </p:txBody>
+      </p:sp>
+      <p:sp>
+        <p:nvSpPr>
+          <p:cNvPr id="131" name="Google Shape;131;p24"/>
+          <p:cNvSpPr txBox="1">
+            <a:spLocks noGrp="1"/>
+          </p:cNvSpPr>
+          <p:nvPr>
+            <p:ph type="body" idx="1"/>
+          </p:nvPr>
+        </p:nvSpPr>
+        <p:spPr>
+          <a:xfrm>
+            <a:off x="457200" y="980728"/>
+            <a:ext cx="8229600" cy="4824536"/>
+          </a:xfrm>
+          <a:prstGeom prst="rect">
+            <a:avLst/>
+          </a:prstGeom>
+          <a:noFill/>
+          <a:ln>
+            <a:noFill/>
+          </a:ln>
+        </p:spPr>
+        <p:txBody>
+          <a:bodyPr spcFirstLastPara="1" wrap="square" lIns="91425" tIns="45700" rIns="91425" bIns="45700" anchor="t" anchorCtr="0">
+            <a:noAutofit/>
+          </a:bodyPr>
+          <a:lstStyle/>
+          <a:p>
+            <a:pPr marL="228600" lvl="0" indent="-228600" algn="l" rtl="0">
+              <a:lnSpc>
+                <a:spcPct val="80000"/>
+              </a:lnSpc>
+              <a:spcBef>
+                <a:spcPts val="0"/>
+              </a:spcBef>
+              <a:spcAft>
+                <a:spcPts val="0"/>
+              </a:spcAft>
+              <a:buClr>
+                <a:srgbClr val="000000"/>
+              </a:buClr>
+              <a:buSzPts val="2800"/>
+              <a:buChar char="•"/>
+            </a:pPr>
+            <a:r>
+              <a:rPr lang="en-GB" sz="2800" dirty="0">
+                <a:solidFill>
+                  <a:srgbClr val="000000"/>
+                </a:solidFill>
+              </a:rPr>
+              <a:t>Parallel processing in the Environmental Sciences has historically focussed on running highly-parallelised models.</a:t>
+            </a:r>
+            <a:endParaRPr dirty="0"/>
+          </a:p>
+          <a:p>
+            <a:pPr marL="228600" lvl="0" indent="-228600" algn="l" rtl="0">
+              <a:lnSpc>
+                <a:spcPct val="80000"/>
+              </a:lnSpc>
+              <a:spcBef>
+                <a:spcPts val="1000"/>
+              </a:spcBef>
+              <a:spcAft>
+                <a:spcPts val="0"/>
+              </a:spcAft>
+              <a:buClr>
+                <a:srgbClr val="000000"/>
+              </a:buClr>
+              <a:buSzPts val="2800"/>
+              <a:buChar char="•"/>
+            </a:pPr>
+            <a:r>
+              <a:rPr lang="en-GB" sz="2800" dirty="0">
+                <a:solidFill>
+                  <a:srgbClr val="000000"/>
+                </a:solidFill>
+              </a:rPr>
+              <a:t>Data analysis was typically run sequentially because:</a:t>
+            </a:r>
+            <a:endParaRPr dirty="0"/>
+          </a:p>
+          <a:p>
+            <a:pPr marL="800100" lvl="1" algn="l" rtl="0">
+              <a:lnSpc>
+                <a:spcPct val="80000"/>
+              </a:lnSpc>
+              <a:spcBef>
+                <a:spcPts val="500"/>
+              </a:spcBef>
+              <a:spcAft>
+                <a:spcPts val="0"/>
+              </a:spcAft>
+              <a:buClr>
+                <a:srgbClr val="000000"/>
+              </a:buClr>
+              <a:buSzPts val="2400"/>
+              <a:buFont typeface="Calibri" panose="020F0502020204030204" pitchFamily="34" charset="0"/>
+              <a:buChar char="̶"/>
+            </a:pPr>
+            <a:r>
+              <a:rPr lang="en-GB" sz="2400" dirty="0">
+                <a:solidFill>
+                  <a:srgbClr val="000000"/>
+                </a:solidFill>
+              </a:rPr>
+              <a:t>It was a smaller problem</a:t>
+            </a:r>
+            <a:endParaRPr dirty="0"/>
+          </a:p>
+          <a:p>
+            <a:pPr marL="800100" lvl="1" algn="l" rtl="0">
+              <a:lnSpc>
+                <a:spcPct val="80000"/>
+              </a:lnSpc>
+              <a:spcBef>
+                <a:spcPts val="500"/>
+              </a:spcBef>
+              <a:spcAft>
+                <a:spcPts val="0"/>
+              </a:spcAft>
+              <a:buClr>
+                <a:srgbClr val="000000"/>
+              </a:buClr>
+              <a:buSzPts val="2400"/>
+              <a:buFont typeface="Calibri" panose="020F0502020204030204" pitchFamily="34" charset="0"/>
+              <a:buChar char="̶"/>
+            </a:pPr>
+            <a:r>
+              <a:rPr lang="en-GB" sz="2400" dirty="0">
+                <a:solidFill>
+                  <a:srgbClr val="000000"/>
+                </a:solidFill>
+              </a:rPr>
+              <a:t>It didn’t have parallel resources available</a:t>
+            </a:r>
+            <a:endParaRPr dirty="0"/>
+          </a:p>
+          <a:p>
+            <a:pPr marL="800100" lvl="1" algn="l" rtl="0">
+              <a:lnSpc>
+                <a:spcPct val="80000"/>
+              </a:lnSpc>
+              <a:spcBef>
+                <a:spcPts val="500"/>
+              </a:spcBef>
+              <a:spcAft>
+                <a:spcPts val="0"/>
+              </a:spcAft>
+              <a:buClr>
+                <a:srgbClr val="000000"/>
+              </a:buClr>
+              <a:buSzPts val="2400"/>
+              <a:buFont typeface="Calibri" panose="020F0502020204030204" pitchFamily="34" charset="0"/>
+              <a:buChar char="̶"/>
+            </a:pPr>
+            <a:r>
+              <a:rPr lang="en-GB" sz="2400" dirty="0">
+                <a:solidFill>
+                  <a:srgbClr val="000000"/>
+                </a:solidFill>
+              </a:rPr>
+              <a:t>The software/scientists were not equipped to work in parallel</a:t>
+            </a:r>
+            <a:endParaRPr dirty="0"/>
+          </a:p>
+          <a:p>
+            <a:pPr marL="228600" lvl="0" indent="-228600" algn="l" rtl="0">
+              <a:lnSpc>
+                <a:spcPct val="80000"/>
+              </a:lnSpc>
+              <a:spcBef>
+                <a:spcPts val="1000"/>
+              </a:spcBef>
+              <a:spcAft>
+                <a:spcPts val="0"/>
+              </a:spcAft>
+              <a:buClr>
+                <a:srgbClr val="000000"/>
+              </a:buClr>
+              <a:buSzPts val="2800"/>
+              <a:buChar char="•"/>
+            </a:pPr>
+            <a:r>
+              <a:rPr lang="en-GB" sz="2800" dirty="0">
+                <a:solidFill>
+                  <a:srgbClr val="000000"/>
+                </a:solidFill>
+              </a:rPr>
+              <a:t>The generation of enormous datasets (e.g. UPSCALE – around 300Tb) means that:</a:t>
+            </a:r>
+            <a:endParaRPr dirty="0"/>
+          </a:p>
+          <a:p>
+            <a:pPr marL="800100" lvl="1" algn="l" rtl="0">
+              <a:lnSpc>
+                <a:spcPct val="80000"/>
+              </a:lnSpc>
+              <a:spcBef>
+                <a:spcPts val="500"/>
+              </a:spcBef>
+              <a:spcAft>
+                <a:spcPts val="0"/>
+              </a:spcAft>
+              <a:buClr>
+                <a:srgbClr val="000000"/>
+              </a:buClr>
+              <a:buSzPts val="2400"/>
+              <a:buFont typeface="Calibri" panose="020F0502020204030204" pitchFamily="34" charset="0"/>
+              <a:buChar char="̶"/>
+            </a:pPr>
+            <a:r>
+              <a:rPr lang="en-GB" sz="2400" dirty="0">
+                <a:solidFill>
+                  <a:srgbClr val="000000"/>
+                </a:solidFill>
+              </a:rPr>
+              <a:t>Processing big data </a:t>
+            </a:r>
+            <a:r>
+              <a:rPr lang="en-GB" sz="2400" b="1" dirty="0">
+                <a:solidFill>
+                  <a:srgbClr val="000000"/>
+                </a:solidFill>
+              </a:rPr>
+              <a:t>requires</a:t>
+            </a:r>
+            <a:r>
+              <a:rPr lang="en-GB" sz="2400" dirty="0">
+                <a:solidFill>
+                  <a:srgbClr val="000000"/>
+                </a:solidFill>
+              </a:rPr>
+              <a:t> a parallel approach</a:t>
+            </a:r>
+            <a:endParaRPr dirty="0"/>
+          </a:p>
+          <a:p>
+            <a:pPr marL="800100" lvl="1" algn="l" rtl="0">
+              <a:lnSpc>
+                <a:spcPct val="80000"/>
+              </a:lnSpc>
+              <a:spcBef>
+                <a:spcPts val="500"/>
+              </a:spcBef>
+              <a:spcAft>
+                <a:spcPts val="0"/>
+              </a:spcAft>
+              <a:buClr>
+                <a:srgbClr val="000000"/>
+              </a:buClr>
+              <a:buSzPts val="2400"/>
+              <a:buFont typeface="Calibri" panose="020F0502020204030204" pitchFamily="34" charset="0"/>
+              <a:buChar char="̶"/>
+            </a:pPr>
+            <a:r>
+              <a:rPr lang="en-GB" sz="2400" dirty="0">
+                <a:solidFill>
+                  <a:srgbClr val="000000"/>
+                </a:solidFill>
+              </a:rPr>
+              <a:t>Fortunately, platforms, tools, and programmers are becoming better equipped</a:t>
+            </a:r>
+            <a:endParaRPr sz="2400" dirty="0"/>
+          </a:p>
+        </p:txBody>
+      </p:sp>
+    </p:spTree>
+  </p:cSld>
+  <p:clrMapOvr>
+    <a:masterClrMapping/>
+  </p:clrMapOvr>
+  <p:timing>
+    <p:tnLst>
+      <p:par>
+        <p:cTn id="1" dur="indefinite" restart="never" nodeType="tmRoot"/>
+      </p:par>
+    </p:tnLst>
+  </p:timing>
+</p:sld>
+</file>
+
+<file path=ppt/slides/slide30.xml><?xml version="1.0" encoding="utf-8"?>
 <p:sld xmlns:a="http://schemas.openxmlformats.org/drawingml/2006/main" xmlns:r="http://schemas.openxmlformats.org/officeDocument/2006/relationships" xmlns:p="http://schemas.openxmlformats.org/presentationml/2006/main">
   <p:cSld>
     <p:spTree>
@@ -26930,7 +27623,7 @@
 </p:sld>
 </file>
 
-<file path=ppt/slides/slide32.xml><?xml version="1.0" encoding="utf-8"?>
+<file path=ppt/slides/slide31.xml><?xml version="1.0" encoding="utf-8"?>
 <p:sld xmlns:a="http://schemas.openxmlformats.org/drawingml/2006/main" xmlns:r="http://schemas.openxmlformats.org/officeDocument/2006/relationships" xmlns:p="http://schemas.openxmlformats.org/presentationml/2006/main">
   <p:cSld>
     <p:spTree>
@@ -27210,7 +27903,7 @@
 </p:sld>
 </file>
 
-<file path=ppt/slides/slide33.xml><?xml version="1.0" encoding="utf-8"?>
+<file path=ppt/slides/slide32.xml><?xml version="1.0" encoding="utf-8"?>
 <p:sld xmlns:a="http://schemas.openxmlformats.org/drawingml/2006/main" xmlns:r="http://schemas.openxmlformats.org/officeDocument/2006/relationships" xmlns:p="http://schemas.openxmlformats.org/presentationml/2006/main">
   <p:cSld>
     <p:spTree>

--- a/working_practices/Parallel_Processing_Large_Data.pptx
+++ b/working_practices/Parallel_Processing_Large_Data.pptx
@@ -5,7 +5,7 @@
     <p:sldMasterId id="2147483666" r:id="rId1"/>
   </p:sldMasterIdLst>
   <p:notesMasterIdLst>
-    <p:notesMasterId r:id="rId34"/>
+    <p:notesMasterId r:id="rId35"/>
   </p:notesMasterIdLst>
   <p:sldIdLst>
     <p:sldId id="256" r:id="rId2"/>
@@ -22,61 +22,62 @@
     <p:sldId id="267" r:id="rId13"/>
     <p:sldId id="291" r:id="rId14"/>
     <p:sldId id="290" r:id="rId15"/>
-    <p:sldId id="269" r:id="rId16"/>
-    <p:sldId id="270" r:id="rId17"/>
-    <p:sldId id="271" r:id="rId18"/>
-    <p:sldId id="273" r:id="rId19"/>
-    <p:sldId id="274" r:id="rId20"/>
-    <p:sldId id="276" r:id="rId21"/>
-    <p:sldId id="277" r:id="rId22"/>
-    <p:sldId id="278" r:id="rId23"/>
-    <p:sldId id="279" r:id="rId24"/>
-    <p:sldId id="280" r:id="rId25"/>
-    <p:sldId id="281" r:id="rId26"/>
-    <p:sldId id="275" r:id="rId27"/>
-    <p:sldId id="282" r:id="rId28"/>
-    <p:sldId id="283" r:id="rId29"/>
-    <p:sldId id="285" r:id="rId30"/>
-    <p:sldId id="286" r:id="rId31"/>
-    <p:sldId id="287" r:id="rId32"/>
-    <p:sldId id="288" r:id="rId33"/>
+    <p:sldId id="292" r:id="rId16"/>
+    <p:sldId id="269" r:id="rId17"/>
+    <p:sldId id="270" r:id="rId18"/>
+    <p:sldId id="271" r:id="rId19"/>
+    <p:sldId id="273" r:id="rId20"/>
+    <p:sldId id="274" r:id="rId21"/>
+    <p:sldId id="276" r:id="rId22"/>
+    <p:sldId id="277" r:id="rId23"/>
+    <p:sldId id="278" r:id="rId24"/>
+    <p:sldId id="279" r:id="rId25"/>
+    <p:sldId id="280" r:id="rId26"/>
+    <p:sldId id="281" r:id="rId27"/>
+    <p:sldId id="275" r:id="rId28"/>
+    <p:sldId id="282" r:id="rId29"/>
+    <p:sldId id="283" r:id="rId30"/>
+    <p:sldId id="285" r:id="rId31"/>
+    <p:sldId id="286" r:id="rId32"/>
+    <p:sldId id="287" r:id="rId33"/>
+    <p:sldId id="288" r:id="rId34"/>
   </p:sldIdLst>
   <p:sldSz cx="9144000" cy="6858000" type="screen4x3"/>
   <p:notesSz cx="6858000" cy="9144000"/>
   <p:embeddedFontLst>
     <p:embeddedFont>
-      <p:font typeface="Merriweather Sans" panose="020B0604020202020204" charset="0"/>
-      <p:regular r:id="rId35"/>
-      <p:bold r:id="rId36"/>
-      <p:italic r:id="rId37"/>
+      <p:font typeface="ＭＳ Ｐゴシック" panose="020B0600070205080204" pitchFamily="34" charset="-128"/>
+      <p:regular r:id="rId36"/>
+    </p:embeddedFont>
+    <p:embeddedFont>
+      <p:font typeface="Nunito" panose="020B0604020202020204" charset="0"/>
+      <p:bold r:id="rId37"/>
       <p:boldItalic r:id="rId38"/>
     </p:embeddedFont>
     <p:embeddedFont>
-      <p:font typeface="Arimo" panose="020B0604020202020204" charset="0"/>
+      <p:font typeface="Calibri" panose="020F0502020204030204" pitchFamily="34" charset="0"/>
       <p:regular r:id="rId39"/>
       <p:bold r:id="rId40"/>
       <p:italic r:id="rId41"/>
       <p:boldItalic r:id="rId42"/>
     </p:embeddedFont>
     <p:embeddedFont>
-      <p:font typeface="Nunito" panose="020B0604020202020204" charset="0"/>
-      <p:bold r:id="rId43"/>
-      <p:boldItalic r:id="rId44"/>
-    </p:embeddedFont>
-    <p:embeddedFont>
-      <p:font typeface="Calibri" panose="020F0502020204030204" pitchFamily="34" charset="0"/>
-      <p:regular r:id="rId45"/>
-      <p:bold r:id="rId46"/>
-      <p:italic r:id="rId47"/>
-      <p:boldItalic r:id="rId48"/>
+      <p:font typeface="Merriweather Sans" panose="020B0604020202020204" charset="0"/>
+      <p:regular r:id="rId43"/>
+      <p:bold r:id="rId44"/>
+      <p:italic r:id="rId45"/>
+      <p:boldItalic r:id="rId46"/>
     </p:embeddedFont>
     <p:embeddedFont>
       <p:font typeface="Arial Rounded MT Bold" panose="020F0704030504030204" pitchFamily="34" charset="0"/>
-      <p:regular r:id="rId49"/>
+      <p:regular r:id="rId47"/>
     </p:embeddedFont>
     <p:embeddedFont>
-      <p:font typeface="ＭＳ Ｐゴシック" panose="020B0600070205080204" pitchFamily="34" charset="-128"/>
-      <p:regular r:id="rId50"/>
+      <p:font typeface="Arimo" panose="020B0604020202020204" charset="0"/>
+      <p:regular r:id="rId48"/>
+      <p:bold r:id="rId49"/>
+      <p:italic r:id="rId50"/>
+      <p:boldItalic r:id="rId51"/>
     </p:embeddedFont>
   </p:embeddedFontLst>
   <p:defaultTextStyle>
@@ -1949,7 +1950,7 @@
             </a:pPr>
             <a:fld id="{00000000-1234-1234-1234-123412341234}" type="slidenum">
               <a:rPr lang="en-GB"/>
-              <a:t>18</a:t>
+              <a:t>19</a:t>
             </a:fld>
             <a:endParaRPr/>
           </a:p>
@@ -2499,7 +2500,7 @@
                 <a:cs typeface="Arial"/>
                 <a:sym typeface="Arial"/>
               </a:rPr>
-              <a:t>20</a:t>
+              <a:t>21</a:t>
             </a:fld>
             <a:endParaRPr sz="1200">
               <a:solidFill>
@@ -3301,7 +3302,7 @@
                 <a:cs typeface="Arial"/>
                 <a:sym typeface="Arial"/>
               </a:rPr>
-              <a:t>22</a:t>
+              <a:t>23</a:t>
             </a:fld>
             <a:endParaRPr sz="1200">
               <a:solidFill>
@@ -3545,7 +3546,7 @@
                 <a:cs typeface="Arial"/>
                 <a:sym typeface="Arial"/>
               </a:rPr>
-              <a:t>23</a:t>
+              <a:t>24</a:t>
             </a:fld>
             <a:endParaRPr sz="1200">
               <a:solidFill>
@@ -3848,7 +3849,7 @@
                 <a:cs typeface="Arial"/>
                 <a:sym typeface="Arial"/>
               </a:rPr>
-              <a:t>24</a:t>
+              <a:t>25</a:t>
             </a:fld>
             <a:endParaRPr sz="1200">
               <a:solidFill>
@@ -4151,7 +4152,7 @@
                 <a:cs typeface="Arial"/>
                 <a:sym typeface="Arial"/>
               </a:rPr>
-              <a:t>25</a:t>
+              <a:t>26</a:t>
             </a:fld>
             <a:endParaRPr sz="1200">
               <a:solidFill>
@@ -4691,7 +4692,7 @@
                 <a:cs typeface="Arial"/>
                 <a:sym typeface="Arial"/>
               </a:rPr>
-              <a:t>27</a:t>
+              <a:t>28</a:t>
             </a:fld>
             <a:endParaRPr sz="1200">
               <a:solidFill>
@@ -4994,7 +4995,7 @@
                 <a:cs typeface="Arial"/>
                 <a:sym typeface="Arial"/>
               </a:rPr>
-              <a:t>28</a:t>
+              <a:t>29</a:t>
             </a:fld>
             <a:endParaRPr sz="1200">
               <a:solidFill>
@@ -5178,7 +5179,7 @@
                 <a:cs typeface="Arial"/>
                 <a:sym typeface="Arial"/>
               </a:rPr>
-              <a:t>29</a:t>
+              <a:t>30</a:t>
             </a:fld>
             <a:endParaRPr sz="1200">
               <a:solidFill>
@@ -5388,7 +5389,7 @@
                 <a:cs typeface="Calibri"/>
                 <a:sym typeface="Calibri"/>
               </a:rPr>
-              <a:t>30</a:t>
+              <a:t>31</a:t>
             </a:fld>
             <a:endParaRPr sz="1200">
               <a:solidFill>
@@ -5572,7 +5573,7 @@
                 <a:cs typeface="Arial"/>
                 <a:sym typeface="Arial"/>
               </a:rPr>
-              <a:t>31</a:t>
+              <a:t>32</a:t>
             </a:fld>
             <a:endParaRPr sz="1200">
               <a:solidFill>
@@ -6021,7 +6022,7 @@
                 <a:cs typeface="Arial"/>
                 <a:sym typeface="Arial"/>
               </a:rPr>
-              <a:t>32</a:t>
+              <a:t>33</a:t>
             </a:fld>
             <a:endParaRPr sz="1200">
               <a:solidFill>
@@ -15101,7 +15102,11 @@
           <a:p>
             <a:r>
               <a:rPr lang="en-GB" sz="2800" dirty="0" smtClean="0"/>
-              <a:t>Apply for an account:</a:t>
+              <a:t>Applying </a:t>
+            </a:r>
+            <a:r>
+              <a:rPr lang="en-GB" sz="2800" dirty="0" smtClean="0"/>
+              <a:t>for an account:</a:t>
             </a:r>
           </a:p>
           <a:p>
@@ -15164,8 +15169,87 @@
                   <a:schemeClr val="tx1"/>
                 </a:solidFill>
               </a:rPr>
-              <a:t>Apply for login access</a:t>
-            </a:r>
+              <a:t>Apply for </a:t>
+            </a:r>
+            <a:r>
+              <a:rPr lang="en-GB" sz="2800" dirty="0">
+                <a:solidFill>
+                  <a:schemeClr val="tx1"/>
+                </a:solidFill>
+              </a:rPr>
+              <a:t>JASMIN account: </a:t>
+            </a:r>
+            <a:r>
+              <a:rPr lang="en-GB" b="1" dirty="0">
+                <a:solidFill>
+                  <a:srgbClr val="0070C0"/>
+                </a:solidFill>
+                <a:hlinkClick r:id="rId3"/>
+              </a:rPr>
+              <a:t>https://</a:t>
+            </a:r>
+            <a:r>
+              <a:rPr lang="en-GB" b="1" dirty="0" smtClean="0">
+                <a:solidFill>
+                  <a:srgbClr val="0070C0"/>
+                </a:solidFill>
+                <a:hlinkClick r:id="rId3"/>
+              </a:rPr>
+              <a:t>accounts.jasmin.ac.uk/</a:t>
+            </a:r>
+            <a:r>
+              <a:rPr lang="en-GB" dirty="0" smtClean="0">
+                <a:solidFill>
+                  <a:schemeClr val="tx1"/>
+                </a:solidFill>
+              </a:rPr>
+              <a:t> </a:t>
+            </a:r>
+            <a:r>
+              <a:rPr lang="en-GB" sz="2800" dirty="0" smtClean="0">
+                <a:solidFill>
+                  <a:schemeClr val="tx1"/>
+                </a:solidFill>
+              </a:rPr>
+              <a:t>and upload your </a:t>
+            </a:r>
+            <a:r>
+              <a:rPr lang="en-GB" sz="2800" b="1" dirty="0" smtClean="0">
+                <a:solidFill>
+                  <a:schemeClr val="tx1"/>
+                </a:solidFill>
+              </a:rPr>
+              <a:t>PUBLIC</a:t>
+            </a:r>
+            <a:r>
+              <a:rPr lang="en-GB" sz="2800" dirty="0" smtClean="0">
+                <a:solidFill>
+                  <a:schemeClr val="tx1"/>
+                </a:solidFill>
+              </a:rPr>
+              <a:t> </a:t>
+            </a:r>
+            <a:r>
+              <a:rPr lang="en-GB" sz="2800" dirty="0" err="1" smtClean="0">
+                <a:solidFill>
+                  <a:schemeClr val="tx1"/>
+                </a:solidFill>
+              </a:rPr>
+              <a:t>ssh</a:t>
+            </a:r>
+            <a:r>
+              <a:rPr lang="en-GB" sz="2800" dirty="0" smtClean="0">
+                <a:solidFill>
+                  <a:schemeClr val="tx1"/>
+                </a:solidFill>
+              </a:rPr>
+              <a:t> key</a:t>
+            </a:r>
+            <a:endParaRPr lang="en-GB" sz="2800" dirty="0" smtClean="0">
+              <a:solidFill>
+                <a:srgbClr val="0070C0"/>
+              </a:solidFill>
+            </a:endParaRPr>
           </a:p>
           <a:p>
             <a:pPr>
@@ -15178,7 +15262,39 @@
                   <a:schemeClr val="tx1"/>
                 </a:solidFill>
               </a:rPr>
-              <a:t>(Optionally) apply for CEDA account, access to project resources, fast data transfer service, etc.</a:t>
+              <a:t>Apply for JASMIN login access and (optionally</a:t>
+            </a:r>
+            <a:r>
+              <a:rPr lang="en-GB" sz="2800" dirty="0" smtClean="0">
+                <a:solidFill>
+                  <a:schemeClr val="tx1"/>
+                </a:solidFill>
+              </a:rPr>
+              <a:t>) </a:t>
+            </a:r>
+            <a:r>
+              <a:rPr lang="en-GB" sz="2800" dirty="0">
+                <a:solidFill>
+                  <a:schemeClr val="tx1"/>
+                </a:solidFill>
+              </a:rPr>
+              <a:t>a</a:t>
+            </a:r>
+            <a:r>
+              <a:rPr lang="en-GB" sz="2800" dirty="0" smtClean="0">
+                <a:solidFill>
+                  <a:schemeClr val="tx1"/>
+                </a:solidFill>
+              </a:rPr>
+              <a:t> </a:t>
+            </a:r>
+            <a:r>
+              <a:rPr lang="en-GB" sz="2800" dirty="0" smtClean="0">
+                <a:solidFill>
+                  <a:schemeClr val="tx1"/>
+                </a:solidFill>
+              </a:rPr>
+              <a:t>CEDA account, access to project resources, fast data transfer service, etc.</a:t>
             </a:r>
           </a:p>
           <a:p>
@@ -15192,7 +15308,15 @@
                   <a:schemeClr val="tx1"/>
                 </a:solidFill>
               </a:rPr>
-              <a:t>Login using your </a:t>
+              <a:t>Once access is granted, login </a:t>
+            </a:r>
+            <a:r>
+              <a:rPr lang="en-GB" sz="2800" dirty="0" smtClean="0">
+                <a:solidFill>
+                  <a:schemeClr val="tx1"/>
+                </a:solidFill>
+              </a:rPr>
+              <a:t>using your </a:t>
             </a:r>
             <a:r>
               <a:rPr lang="en-GB" sz="2800" dirty="0" err="1" smtClean="0">
@@ -15220,7 +15344,7 @@
                 <a:solidFill>
                   <a:srgbClr val="0070C0"/>
                 </a:solidFill>
-                <a:hlinkClick r:id="rId3"/>
+                <a:hlinkClick r:id="rId4"/>
               </a:rPr>
               <a:t>https://</a:t>
             </a:r>
@@ -15229,7 +15353,7 @@
                 <a:solidFill>
                   <a:srgbClr val="0070C0"/>
                 </a:solidFill>
-                <a:hlinkClick r:id="rId3"/>
+                <a:hlinkClick r:id="rId4"/>
               </a:rPr>
               <a:t>help.jasmin.ac.uk/article/187-login</a:t>
             </a:r>
@@ -15240,14 +15364,18 @@
             </a:endParaRPr>
           </a:p>
           <a:p>
-            <a:pPr>
-              <a:buFont typeface="Arial" panose="020B0604020202020204" pitchFamily="34" charset="0"/>
-              <a:buChar char="•"/>
-            </a:pPr>
+            <a:r>
+              <a:rPr lang="en-GB" sz="2800" dirty="0" err="1" smtClean="0">
+                <a:solidFill>
+                  <a:schemeClr val="tx1"/>
+                </a:solidFill>
+              </a:rPr>
+              <a:t>ssh</a:t>
+            </a:r>
             <a:r>
               <a:rPr lang="en-GB" sz="2800" dirty="0" smtClean="0">
                 <a:solidFill>
-                  <a:srgbClr val="0070C0"/>
+                  <a:schemeClr val="tx1"/>
                 </a:solidFill>
               </a:rPr>
               <a:t> </a:t>
@@ -15255,76 +15383,10 @@
             <a:r>
               <a:rPr lang="en-GB" sz="2800" dirty="0" smtClean="0">
                 <a:solidFill>
-                  <a:srgbClr val="FF0000"/>
-                </a:solidFill>
-              </a:rPr>
-              <a:t>From Windows use </a:t>
-            </a:r>
-            <a:r>
-              <a:rPr lang="en-GB" sz="2800" dirty="0" err="1" smtClean="0">
-                <a:solidFill>
-                  <a:srgbClr val="FF0000"/>
-                </a:solidFill>
-              </a:rPr>
-              <a:t>MobaXterm</a:t>
-            </a:r>
-            <a:r>
-              <a:rPr lang="en-GB" sz="2800" dirty="0" smtClean="0">
-                <a:solidFill>
-                  <a:srgbClr val="FF0000"/>
-                </a:solidFill>
-              </a:rPr>
-              <a:t> – free to download </a:t>
-            </a:r>
-            <a:r>
-              <a:rPr lang="en-GB" sz="2800" dirty="0" smtClean="0">
-                <a:solidFill>
                   <a:schemeClr val="tx1"/>
                 </a:solidFill>
               </a:rPr>
-              <a:t>(details on </a:t>
-            </a:r>
-            <a:r>
-              <a:rPr lang="en-GB" sz="2800" dirty="0" err="1" smtClean="0">
-                <a:solidFill>
-                  <a:schemeClr val="tx1"/>
-                </a:solidFill>
-              </a:rPr>
-              <a:t>jasmin</a:t>
-            </a:r>
-            <a:r>
-              <a:rPr lang="en-GB" sz="2800" dirty="0" smtClean="0">
-                <a:solidFill>
-                  <a:schemeClr val="tx1"/>
-                </a:solidFill>
-              </a:rPr>
-              <a:t> login help page)</a:t>
-            </a:r>
-          </a:p>
-          <a:p>
-            <a:r>
-              <a:rPr lang="en-GB" sz="2800" dirty="0" err="1">
-                <a:solidFill>
-                  <a:schemeClr val="tx1"/>
-                </a:solidFill>
-              </a:rPr>
-              <a:t>s</a:t>
-            </a:r>
-            <a:r>
-              <a:rPr lang="en-GB" sz="2800" dirty="0" err="1" smtClean="0">
-                <a:solidFill>
-                  <a:schemeClr val="tx1"/>
-                </a:solidFill>
-              </a:rPr>
-              <a:t>sh</a:t>
-            </a:r>
-            <a:r>
-              <a:rPr lang="en-GB" sz="2800" dirty="0" smtClean="0">
-                <a:solidFill>
-                  <a:schemeClr val="tx1"/>
-                </a:solidFill>
-              </a:rPr>
-              <a:t> to </a:t>
+              <a:t>to </a:t>
             </a:r>
             <a:r>
               <a:rPr lang="en-GB" sz="2800" dirty="0" err="1" smtClean="0">
@@ -15364,6 +15426,331 @@
 </file>
 
 <file path=ppt/slides/slide15.xml><?xml version="1.0" encoding="utf-8"?>
+<p:sld xmlns:a="http://schemas.openxmlformats.org/drawingml/2006/main" xmlns:r="http://schemas.openxmlformats.org/officeDocument/2006/relationships" xmlns:p="http://schemas.openxmlformats.org/presentationml/2006/main">
+  <p:cSld>
+    <p:spTree>
+      <p:nvGrpSpPr>
+        <p:cNvPr id="1" name=""/>
+        <p:cNvGrpSpPr/>
+        <p:nvPr/>
+      </p:nvGrpSpPr>
+      <p:grpSpPr>
+        <a:xfrm>
+          <a:off x="0" y="0"/>
+          <a:ext cx="0" cy="0"/>
+          <a:chOff x="0" y="0"/>
+          <a:chExt cx="0" cy="0"/>
+        </a:xfrm>
+      </p:grpSpPr>
+      <p:sp>
+        <p:nvSpPr>
+          <p:cNvPr id="2" name="Title 1"/>
+          <p:cNvSpPr>
+            <a:spLocks noGrp="1"/>
+          </p:cNvSpPr>
+          <p:nvPr>
+            <p:ph type="title"/>
+          </p:nvPr>
+        </p:nvSpPr>
+        <p:spPr>
+          <a:xfrm>
+            <a:off x="376518" y="154184"/>
+            <a:ext cx="8417858" cy="622565"/>
+          </a:xfrm>
+        </p:spPr>
+        <p:txBody>
+          <a:bodyPr/>
+          <a:lstStyle/>
+          <a:p>
+            <a:r>
+              <a:rPr lang="en-GB" b="1" dirty="0" smtClean="0">
+                <a:latin typeface="Arial Rounded MT Bold" panose="020F0704030504030204" pitchFamily="34" charset="0"/>
+              </a:rPr>
+              <a:t>Generating an </a:t>
+            </a:r>
+            <a:r>
+              <a:rPr lang="en-GB" b="1" dirty="0" err="1" smtClean="0">
+                <a:latin typeface="Arial Rounded MT Bold" panose="020F0704030504030204" pitchFamily="34" charset="0"/>
+              </a:rPr>
+              <a:t>ssh</a:t>
+            </a:r>
+            <a:r>
+              <a:rPr lang="en-GB" b="1" dirty="0" smtClean="0">
+                <a:latin typeface="Arial Rounded MT Bold" panose="020F0704030504030204" pitchFamily="34" charset="0"/>
+              </a:rPr>
+              <a:t> key pair</a:t>
+            </a:r>
+            <a:endParaRPr lang="en-GB" b="1" dirty="0">
+              <a:latin typeface="Arial Rounded MT Bold" panose="020F0704030504030204" pitchFamily="34" charset="0"/>
+            </a:endParaRPr>
+          </a:p>
+        </p:txBody>
+      </p:sp>
+      <p:sp>
+        <p:nvSpPr>
+          <p:cNvPr id="3" name="Text Placeholder 2"/>
+          <p:cNvSpPr>
+            <a:spLocks noGrp="1"/>
+          </p:cNvSpPr>
+          <p:nvPr>
+            <p:ph type="body" idx="1"/>
+          </p:nvPr>
+        </p:nvSpPr>
+        <p:spPr>
+          <a:xfrm>
+            <a:off x="376516" y="757085"/>
+            <a:ext cx="8417860" cy="5338915"/>
+          </a:xfrm>
+        </p:spPr>
+        <p:txBody>
+          <a:bodyPr/>
+          <a:lstStyle/>
+          <a:p>
+            <a:r>
+              <a:rPr lang="en-GB" sz="2800" dirty="0" smtClean="0">
+                <a:solidFill>
+                  <a:schemeClr val="tx1"/>
+                </a:solidFill>
+              </a:rPr>
+              <a:t>On Linux and Mac use a terminal window (bash)</a:t>
+            </a:r>
+          </a:p>
+          <a:p>
+            <a:r>
+              <a:rPr lang="en-GB" sz="2800" dirty="0" smtClean="0">
+                <a:solidFill>
+                  <a:schemeClr val="tx1"/>
+                </a:solidFill>
+              </a:rPr>
+              <a:t>On </a:t>
+            </a:r>
+            <a:r>
+              <a:rPr lang="en-GB" sz="2800" dirty="0">
+                <a:solidFill>
+                  <a:schemeClr val="tx1"/>
+                </a:solidFill>
+              </a:rPr>
+              <a:t>Windows use </a:t>
+            </a:r>
+            <a:r>
+              <a:rPr lang="en-GB" sz="2800" dirty="0" err="1">
+                <a:solidFill>
+                  <a:schemeClr val="tx1"/>
+                </a:solidFill>
+              </a:rPr>
+              <a:t>MobaXterm</a:t>
+            </a:r>
+            <a:r>
+              <a:rPr lang="en-GB" sz="2800" dirty="0">
+                <a:solidFill>
+                  <a:schemeClr val="tx1"/>
+                </a:solidFill>
+              </a:rPr>
+              <a:t> – free to </a:t>
+            </a:r>
+            <a:r>
+              <a:rPr lang="en-GB" sz="2800" dirty="0" smtClean="0">
+                <a:solidFill>
+                  <a:schemeClr val="tx1"/>
+                </a:solidFill>
+              </a:rPr>
+              <a:t>download</a:t>
+            </a:r>
+            <a:r>
+              <a:rPr lang="en-GB" b="1" dirty="0">
+                <a:solidFill>
+                  <a:srgbClr val="0070C0"/>
+                </a:solidFill>
+              </a:rPr>
+              <a:t> </a:t>
+            </a:r>
+            <a:r>
+              <a:rPr lang="en-GB" b="1" dirty="0" smtClean="0">
+                <a:solidFill>
+                  <a:srgbClr val="0070C0"/>
+                </a:solidFill>
+              </a:rPr>
+              <a:t>https</a:t>
+            </a:r>
+            <a:r>
+              <a:rPr lang="en-GB" b="1" dirty="0">
+                <a:solidFill>
+                  <a:srgbClr val="0070C0"/>
+                </a:solidFill>
+              </a:rPr>
+              <a:t>://help.jasmin.ac.uk/article/4832-mobaxterm-new</a:t>
+            </a:r>
+            <a:endParaRPr lang="en-GB" b="1" dirty="0" smtClean="0">
+              <a:solidFill>
+                <a:srgbClr val="0070C0"/>
+              </a:solidFill>
+            </a:endParaRPr>
+          </a:p>
+          <a:p>
+            <a:r>
+              <a:rPr lang="en-GB" sz="2800" dirty="0" smtClean="0">
+                <a:solidFill>
+                  <a:schemeClr val="tx1"/>
+                </a:solidFill>
+              </a:rPr>
+              <a:t>Use </a:t>
+            </a:r>
+            <a:r>
+              <a:rPr lang="en-GB" sz="2800" dirty="0" err="1" smtClean="0">
+                <a:solidFill>
+                  <a:srgbClr val="FF0000"/>
+                </a:solidFill>
+              </a:rPr>
+              <a:t>ssh-keygen</a:t>
+            </a:r>
+            <a:r>
+              <a:rPr lang="en-GB" sz="2800" dirty="0" smtClean="0">
+                <a:solidFill>
+                  <a:schemeClr val="tx1"/>
+                </a:solidFill>
+              </a:rPr>
+              <a:t> command to generate an RSA key pair – for JASMIN access you are </a:t>
+            </a:r>
+            <a:r>
+              <a:rPr lang="en-GB" sz="2800" b="1" dirty="0" smtClean="0">
+                <a:solidFill>
+                  <a:schemeClr val="tx1"/>
+                </a:solidFill>
+              </a:rPr>
+              <a:t>required</a:t>
+            </a:r>
+            <a:r>
+              <a:rPr lang="en-GB" sz="2800" dirty="0" smtClean="0">
+                <a:solidFill>
+                  <a:schemeClr val="tx1"/>
+                </a:solidFill>
+              </a:rPr>
+              <a:t> to set a passphrase</a:t>
+            </a:r>
+          </a:p>
+          <a:p>
+            <a:r>
+              <a:rPr lang="en-GB" sz="2800" dirty="0" smtClean="0">
+                <a:solidFill>
+                  <a:schemeClr val="tx1"/>
+                </a:solidFill>
+              </a:rPr>
+              <a:t>On Linux and Mac use </a:t>
+            </a:r>
+            <a:r>
+              <a:rPr lang="en-GB" sz="2800" dirty="0" err="1" smtClean="0">
+                <a:solidFill>
+                  <a:schemeClr val="tx1"/>
+                </a:solidFill>
+              </a:rPr>
+              <a:t>ssh</a:t>
+            </a:r>
+            <a:r>
+              <a:rPr lang="en-GB" sz="2800" dirty="0" smtClean="0">
+                <a:solidFill>
+                  <a:schemeClr val="tx1"/>
+                </a:solidFill>
+              </a:rPr>
+              <a:t>-agent and </a:t>
+            </a:r>
+            <a:r>
+              <a:rPr lang="en-GB" sz="2800" dirty="0" err="1" smtClean="0">
+                <a:solidFill>
+                  <a:schemeClr val="tx1"/>
+                </a:solidFill>
+              </a:rPr>
+              <a:t>ssh</a:t>
+            </a:r>
+            <a:r>
+              <a:rPr lang="en-GB" sz="2800" dirty="0" smtClean="0">
+                <a:solidFill>
+                  <a:schemeClr val="tx1"/>
+                </a:solidFill>
+              </a:rPr>
+              <a:t>-add to load a key for use with an </a:t>
+            </a:r>
+            <a:r>
+              <a:rPr lang="en-GB" sz="2800" dirty="0" err="1" smtClean="0">
+                <a:solidFill>
+                  <a:schemeClr val="tx1"/>
+                </a:solidFill>
+              </a:rPr>
+              <a:t>ssh</a:t>
+            </a:r>
+            <a:r>
+              <a:rPr lang="en-GB" sz="2800" dirty="0" smtClean="0">
+                <a:solidFill>
+                  <a:schemeClr val="tx1"/>
+                </a:solidFill>
+              </a:rPr>
+              <a:t> login</a:t>
+            </a:r>
+          </a:p>
+          <a:p>
+            <a:r>
+              <a:rPr lang="en-GB" sz="2800" dirty="0" smtClean="0">
+                <a:solidFill>
+                  <a:schemeClr val="tx1"/>
+                </a:solidFill>
+              </a:rPr>
+              <a:t>On Windows/</a:t>
+            </a:r>
+            <a:r>
+              <a:rPr lang="en-GB" sz="2800" dirty="0" err="1" smtClean="0">
+                <a:solidFill>
+                  <a:schemeClr val="tx1"/>
+                </a:solidFill>
+              </a:rPr>
+              <a:t>MobaXterm</a:t>
+            </a:r>
+            <a:r>
+              <a:rPr lang="en-GB" sz="2800" dirty="0" smtClean="0">
+                <a:solidFill>
+                  <a:schemeClr val="tx1"/>
+                </a:solidFill>
+              </a:rPr>
+              <a:t> – follow instructions in JASMIN help page</a:t>
+            </a:r>
+          </a:p>
+          <a:p>
+            <a:r>
+              <a:rPr lang="en-GB" sz="2800" dirty="0" smtClean="0">
+                <a:solidFill>
+                  <a:schemeClr val="tx1"/>
+                </a:solidFill>
+              </a:rPr>
+              <a:t>Once key is loaded, login to JASMIN with </a:t>
+            </a:r>
+            <a:r>
+              <a:rPr lang="en-GB" sz="2800" dirty="0" err="1" smtClean="0">
+                <a:solidFill>
+                  <a:schemeClr val="tx1"/>
+                </a:solidFill>
+              </a:rPr>
+              <a:t>ssh</a:t>
+            </a:r>
+            <a:endParaRPr lang="en-GB" sz="2800" dirty="0">
+              <a:solidFill>
+                <a:schemeClr val="tx1"/>
+              </a:solidFill>
+            </a:endParaRPr>
+          </a:p>
+        </p:txBody>
+      </p:sp>
+    </p:spTree>
+    <p:extLst>
+      <p:ext uri="{BB962C8B-B14F-4D97-AF65-F5344CB8AC3E}">
+        <p14:creationId xmlns:p14="http://schemas.microsoft.com/office/powerpoint/2010/main" val="2094350902"/>
+      </p:ext>
+    </p:extLst>
+  </p:cSld>
+  <p:clrMapOvr>
+    <a:masterClrMapping/>
+  </p:clrMapOvr>
+</p:sld>
+</file>
+
+<file path=ppt/slides/slide16.xml><?xml version="1.0" encoding="utf-8"?>
 <p:sld xmlns:a="http://schemas.openxmlformats.org/drawingml/2006/main" xmlns:r="http://schemas.openxmlformats.org/officeDocument/2006/relationships" xmlns:p="http://schemas.openxmlformats.org/presentationml/2006/main">
   <p:cSld>
     <p:spTree>
@@ -15699,7 +16086,7 @@
 </p:sld>
 </file>
 
-<file path=ppt/slides/slide16.xml><?xml version="1.0" encoding="utf-8"?>
+<file path=ppt/slides/slide17.xml><?xml version="1.0" encoding="utf-8"?>
 <p:sld xmlns:a="http://schemas.openxmlformats.org/drawingml/2006/main" xmlns:r="http://schemas.openxmlformats.org/officeDocument/2006/relationships" xmlns:p="http://schemas.openxmlformats.org/presentationml/2006/main">
   <p:cSld>
     <p:spTree>
@@ -16384,7 +16771,7 @@
 </p:sld>
 </file>
 
-<file path=ppt/slides/slide17.xml><?xml version="1.0" encoding="utf-8"?>
+<file path=ppt/slides/slide18.xml><?xml version="1.0" encoding="utf-8"?>
 <p:sld xmlns:a="http://schemas.openxmlformats.org/drawingml/2006/main" xmlns:r="http://schemas.openxmlformats.org/officeDocument/2006/relationships" xmlns:p="http://schemas.openxmlformats.org/presentationml/2006/main">
   <p:cSld>
     <p:spTree>
@@ -16925,7 +17312,7 @@
 </p:sld>
 </file>
 
-<file path=ppt/slides/slide18.xml><?xml version="1.0" encoding="utf-8"?>
+<file path=ppt/slides/slide19.xml><?xml version="1.0" encoding="utf-8"?>
 <p:sld xmlns:a="http://schemas.openxmlformats.org/drawingml/2006/main" xmlns:r="http://schemas.openxmlformats.org/officeDocument/2006/relationships" xmlns:p="http://schemas.openxmlformats.org/presentationml/2006/main">
   <p:cSld>
     <p:spTree>
@@ -17196,456 +17583,6 @@
           </p:txBody>
         </p:sp>
       </p:grpSp>
-    </p:spTree>
-  </p:cSld>
-  <p:clrMapOvr>
-    <a:masterClrMapping/>
-  </p:clrMapOvr>
-  <p:timing>
-    <p:tnLst>
-      <p:par>
-        <p:cTn id="1" dur="indefinite" restart="never" nodeType="tmRoot"/>
-      </p:par>
-    </p:tnLst>
-  </p:timing>
-</p:sld>
-</file>
-
-<file path=ppt/slides/slide19.xml><?xml version="1.0" encoding="utf-8"?>
-<p:sld xmlns:a="http://schemas.openxmlformats.org/drawingml/2006/main" xmlns:r="http://schemas.openxmlformats.org/officeDocument/2006/relationships" xmlns:p="http://schemas.openxmlformats.org/presentationml/2006/main">
-  <p:cSld>
-    <p:spTree>
-      <p:nvGrpSpPr>
-        <p:cNvPr id="1" name="Shape 277"/>
-        <p:cNvGrpSpPr/>
-        <p:nvPr/>
-      </p:nvGrpSpPr>
-      <p:grpSpPr>
-        <a:xfrm>
-          <a:off x="0" y="0"/>
-          <a:ext cx="0" cy="0"/>
-          <a:chOff x="0" y="0"/>
-          <a:chExt cx="0" cy="0"/>
-        </a:xfrm>
-      </p:grpSpPr>
-      <p:sp>
-        <p:nvSpPr>
-          <p:cNvPr id="278" name="Google Shape;278;p40"/>
-          <p:cNvSpPr txBox="1">
-            <a:spLocks noGrp="1"/>
-          </p:cNvSpPr>
-          <p:nvPr>
-            <p:ph type="title"/>
-          </p:nvPr>
-        </p:nvSpPr>
-        <p:spPr>
-          <a:xfrm>
-            <a:off x="376518" y="380326"/>
-            <a:ext cx="8417858" cy="672620"/>
-          </a:xfrm>
-          <a:prstGeom prst="rect">
-            <a:avLst/>
-          </a:prstGeom>
-          <a:noFill/>
-          <a:ln>
-            <a:noFill/>
-          </a:ln>
-        </p:spPr>
-        <p:txBody>
-          <a:bodyPr spcFirstLastPara="1" wrap="square" lIns="91425" tIns="45700" rIns="91425" bIns="45700" anchor="t" anchorCtr="0">
-            <a:noAutofit/>
-          </a:bodyPr>
-          <a:lstStyle/>
-          <a:p>
-            <a:pPr marL="0" marR="0" lvl="0" indent="0" rtl="0">
-              <a:lnSpc>
-                <a:spcPct val="90000"/>
-              </a:lnSpc>
-              <a:spcBef>
-                <a:spcPts val="0"/>
-              </a:spcBef>
-              <a:spcAft>
-                <a:spcPts val="0"/>
-              </a:spcAft>
-              <a:buClr>
-                <a:srgbClr val="63666A"/>
-              </a:buClr>
-              <a:buSzPts val="2400"/>
-              <a:buFont typeface="Calibri"/>
-              <a:buNone/>
-            </a:pPr>
-            <a:r>
-              <a:rPr lang="en-GB" b="1" dirty="0">
-                <a:latin typeface="Arial Rounded MT Bold" panose="020F0704030504030204" pitchFamily="34" charset="0"/>
-              </a:rPr>
-              <a:t>LSF queues on </a:t>
-            </a:r>
-            <a:r>
-              <a:rPr lang="en-GB" b="1" dirty="0" smtClean="0">
-                <a:latin typeface="Arial Rounded MT Bold" panose="020F0704030504030204" pitchFamily="34" charset="0"/>
-              </a:rPr>
-              <a:t>LOTUS </a:t>
-            </a:r>
-            <a:endParaRPr b="1" i="0" u="none" strike="noStrike" cap="none" dirty="0">
-              <a:solidFill>
-                <a:srgbClr val="63666A"/>
-              </a:solidFill>
-              <a:latin typeface="Arial Rounded MT Bold" panose="020F0704030504030204" pitchFamily="34" charset="0"/>
-              <a:sym typeface="Calibri"/>
-            </a:endParaRPr>
-          </a:p>
-        </p:txBody>
-      </p:sp>
-      <p:sp>
-        <p:nvSpPr>
-          <p:cNvPr id="279" name="Google Shape;279;p40"/>
-          <p:cNvSpPr txBox="1">
-            <a:spLocks noGrp="1"/>
-          </p:cNvSpPr>
-          <p:nvPr>
-            <p:ph type="body" idx="1"/>
-          </p:nvPr>
-        </p:nvSpPr>
-        <p:spPr>
-          <a:prstGeom prst="rect">
-            <a:avLst/>
-          </a:prstGeom>
-          <a:noFill/>
-          <a:ln>
-            <a:noFill/>
-          </a:ln>
-        </p:spPr>
-        <p:txBody>
-          <a:bodyPr spcFirstLastPara="1" wrap="square" lIns="91425" tIns="45700" rIns="91425" bIns="45700" anchor="t" anchorCtr="0">
-            <a:noAutofit/>
-          </a:bodyPr>
-          <a:lstStyle/>
-          <a:p>
-            <a:pPr marL="0" lvl="0" indent="0" algn="l" rtl="0">
-              <a:spcBef>
-                <a:spcPts val="0"/>
-              </a:spcBef>
-              <a:spcAft>
-                <a:spcPts val="0"/>
-              </a:spcAft>
-              <a:buClr>
-                <a:srgbClr val="63666A"/>
-              </a:buClr>
-              <a:buSzPts val="2800"/>
-              <a:buFont typeface="Arial"/>
-              <a:buNone/>
-            </a:pPr>
-            <a:r>
-              <a:rPr lang="en-GB" sz="2800" dirty="0"/>
-              <a:t>Serial queues -single core</a:t>
-            </a:r>
-            <a:endParaRPr sz="2800" dirty="0"/>
-          </a:p>
-          <a:p>
-            <a:pPr marL="457200" lvl="0" indent="-381000" algn="l" rtl="0">
-              <a:lnSpc>
-                <a:spcPct val="115000"/>
-              </a:lnSpc>
-              <a:spcBef>
-                <a:spcPts val="500"/>
-              </a:spcBef>
-              <a:spcAft>
-                <a:spcPts val="0"/>
-              </a:spcAft>
-              <a:buClr>
-                <a:srgbClr val="032044"/>
-              </a:buClr>
-              <a:buSzPts val="2400"/>
-              <a:buChar char="●"/>
-            </a:pPr>
-            <a:r>
-              <a:rPr lang="en-GB" sz="2400" dirty="0">
-                <a:solidFill>
-                  <a:srgbClr val="032044"/>
-                </a:solidFill>
-                <a:latin typeface="Courier"/>
-                <a:ea typeface="Courier"/>
-                <a:cs typeface="Courier"/>
-                <a:sym typeface="Courier"/>
-              </a:rPr>
-              <a:t>short-serial</a:t>
-            </a:r>
-            <a:r>
-              <a:rPr lang="en-GB" sz="2400" dirty="0">
-                <a:solidFill>
-                  <a:srgbClr val="032044"/>
-                </a:solidFill>
-              </a:rPr>
-              <a:t> : default queue, runtime limit 24 hrs, memory control limit </a:t>
-            </a:r>
-            <a:endParaRPr sz="2400" dirty="0">
-              <a:solidFill>
-                <a:srgbClr val="032044"/>
-              </a:solidFill>
-            </a:endParaRPr>
-          </a:p>
-          <a:p>
-            <a:pPr marL="457200" lvl="0" indent="-381000" algn="l" rtl="0">
-              <a:lnSpc>
-                <a:spcPct val="115000"/>
-              </a:lnSpc>
-              <a:spcBef>
-                <a:spcPts val="0"/>
-              </a:spcBef>
-              <a:spcAft>
-                <a:spcPts val="0"/>
-              </a:spcAft>
-              <a:buClr>
-                <a:srgbClr val="032044"/>
-              </a:buClr>
-              <a:buSzPts val="2400"/>
-              <a:buChar char="●"/>
-            </a:pPr>
-            <a:r>
-              <a:rPr lang="en-GB" sz="2400" dirty="0">
-                <a:solidFill>
-                  <a:srgbClr val="032044"/>
-                </a:solidFill>
-                <a:latin typeface="Courier"/>
-                <a:ea typeface="Courier"/>
-                <a:cs typeface="Courier"/>
-                <a:sym typeface="Courier"/>
-              </a:rPr>
-              <a:t>long-serial</a:t>
-            </a:r>
-            <a:r>
-              <a:rPr lang="en-GB" sz="2400" dirty="0">
-                <a:solidFill>
-                  <a:srgbClr val="032044"/>
-                </a:solidFill>
-              </a:rPr>
-              <a:t> : runtime limit 168 hrs, memory control </a:t>
-            </a:r>
-            <a:r>
-              <a:rPr lang="en-GB" sz="2400" dirty="0" smtClean="0">
-                <a:solidFill>
-                  <a:srgbClr val="032044"/>
-                </a:solidFill>
-              </a:rPr>
-              <a:t>limit</a:t>
-            </a:r>
-            <a:endParaRPr lang="en-GB" dirty="0">
-              <a:solidFill>
-                <a:srgbClr val="032044"/>
-              </a:solidFill>
-            </a:endParaRPr>
-          </a:p>
-          <a:p>
-            <a:pPr marL="457200" lvl="0" indent="-381000" algn="l" rtl="0">
-              <a:lnSpc>
-                <a:spcPct val="115000"/>
-              </a:lnSpc>
-              <a:spcBef>
-                <a:spcPts val="0"/>
-              </a:spcBef>
-              <a:spcAft>
-                <a:spcPts val="0"/>
-              </a:spcAft>
-              <a:buClr>
-                <a:srgbClr val="032044"/>
-              </a:buClr>
-              <a:buSzPts val="2400"/>
-              <a:buChar char="●"/>
-            </a:pPr>
-            <a:endParaRPr sz="1200" dirty="0">
-              <a:solidFill>
-                <a:srgbClr val="032044"/>
-              </a:solidFill>
-            </a:endParaRPr>
-          </a:p>
-          <a:p>
-            <a:pPr marL="0" lvl="0" indent="0" algn="l" rtl="0">
-              <a:spcBef>
-                <a:spcPts val="0"/>
-              </a:spcBef>
-              <a:spcAft>
-                <a:spcPts val="0"/>
-              </a:spcAft>
-              <a:buClr>
-                <a:srgbClr val="63666A"/>
-              </a:buClr>
-              <a:buSzPts val="2800"/>
-              <a:buFont typeface="Arial"/>
-              <a:buNone/>
-            </a:pPr>
-            <a:r>
-              <a:rPr lang="en-GB" sz="2800" dirty="0"/>
-              <a:t>Parallel queues -multiple cores, runtime limit 48 hrs</a:t>
-            </a:r>
-            <a:endParaRPr sz="2800" dirty="0"/>
-          </a:p>
-          <a:p>
-            <a:pPr marL="457200" lvl="0" indent="-381000" algn="l" rtl="0">
-              <a:lnSpc>
-                <a:spcPct val="115000"/>
-              </a:lnSpc>
-              <a:spcBef>
-                <a:spcPts val="500"/>
-              </a:spcBef>
-              <a:spcAft>
-                <a:spcPts val="0"/>
-              </a:spcAft>
-              <a:buClr>
-                <a:srgbClr val="032044"/>
-              </a:buClr>
-              <a:buSzPts val="2400"/>
-              <a:buChar char="●"/>
-            </a:pPr>
-            <a:r>
-              <a:rPr lang="en-GB" sz="2400" dirty="0">
-                <a:solidFill>
-                  <a:srgbClr val="032044"/>
-                </a:solidFill>
-                <a:latin typeface="Courier"/>
-                <a:ea typeface="Courier"/>
-                <a:cs typeface="Courier"/>
-                <a:sym typeface="Courier"/>
-              </a:rPr>
-              <a:t>par-single</a:t>
-            </a:r>
-            <a:r>
-              <a:rPr lang="en-GB" sz="2400" dirty="0">
-                <a:solidFill>
-                  <a:srgbClr val="032044"/>
-                </a:solidFill>
-              </a:rPr>
-              <a:t> : 16 cores limit on a single compute node</a:t>
-            </a:r>
-            <a:endParaRPr sz="2400" dirty="0">
-              <a:solidFill>
-                <a:srgbClr val="032044"/>
-              </a:solidFill>
-            </a:endParaRPr>
-          </a:p>
-          <a:p>
-            <a:pPr marL="457200" lvl="0" indent="-381000" algn="l" rtl="0">
-              <a:lnSpc>
-                <a:spcPct val="115000"/>
-              </a:lnSpc>
-              <a:spcBef>
-                <a:spcPts val="0"/>
-              </a:spcBef>
-              <a:spcAft>
-                <a:spcPts val="0"/>
-              </a:spcAft>
-              <a:buClr>
-                <a:srgbClr val="032044"/>
-              </a:buClr>
-              <a:buSzPts val="2400"/>
-              <a:buChar char="●"/>
-            </a:pPr>
-            <a:r>
-              <a:rPr lang="en-GB" sz="2400" dirty="0">
-                <a:solidFill>
-                  <a:srgbClr val="032044"/>
-                </a:solidFill>
-                <a:latin typeface="Courier"/>
-                <a:ea typeface="Courier"/>
-                <a:cs typeface="Courier"/>
-                <a:sym typeface="Courier"/>
-              </a:rPr>
-              <a:t>par-multi</a:t>
-            </a:r>
-            <a:r>
-              <a:rPr lang="en-GB" sz="2400" dirty="0">
-                <a:solidFill>
-                  <a:srgbClr val="032044"/>
-                </a:solidFill>
-              </a:rPr>
-              <a:t> : cores distributed across many compute </a:t>
-            </a:r>
-            <a:r>
-              <a:rPr lang="en-GB" sz="2400" dirty="0" smtClean="0">
-                <a:solidFill>
-                  <a:srgbClr val="032044"/>
-                </a:solidFill>
-              </a:rPr>
-              <a:t>nodes</a:t>
-            </a:r>
-            <a:endParaRPr sz="2400" dirty="0">
-              <a:solidFill>
-                <a:srgbClr val="032044"/>
-              </a:solidFill>
-            </a:endParaRPr>
-          </a:p>
-          <a:p>
-            <a:pPr marL="0" lvl="0" indent="0" algn="l" rtl="0">
-              <a:lnSpc>
-                <a:spcPct val="115000"/>
-              </a:lnSpc>
-              <a:spcBef>
-                <a:spcPts val="500"/>
-              </a:spcBef>
-              <a:spcAft>
-                <a:spcPts val="0"/>
-              </a:spcAft>
-              <a:buNone/>
-            </a:pPr>
-            <a:r>
-              <a:rPr lang="en-GB" sz="2800" dirty="0"/>
-              <a:t>High memory - single core</a:t>
-            </a:r>
-            <a:endParaRPr sz="2800" dirty="0">
-              <a:solidFill>
-                <a:srgbClr val="032044"/>
-              </a:solidFill>
-            </a:endParaRPr>
-          </a:p>
-          <a:p>
-            <a:pPr marL="457200" lvl="0" indent="-381000" algn="l" rtl="0">
-              <a:lnSpc>
-                <a:spcPct val="115000"/>
-              </a:lnSpc>
-              <a:spcBef>
-                <a:spcPts val="500"/>
-              </a:spcBef>
-              <a:spcAft>
-                <a:spcPts val="0"/>
-              </a:spcAft>
-              <a:buClr>
-                <a:srgbClr val="032044"/>
-              </a:buClr>
-              <a:buSzPts val="2400"/>
-              <a:buChar char="●"/>
-            </a:pPr>
-            <a:r>
-              <a:rPr lang="en-GB" sz="2400" dirty="0">
-                <a:solidFill>
-                  <a:srgbClr val="032044"/>
-                </a:solidFill>
-                <a:latin typeface="Courier"/>
-              </a:rPr>
-              <a:t>high-mem </a:t>
-            </a:r>
-            <a:endParaRPr sz="2400" dirty="0">
-              <a:solidFill>
-                <a:srgbClr val="032044"/>
-              </a:solidFill>
-              <a:latin typeface="Courier"/>
-            </a:endParaRPr>
-          </a:p>
-          <a:p>
-            <a:pPr marL="457200" lvl="0" indent="0" algn="l" rtl="0">
-              <a:lnSpc>
-                <a:spcPct val="115000"/>
-              </a:lnSpc>
-              <a:spcBef>
-                <a:spcPts val="500"/>
-              </a:spcBef>
-              <a:spcAft>
-                <a:spcPts val="0"/>
-              </a:spcAft>
-              <a:buNone/>
-            </a:pPr>
-            <a:endParaRPr sz="2400" dirty="0"/>
-          </a:p>
-        </p:txBody>
-      </p:sp>
     </p:spTree>
   </p:cSld>
   <p:clrMapOvr>
@@ -18092,6 +18029,456 @@
   <p:cSld>
     <p:spTree>
       <p:nvGrpSpPr>
+        <p:cNvPr id="1" name="Shape 277"/>
+        <p:cNvGrpSpPr/>
+        <p:nvPr/>
+      </p:nvGrpSpPr>
+      <p:grpSpPr>
+        <a:xfrm>
+          <a:off x="0" y="0"/>
+          <a:ext cx="0" cy="0"/>
+          <a:chOff x="0" y="0"/>
+          <a:chExt cx="0" cy="0"/>
+        </a:xfrm>
+      </p:grpSpPr>
+      <p:sp>
+        <p:nvSpPr>
+          <p:cNvPr id="278" name="Google Shape;278;p40"/>
+          <p:cNvSpPr txBox="1">
+            <a:spLocks noGrp="1"/>
+          </p:cNvSpPr>
+          <p:nvPr>
+            <p:ph type="title"/>
+          </p:nvPr>
+        </p:nvSpPr>
+        <p:spPr>
+          <a:xfrm>
+            <a:off x="376518" y="380326"/>
+            <a:ext cx="8417858" cy="672620"/>
+          </a:xfrm>
+          <a:prstGeom prst="rect">
+            <a:avLst/>
+          </a:prstGeom>
+          <a:noFill/>
+          <a:ln>
+            <a:noFill/>
+          </a:ln>
+        </p:spPr>
+        <p:txBody>
+          <a:bodyPr spcFirstLastPara="1" wrap="square" lIns="91425" tIns="45700" rIns="91425" bIns="45700" anchor="t" anchorCtr="0">
+            <a:noAutofit/>
+          </a:bodyPr>
+          <a:lstStyle/>
+          <a:p>
+            <a:pPr marL="0" marR="0" lvl="0" indent="0" rtl="0">
+              <a:lnSpc>
+                <a:spcPct val="90000"/>
+              </a:lnSpc>
+              <a:spcBef>
+                <a:spcPts val="0"/>
+              </a:spcBef>
+              <a:spcAft>
+                <a:spcPts val="0"/>
+              </a:spcAft>
+              <a:buClr>
+                <a:srgbClr val="63666A"/>
+              </a:buClr>
+              <a:buSzPts val="2400"/>
+              <a:buFont typeface="Calibri"/>
+              <a:buNone/>
+            </a:pPr>
+            <a:r>
+              <a:rPr lang="en-GB" b="1" dirty="0">
+                <a:latin typeface="Arial Rounded MT Bold" panose="020F0704030504030204" pitchFamily="34" charset="0"/>
+              </a:rPr>
+              <a:t>LSF queues on </a:t>
+            </a:r>
+            <a:r>
+              <a:rPr lang="en-GB" b="1" dirty="0" smtClean="0">
+                <a:latin typeface="Arial Rounded MT Bold" panose="020F0704030504030204" pitchFamily="34" charset="0"/>
+              </a:rPr>
+              <a:t>LOTUS </a:t>
+            </a:r>
+            <a:endParaRPr b="1" i="0" u="none" strike="noStrike" cap="none" dirty="0">
+              <a:solidFill>
+                <a:srgbClr val="63666A"/>
+              </a:solidFill>
+              <a:latin typeface="Arial Rounded MT Bold" panose="020F0704030504030204" pitchFamily="34" charset="0"/>
+              <a:sym typeface="Calibri"/>
+            </a:endParaRPr>
+          </a:p>
+        </p:txBody>
+      </p:sp>
+      <p:sp>
+        <p:nvSpPr>
+          <p:cNvPr id="279" name="Google Shape;279;p40"/>
+          <p:cNvSpPr txBox="1">
+            <a:spLocks noGrp="1"/>
+          </p:cNvSpPr>
+          <p:nvPr>
+            <p:ph type="body" idx="1"/>
+          </p:nvPr>
+        </p:nvSpPr>
+        <p:spPr>
+          <a:prstGeom prst="rect">
+            <a:avLst/>
+          </a:prstGeom>
+          <a:noFill/>
+          <a:ln>
+            <a:noFill/>
+          </a:ln>
+        </p:spPr>
+        <p:txBody>
+          <a:bodyPr spcFirstLastPara="1" wrap="square" lIns="91425" tIns="45700" rIns="91425" bIns="45700" anchor="t" anchorCtr="0">
+            <a:noAutofit/>
+          </a:bodyPr>
+          <a:lstStyle/>
+          <a:p>
+            <a:pPr marL="0" lvl="0" indent="0" algn="l" rtl="0">
+              <a:spcBef>
+                <a:spcPts val="0"/>
+              </a:spcBef>
+              <a:spcAft>
+                <a:spcPts val="0"/>
+              </a:spcAft>
+              <a:buClr>
+                <a:srgbClr val="63666A"/>
+              </a:buClr>
+              <a:buSzPts val="2800"/>
+              <a:buFont typeface="Arial"/>
+              <a:buNone/>
+            </a:pPr>
+            <a:r>
+              <a:rPr lang="en-GB" sz="2800" dirty="0"/>
+              <a:t>Serial queues -single core</a:t>
+            </a:r>
+            <a:endParaRPr sz="2800" dirty="0"/>
+          </a:p>
+          <a:p>
+            <a:pPr marL="457200" lvl="0" indent="-381000" algn="l" rtl="0">
+              <a:lnSpc>
+                <a:spcPct val="115000"/>
+              </a:lnSpc>
+              <a:spcBef>
+                <a:spcPts val="500"/>
+              </a:spcBef>
+              <a:spcAft>
+                <a:spcPts val="0"/>
+              </a:spcAft>
+              <a:buClr>
+                <a:srgbClr val="032044"/>
+              </a:buClr>
+              <a:buSzPts val="2400"/>
+              <a:buChar char="●"/>
+            </a:pPr>
+            <a:r>
+              <a:rPr lang="en-GB" sz="2400" dirty="0">
+                <a:solidFill>
+                  <a:srgbClr val="032044"/>
+                </a:solidFill>
+                <a:latin typeface="Courier"/>
+                <a:ea typeface="Courier"/>
+                <a:cs typeface="Courier"/>
+                <a:sym typeface="Courier"/>
+              </a:rPr>
+              <a:t>short-serial</a:t>
+            </a:r>
+            <a:r>
+              <a:rPr lang="en-GB" sz="2400" dirty="0">
+                <a:solidFill>
+                  <a:srgbClr val="032044"/>
+                </a:solidFill>
+              </a:rPr>
+              <a:t> : default queue, runtime limit 24 hrs, memory control limit </a:t>
+            </a:r>
+            <a:endParaRPr sz="2400" dirty="0">
+              <a:solidFill>
+                <a:srgbClr val="032044"/>
+              </a:solidFill>
+            </a:endParaRPr>
+          </a:p>
+          <a:p>
+            <a:pPr marL="457200" lvl="0" indent="-381000" algn="l" rtl="0">
+              <a:lnSpc>
+                <a:spcPct val="115000"/>
+              </a:lnSpc>
+              <a:spcBef>
+                <a:spcPts val="0"/>
+              </a:spcBef>
+              <a:spcAft>
+                <a:spcPts val="0"/>
+              </a:spcAft>
+              <a:buClr>
+                <a:srgbClr val="032044"/>
+              </a:buClr>
+              <a:buSzPts val="2400"/>
+              <a:buChar char="●"/>
+            </a:pPr>
+            <a:r>
+              <a:rPr lang="en-GB" sz="2400" dirty="0">
+                <a:solidFill>
+                  <a:srgbClr val="032044"/>
+                </a:solidFill>
+                <a:latin typeface="Courier"/>
+                <a:ea typeface="Courier"/>
+                <a:cs typeface="Courier"/>
+                <a:sym typeface="Courier"/>
+              </a:rPr>
+              <a:t>long-serial</a:t>
+            </a:r>
+            <a:r>
+              <a:rPr lang="en-GB" sz="2400" dirty="0">
+                <a:solidFill>
+                  <a:srgbClr val="032044"/>
+                </a:solidFill>
+              </a:rPr>
+              <a:t> : runtime limit 168 hrs, memory control </a:t>
+            </a:r>
+            <a:r>
+              <a:rPr lang="en-GB" sz="2400" dirty="0" smtClean="0">
+                <a:solidFill>
+                  <a:srgbClr val="032044"/>
+                </a:solidFill>
+              </a:rPr>
+              <a:t>limit</a:t>
+            </a:r>
+            <a:endParaRPr lang="en-GB" dirty="0">
+              <a:solidFill>
+                <a:srgbClr val="032044"/>
+              </a:solidFill>
+            </a:endParaRPr>
+          </a:p>
+          <a:p>
+            <a:pPr marL="457200" lvl="0" indent="-381000" algn="l" rtl="0">
+              <a:lnSpc>
+                <a:spcPct val="115000"/>
+              </a:lnSpc>
+              <a:spcBef>
+                <a:spcPts val="0"/>
+              </a:spcBef>
+              <a:spcAft>
+                <a:spcPts val="0"/>
+              </a:spcAft>
+              <a:buClr>
+                <a:srgbClr val="032044"/>
+              </a:buClr>
+              <a:buSzPts val="2400"/>
+              <a:buChar char="●"/>
+            </a:pPr>
+            <a:endParaRPr sz="1200" dirty="0">
+              <a:solidFill>
+                <a:srgbClr val="032044"/>
+              </a:solidFill>
+            </a:endParaRPr>
+          </a:p>
+          <a:p>
+            <a:pPr marL="0" lvl="0" indent="0" algn="l" rtl="0">
+              <a:spcBef>
+                <a:spcPts val="0"/>
+              </a:spcBef>
+              <a:spcAft>
+                <a:spcPts val="0"/>
+              </a:spcAft>
+              <a:buClr>
+                <a:srgbClr val="63666A"/>
+              </a:buClr>
+              <a:buSzPts val="2800"/>
+              <a:buFont typeface="Arial"/>
+              <a:buNone/>
+            </a:pPr>
+            <a:r>
+              <a:rPr lang="en-GB" sz="2800" dirty="0"/>
+              <a:t>Parallel queues -multiple cores, runtime limit 48 hrs</a:t>
+            </a:r>
+            <a:endParaRPr sz="2800" dirty="0"/>
+          </a:p>
+          <a:p>
+            <a:pPr marL="457200" lvl="0" indent="-381000" algn="l" rtl="0">
+              <a:lnSpc>
+                <a:spcPct val="115000"/>
+              </a:lnSpc>
+              <a:spcBef>
+                <a:spcPts val="500"/>
+              </a:spcBef>
+              <a:spcAft>
+                <a:spcPts val="0"/>
+              </a:spcAft>
+              <a:buClr>
+                <a:srgbClr val="032044"/>
+              </a:buClr>
+              <a:buSzPts val="2400"/>
+              <a:buChar char="●"/>
+            </a:pPr>
+            <a:r>
+              <a:rPr lang="en-GB" sz="2400" dirty="0">
+                <a:solidFill>
+                  <a:srgbClr val="032044"/>
+                </a:solidFill>
+                <a:latin typeface="Courier"/>
+                <a:ea typeface="Courier"/>
+                <a:cs typeface="Courier"/>
+                <a:sym typeface="Courier"/>
+              </a:rPr>
+              <a:t>par-single</a:t>
+            </a:r>
+            <a:r>
+              <a:rPr lang="en-GB" sz="2400" dirty="0">
+                <a:solidFill>
+                  <a:srgbClr val="032044"/>
+                </a:solidFill>
+              </a:rPr>
+              <a:t> : 16 cores limit on a single compute node</a:t>
+            </a:r>
+            <a:endParaRPr sz="2400" dirty="0">
+              <a:solidFill>
+                <a:srgbClr val="032044"/>
+              </a:solidFill>
+            </a:endParaRPr>
+          </a:p>
+          <a:p>
+            <a:pPr marL="457200" lvl="0" indent="-381000" algn="l" rtl="0">
+              <a:lnSpc>
+                <a:spcPct val="115000"/>
+              </a:lnSpc>
+              <a:spcBef>
+                <a:spcPts val="0"/>
+              </a:spcBef>
+              <a:spcAft>
+                <a:spcPts val="0"/>
+              </a:spcAft>
+              <a:buClr>
+                <a:srgbClr val="032044"/>
+              </a:buClr>
+              <a:buSzPts val="2400"/>
+              <a:buChar char="●"/>
+            </a:pPr>
+            <a:r>
+              <a:rPr lang="en-GB" sz="2400" dirty="0">
+                <a:solidFill>
+                  <a:srgbClr val="032044"/>
+                </a:solidFill>
+                <a:latin typeface="Courier"/>
+                <a:ea typeface="Courier"/>
+                <a:cs typeface="Courier"/>
+                <a:sym typeface="Courier"/>
+              </a:rPr>
+              <a:t>par-multi</a:t>
+            </a:r>
+            <a:r>
+              <a:rPr lang="en-GB" sz="2400" dirty="0">
+                <a:solidFill>
+                  <a:srgbClr val="032044"/>
+                </a:solidFill>
+              </a:rPr>
+              <a:t> : cores distributed across many compute </a:t>
+            </a:r>
+            <a:r>
+              <a:rPr lang="en-GB" sz="2400" dirty="0" smtClean="0">
+                <a:solidFill>
+                  <a:srgbClr val="032044"/>
+                </a:solidFill>
+              </a:rPr>
+              <a:t>nodes</a:t>
+            </a:r>
+            <a:endParaRPr sz="2400" dirty="0">
+              <a:solidFill>
+                <a:srgbClr val="032044"/>
+              </a:solidFill>
+            </a:endParaRPr>
+          </a:p>
+          <a:p>
+            <a:pPr marL="0" lvl="0" indent="0" algn="l" rtl="0">
+              <a:lnSpc>
+                <a:spcPct val="115000"/>
+              </a:lnSpc>
+              <a:spcBef>
+                <a:spcPts val="500"/>
+              </a:spcBef>
+              <a:spcAft>
+                <a:spcPts val="0"/>
+              </a:spcAft>
+              <a:buNone/>
+            </a:pPr>
+            <a:r>
+              <a:rPr lang="en-GB" sz="2800" dirty="0"/>
+              <a:t>High memory - single core</a:t>
+            </a:r>
+            <a:endParaRPr sz="2800" dirty="0">
+              <a:solidFill>
+                <a:srgbClr val="032044"/>
+              </a:solidFill>
+            </a:endParaRPr>
+          </a:p>
+          <a:p>
+            <a:pPr marL="457200" lvl="0" indent="-381000" algn="l" rtl="0">
+              <a:lnSpc>
+                <a:spcPct val="115000"/>
+              </a:lnSpc>
+              <a:spcBef>
+                <a:spcPts val="500"/>
+              </a:spcBef>
+              <a:spcAft>
+                <a:spcPts val="0"/>
+              </a:spcAft>
+              <a:buClr>
+                <a:srgbClr val="032044"/>
+              </a:buClr>
+              <a:buSzPts val="2400"/>
+              <a:buChar char="●"/>
+            </a:pPr>
+            <a:r>
+              <a:rPr lang="en-GB" sz="2400" dirty="0">
+                <a:solidFill>
+                  <a:srgbClr val="032044"/>
+                </a:solidFill>
+                <a:latin typeface="Courier"/>
+              </a:rPr>
+              <a:t>high-mem </a:t>
+            </a:r>
+            <a:endParaRPr sz="2400" dirty="0">
+              <a:solidFill>
+                <a:srgbClr val="032044"/>
+              </a:solidFill>
+              <a:latin typeface="Courier"/>
+            </a:endParaRPr>
+          </a:p>
+          <a:p>
+            <a:pPr marL="457200" lvl="0" indent="0" algn="l" rtl="0">
+              <a:lnSpc>
+                <a:spcPct val="115000"/>
+              </a:lnSpc>
+              <a:spcBef>
+                <a:spcPts val="500"/>
+              </a:spcBef>
+              <a:spcAft>
+                <a:spcPts val="0"/>
+              </a:spcAft>
+              <a:buNone/>
+            </a:pPr>
+            <a:endParaRPr sz="2400" dirty="0"/>
+          </a:p>
+        </p:txBody>
+      </p:sp>
+    </p:spTree>
+  </p:cSld>
+  <p:clrMapOvr>
+    <a:masterClrMapping/>
+  </p:clrMapOvr>
+  <p:timing>
+    <p:tnLst>
+      <p:par>
+        <p:cTn id="1" dur="indefinite" restart="never" nodeType="tmRoot"/>
+      </p:par>
+    </p:tnLst>
+  </p:timing>
+</p:sld>
+</file>
+
+<file path=ppt/slides/slide21.xml><?xml version="1.0" encoding="utf-8"?>
+<p:sld xmlns:a="http://schemas.openxmlformats.org/drawingml/2006/main" xmlns:r="http://schemas.openxmlformats.org/officeDocument/2006/relationships" xmlns:p="http://schemas.openxmlformats.org/presentationml/2006/main">
+  <p:cSld>
+    <p:spTree>
+      <p:nvGrpSpPr>
         <p:cNvPr id="1" name="Shape 308"/>
         <p:cNvGrpSpPr/>
         <p:nvPr/>
@@ -19651,7 +20038,7 @@
 </p:sld>
 </file>
 
-<file path=ppt/slides/slide21.xml><?xml version="1.0" encoding="utf-8"?>
+<file path=ppt/slides/slide22.xml><?xml version="1.0" encoding="utf-8"?>
 <p:sld xmlns:a="http://schemas.openxmlformats.org/drawingml/2006/main" xmlns:r="http://schemas.openxmlformats.org/officeDocument/2006/relationships" xmlns:p="http://schemas.openxmlformats.org/presentationml/2006/main">
   <p:cSld>
     <p:spTree>
@@ -20962,7 +21349,7 @@
 </p:sld>
 </file>
 
-<file path=ppt/slides/slide22.xml><?xml version="1.0" encoding="utf-8"?>
+<file path=ppt/slides/slide23.xml><?xml version="1.0" encoding="utf-8"?>
 <p:sld xmlns:a="http://schemas.openxmlformats.org/drawingml/2006/main" xmlns:r="http://schemas.openxmlformats.org/officeDocument/2006/relationships" xmlns:p="http://schemas.openxmlformats.org/presentationml/2006/main">
   <p:cSld>
     <p:spTree>
@@ -21378,7 +21765,7 @@
 </p:sld>
 </file>
 
-<file path=ppt/slides/slide23.xml><?xml version="1.0" encoding="utf-8"?>
+<file path=ppt/slides/slide24.xml><?xml version="1.0" encoding="utf-8"?>
 <p:sld xmlns:a="http://schemas.openxmlformats.org/drawingml/2006/main" xmlns:r="http://schemas.openxmlformats.org/officeDocument/2006/relationships" xmlns:p="http://schemas.openxmlformats.org/presentationml/2006/main">
   <p:cSld>
     <p:spTree>
@@ -22351,7 +22738,7 @@
 </p:sld>
 </file>
 
-<file path=ppt/slides/slide24.xml><?xml version="1.0" encoding="utf-8"?>
+<file path=ppt/slides/slide25.xml><?xml version="1.0" encoding="utf-8"?>
 <p:sld xmlns:a="http://schemas.openxmlformats.org/drawingml/2006/main" xmlns:r="http://schemas.openxmlformats.org/officeDocument/2006/relationships" xmlns:p="http://schemas.openxmlformats.org/presentationml/2006/main">
   <p:cSld>
     <p:spTree>
@@ -22981,7 +23368,7 @@
 </p:sld>
 </file>
 
-<file path=ppt/slides/slide25.xml><?xml version="1.0" encoding="utf-8"?>
+<file path=ppt/slides/slide26.xml><?xml version="1.0" encoding="utf-8"?>
 <p:sld xmlns:a="http://schemas.openxmlformats.org/drawingml/2006/main" xmlns:r="http://schemas.openxmlformats.org/officeDocument/2006/relationships" xmlns:p="http://schemas.openxmlformats.org/presentationml/2006/main">
   <p:cSld>
     <p:spTree>
@@ -23428,7 +23815,7 @@
 </p:sld>
 </file>
 
-<file path=ppt/slides/slide26.xml><?xml version="1.0" encoding="utf-8"?>
+<file path=ppt/slides/slide27.xml><?xml version="1.0" encoding="utf-8"?>
 <p:sld xmlns:a="http://schemas.openxmlformats.org/drawingml/2006/main" xmlns:r="http://schemas.openxmlformats.org/officeDocument/2006/relationships" xmlns:p="http://schemas.openxmlformats.org/presentationml/2006/main">
   <p:cSld>
     <p:spTree>
@@ -24504,7 +24891,7 @@
 </p:sld>
 </file>
 
-<file path=ppt/slides/slide27.xml><?xml version="1.0" encoding="utf-8"?>
+<file path=ppt/slides/slide28.xml><?xml version="1.0" encoding="utf-8"?>
 <p:sld xmlns:a="http://schemas.openxmlformats.org/drawingml/2006/main" xmlns:r="http://schemas.openxmlformats.org/officeDocument/2006/relationships" xmlns:p="http://schemas.openxmlformats.org/presentationml/2006/main">
   <p:cSld>
     <p:spTree>
@@ -24821,7 +25208,7 @@
 </p:sld>
 </file>
 
-<file path=ppt/slides/slide28.xml><?xml version="1.0" encoding="utf-8"?>
+<file path=ppt/slides/slide29.xml><?xml version="1.0" encoding="utf-8"?>
 <p:sld xmlns:a="http://schemas.openxmlformats.org/drawingml/2006/main" xmlns:r="http://schemas.openxmlformats.org/officeDocument/2006/relationships" xmlns:p="http://schemas.openxmlformats.org/presentationml/2006/main">
   <p:cSld>
     <p:spTree>
@@ -25668,7 +26055,367 @@
 </p:sld>
 </file>
 
-<file path=ppt/slides/slide29.xml><?xml version="1.0" encoding="utf-8"?>
+<file path=ppt/slides/slide3.xml><?xml version="1.0" encoding="utf-8"?>
+<p:sld xmlns:a="http://schemas.openxmlformats.org/drawingml/2006/main" xmlns:r="http://schemas.openxmlformats.org/officeDocument/2006/relationships" xmlns:p="http://schemas.openxmlformats.org/presentationml/2006/main">
+  <p:cSld>
+    <p:spTree>
+      <p:nvGrpSpPr>
+        <p:cNvPr id="1" name="Shape 129"/>
+        <p:cNvGrpSpPr/>
+        <p:nvPr/>
+      </p:nvGrpSpPr>
+      <p:grpSpPr>
+        <a:xfrm>
+          <a:off x="0" y="0"/>
+          <a:ext cx="0" cy="0"/>
+          <a:chOff x="0" y="0"/>
+          <a:chExt cx="0" cy="0"/>
+        </a:xfrm>
+      </p:grpSpPr>
+      <p:sp>
+        <p:nvSpPr>
+          <p:cNvPr id="130" name="Google Shape;130;p24"/>
+          <p:cNvSpPr txBox="1">
+            <a:spLocks noGrp="1"/>
+          </p:cNvSpPr>
+          <p:nvPr>
+            <p:ph type="title"/>
+          </p:nvPr>
+        </p:nvSpPr>
+        <p:spPr>
+          <a:xfrm>
+            <a:off x="457200" y="274638"/>
+            <a:ext cx="8229600" cy="562074"/>
+          </a:xfrm>
+          <a:prstGeom prst="rect">
+            <a:avLst/>
+          </a:prstGeom>
+          <a:noFill/>
+          <a:ln>
+            <a:noFill/>
+          </a:ln>
+        </p:spPr>
+        <p:txBody>
+          <a:bodyPr spcFirstLastPara="1" wrap="square" lIns="91425" tIns="45700" rIns="91425" bIns="45700" anchor="ctr" anchorCtr="0">
+            <a:noAutofit/>
+          </a:bodyPr>
+          <a:lstStyle/>
+          <a:p>
+            <a:pPr marL="0" lvl="0" indent="0" algn="ctr" rtl="0">
+              <a:lnSpc>
+                <a:spcPct val="90000"/>
+              </a:lnSpc>
+              <a:spcBef>
+                <a:spcPts val="0"/>
+              </a:spcBef>
+              <a:spcAft>
+                <a:spcPts val="0"/>
+              </a:spcAft>
+              <a:buClr>
+                <a:schemeClr val="dk1"/>
+              </a:buClr>
+              <a:buSzPts val="3200"/>
+              <a:buFont typeface="Nunito"/>
+              <a:buNone/>
+            </a:pPr>
+            <a:r>
+              <a:rPr lang="en-GB" sz="3200" b="1" dirty="0">
+                <a:latin typeface="Arial Rounded MT Bold" panose="020F0704030504030204" pitchFamily="34" charset="0"/>
+                <a:ea typeface="Nunito"/>
+                <a:cs typeface="Nunito"/>
+                <a:sym typeface="Nunito"/>
+              </a:rPr>
+              <a:t>Processing big data: the issues</a:t>
+            </a:r>
+            <a:endParaRPr dirty="0">
+              <a:latin typeface="Arial Rounded MT Bold" panose="020F0704030504030204" pitchFamily="34" charset="0"/>
+            </a:endParaRPr>
+          </a:p>
+        </p:txBody>
+      </p:sp>
+      <p:sp>
+        <p:nvSpPr>
+          <p:cNvPr id="131" name="Google Shape;131;p24"/>
+          <p:cNvSpPr txBox="1">
+            <a:spLocks noGrp="1"/>
+          </p:cNvSpPr>
+          <p:nvPr>
+            <p:ph type="body" idx="1"/>
+          </p:nvPr>
+        </p:nvSpPr>
+        <p:spPr>
+          <a:xfrm>
+            <a:off x="457200" y="980728"/>
+            <a:ext cx="8229600" cy="4824536"/>
+          </a:xfrm>
+          <a:prstGeom prst="rect">
+            <a:avLst/>
+          </a:prstGeom>
+          <a:noFill/>
+          <a:ln>
+            <a:noFill/>
+          </a:ln>
+        </p:spPr>
+        <p:txBody>
+          <a:bodyPr spcFirstLastPara="1" wrap="square" lIns="91425" tIns="45700" rIns="91425" bIns="45700" anchor="t" anchorCtr="0">
+            <a:noAutofit/>
+          </a:bodyPr>
+          <a:lstStyle/>
+          <a:p>
+            <a:pPr marL="228600" lvl="0" indent="-228600" algn="l" rtl="0">
+              <a:lnSpc>
+                <a:spcPct val="80000"/>
+              </a:lnSpc>
+              <a:spcBef>
+                <a:spcPts val="0"/>
+              </a:spcBef>
+              <a:spcAft>
+                <a:spcPts val="0"/>
+              </a:spcAft>
+              <a:buClr>
+                <a:srgbClr val="000000"/>
+              </a:buClr>
+              <a:buSzPts val="2800"/>
+              <a:buChar char="•"/>
+            </a:pPr>
+            <a:r>
+              <a:rPr lang="en-GB" sz="2800" dirty="0">
+                <a:solidFill>
+                  <a:srgbClr val="000000"/>
+                </a:solidFill>
+              </a:rPr>
+              <a:t>Parallel processing in the Environmental Sciences has historically focussed on running highly-parallelised models.</a:t>
+            </a:r>
+            <a:endParaRPr dirty="0"/>
+          </a:p>
+          <a:p>
+            <a:pPr marL="228600" lvl="0" indent="-228600" algn="l" rtl="0">
+              <a:lnSpc>
+                <a:spcPct val="80000"/>
+              </a:lnSpc>
+              <a:spcBef>
+                <a:spcPts val="1000"/>
+              </a:spcBef>
+              <a:spcAft>
+                <a:spcPts val="0"/>
+              </a:spcAft>
+              <a:buClr>
+                <a:srgbClr val="000000"/>
+              </a:buClr>
+              <a:buSzPts val="2800"/>
+              <a:buChar char="•"/>
+            </a:pPr>
+            <a:r>
+              <a:rPr lang="en-GB" sz="2800" dirty="0">
+                <a:solidFill>
+                  <a:srgbClr val="000000"/>
+                </a:solidFill>
+              </a:rPr>
+              <a:t>Data analysis was typically run sequentially because:</a:t>
+            </a:r>
+            <a:endParaRPr dirty="0"/>
+          </a:p>
+          <a:p>
+            <a:pPr marL="800100" lvl="1" algn="l" rtl="0">
+              <a:lnSpc>
+                <a:spcPct val="80000"/>
+              </a:lnSpc>
+              <a:spcBef>
+                <a:spcPts val="500"/>
+              </a:spcBef>
+              <a:spcAft>
+                <a:spcPts val="0"/>
+              </a:spcAft>
+              <a:buClr>
+                <a:srgbClr val="000000"/>
+              </a:buClr>
+              <a:buSzPts val="2400"/>
+              <a:buFont typeface="Calibri" panose="020F0502020204030204" pitchFamily="34" charset="0"/>
+              <a:buChar char="̶"/>
+            </a:pPr>
+            <a:r>
+              <a:rPr lang="en-GB" sz="2400" dirty="0">
+                <a:solidFill>
+                  <a:srgbClr val="000000"/>
+                </a:solidFill>
+              </a:rPr>
+              <a:t>It was a smaller problem</a:t>
+            </a:r>
+            <a:endParaRPr dirty="0"/>
+          </a:p>
+          <a:p>
+            <a:pPr marL="800100" lvl="1" algn="l" rtl="0">
+              <a:lnSpc>
+                <a:spcPct val="80000"/>
+              </a:lnSpc>
+              <a:spcBef>
+                <a:spcPts val="500"/>
+              </a:spcBef>
+              <a:spcAft>
+                <a:spcPts val="0"/>
+              </a:spcAft>
+              <a:buClr>
+                <a:srgbClr val="000000"/>
+              </a:buClr>
+              <a:buSzPts val="2400"/>
+              <a:buFont typeface="Calibri" panose="020F0502020204030204" pitchFamily="34" charset="0"/>
+              <a:buChar char="̶"/>
+            </a:pPr>
+            <a:r>
+              <a:rPr lang="en-GB" sz="2400" dirty="0">
+                <a:solidFill>
+                  <a:srgbClr val="000000"/>
+                </a:solidFill>
+              </a:rPr>
+              <a:t>It didn’t have parallel resources available</a:t>
+            </a:r>
+            <a:endParaRPr dirty="0"/>
+          </a:p>
+          <a:p>
+            <a:pPr marL="800100" lvl="1" algn="l" rtl="0">
+              <a:lnSpc>
+                <a:spcPct val="80000"/>
+              </a:lnSpc>
+              <a:spcBef>
+                <a:spcPts val="500"/>
+              </a:spcBef>
+              <a:spcAft>
+                <a:spcPts val="0"/>
+              </a:spcAft>
+              <a:buClr>
+                <a:srgbClr val="000000"/>
+              </a:buClr>
+              <a:buSzPts val="2400"/>
+              <a:buFont typeface="Calibri" panose="020F0502020204030204" pitchFamily="34" charset="0"/>
+              <a:buChar char="̶"/>
+            </a:pPr>
+            <a:r>
+              <a:rPr lang="en-GB" sz="2400" dirty="0">
+                <a:solidFill>
+                  <a:srgbClr val="000000"/>
+                </a:solidFill>
+              </a:rPr>
+              <a:t>The software/scientists were not equipped to work in parallel</a:t>
+            </a:r>
+            <a:endParaRPr dirty="0"/>
+          </a:p>
+          <a:p>
+            <a:pPr marL="228600" lvl="0" indent="-228600" algn="l" rtl="0">
+              <a:lnSpc>
+                <a:spcPct val="80000"/>
+              </a:lnSpc>
+              <a:spcBef>
+                <a:spcPts val="1000"/>
+              </a:spcBef>
+              <a:spcAft>
+                <a:spcPts val="0"/>
+              </a:spcAft>
+              <a:buClr>
+                <a:srgbClr val="000000"/>
+              </a:buClr>
+              <a:buSzPts val="2800"/>
+              <a:buChar char="•"/>
+            </a:pPr>
+            <a:r>
+              <a:rPr lang="en-GB" sz="2800" dirty="0">
+                <a:solidFill>
+                  <a:srgbClr val="000000"/>
+                </a:solidFill>
+              </a:rPr>
+              <a:t>The generation of enormous datasets (e.g. UPSCALE – around 300Tb) means that:</a:t>
+            </a:r>
+            <a:endParaRPr dirty="0"/>
+          </a:p>
+          <a:p>
+            <a:pPr marL="800100" lvl="1" algn="l" rtl="0">
+              <a:lnSpc>
+                <a:spcPct val="80000"/>
+              </a:lnSpc>
+              <a:spcBef>
+                <a:spcPts val="500"/>
+              </a:spcBef>
+              <a:spcAft>
+                <a:spcPts val="0"/>
+              </a:spcAft>
+              <a:buClr>
+                <a:srgbClr val="000000"/>
+              </a:buClr>
+              <a:buSzPts val="2400"/>
+              <a:buFont typeface="Calibri" panose="020F0502020204030204" pitchFamily="34" charset="0"/>
+              <a:buChar char="̶"/>
+            </a:pPr>
+            <a:r>
+              <a:rPr lang="en-GB" sz="2400" dirty="0">
+                <a:solidFill>
+                  <a:srgbClr val="000000"/>
+                </a:solidFill>
+              </a:rPr>
+              <a:t>Processing big data </a:t>
+            </a:r>
+            <a:r>
+              <a:rPr lang="en-GB" sz="2400" b="1" dirty="0">
+                <a:solidFill>
+                  <a:srgbClr val="000000"/>
+                </a:solidFill>
+              </a:rPr>
+              <a:t>requires</a:t>
+            </a:r>
+            <a:r>
+              <a:rPr lang="en-GB" sz="2400" dirty="0">
+                <a:solidFill>
+                  <a:srgbClr val="000000"/>
+                </a:solidFill>
+              </a:rPr>
+              <a:t> a parallel approach</a:t>
+            </a:r>
+            <a:endParaRPr dirty="0"/>
+          </a:p>
+          <a:p>
+            <a:pPr marL="800100" lvl="1" algn="l" rtl="0">
+              <a:lnSpc>
+                <a:spcPct val="80000"/>
+              </a:lnSpc>
+              <a:spcBef>
+                <a:spcPts val="500"/>
+              </a:spcBef>
+              <a:spcAft>
+                <a:spcPts val="0"/>
+              </a:spcAft>
+              <a:buClr>
+                <a:srgbClr val="000000"/>
+              </a:buClr>
+              <a:buSzPts val="2400"/>
+              <a:buFont typeface="Calibri" panose="020F0502020204030204" pitchFamily="34" charset="0"/>
+              <a:buChar char="̶"/>
+            </a:pPr>
+            <a:r>
+              <a:rPr lang="en-GB" sz="2400" dirty="0">
+                <a:solidFill>
+                  <a:srgbClr val="000000"/>
+                </a:solidFill>
+              </a:rPr>
+              <a:t>Fortunately, platforms, tools, and programmers are becoming better equipped</a:t>
+            </a:r>
+            <a:endParaRPr sz="2400" dirty="0"/>
+          </a:p>
+        </p:txBody>
+      </p:sp>
+    </p:spTree>
+  </p:cSld>
+  <p:clrMapOvr>
+    <a:masterClrMapping/>
+  </p:clrMapOvr>
+  <p:timing>
+    <p:tnLst>
+      <p:par>
+        <p:cTn id="1" dur="indefinite" restart="never" nodeType="tmRoot"/>
+      </p:par>
+    </p:tnLst>
+  </p:timing>
+</p:sld>
+</file>
+
+<file path=ppt/slides/slide30.xml><?xml version="1.0" encoding="utf-8"?>
 <p:sld xmlns:a="http://schemas.openxmlformats.org/drawingml/2006/main" xmlns:r="http://schemas.openxmlformats.org/officeDocument/2006/relationships" xmlns:p="http://schemas.openxmlformats.org/presentationml/2006/main">
   <p:cSld>
     <p:spTree>
@@ -26665,367 +27412,7 @@
 </p:sld>
 </file>
 
-<file path=ppt/slides/slide3.xml><?xml version="1.0" encoding="utf-8"?>
-<p:sld xmlns:a="http://schemas.openxmlformats.org/drawingml/2006/main" xmlns:r="http://schemas.openxmlformats.org/officeDocument/2006/relationships" xmlns:p="http://schemas.openxmlformats.org/presentationml/2006/main">
-  <p:cSld>
-    <p:spTree>
-      <p:nvGrpSpPr>
-        <p:cNvPr id="1" name="Shape 129"/>
-        <p:cNvGrpSpPr/>
-        <p:nvPr/>
-      </p:nvGrpSpPr>
-      <p:grpSpPr>
-        <a:xfrm>
-          <a:off x="0" y="0"/>
-          <a:ext cx="0" cy="0"/>
-          <a:chOff x="0" y="0"/>
-          <a:chExt cx="0" cy="0"/>
-        </a:xfrm>
-      </p:grpSpPr>
-      <p:sp>
-        <p:nvSpPr>
-          <p:cNvPr id="130" name="Google Shape;130;p24"/>
-          <p:cNvSpPr txBox="1">
-            <a:spLocks noGrp="1"/>
-          </p:cNvSpPr>
-          <p:nvPr>
-            <p:ph type="title"/>
-          </p:nvPr>
-        </p:nvSpPr>
-        <p:spPr>
-          <a:xfrm>
-            <a:off x="457200" y="274638"/>
-            <a:ext cx="8229600" cy="562074"/>
-          </a:xfrm>
-          <a:prstGeom prst="rect">
-            <a:avLst/>
-          </a:prstGeom>
-          <a:noFill/>
-          <a:ln>
-            <a:noFill/>
-          </a:ln>
-        </p:spPr>
-        <p:txBody>
-          <a:bodyPr spcFirstLastPara="1" wrap="square" lIns="91425" tIns="45700" rIns="91425" bIns="45700" anchor="ctr" anchorCtr="0">
-            <a:noAutofit/>
-          </a:bodyPr>
-          <a:lstStyle/>
-          <a:p>
-            <a:pPr marL="0" lvl="0" indent="0" algn="ctr" rtl="0">
-              <a:lnSpc>
-                <a:spcPct val="90000"/>
-              </a:lnSpc>
-              <a:spcBef>
-                <a:spcPts val="0"/>
-              </a:spcBef>
-              <a:spcAft>
-                <a:spcPts val="0"/>
-              </a:spcAft>
-              <a:buClr>
-                <a:schemeClr val="dk1"/>
-              </a:buClr>
-              <a:buSzPts val="3200"/>
-              <a:buFont typeface="Nunito"/>
-              <a:buNone/>
-            </a:pPr>
-            <a:r>
-              <a:rPr lang="en-GB" sz="3200" b="1" dirty="0">
-                <a:latin typeface="Arial Rounded MT Bold" panose="020F0704030504030204" pitchFamily="34" charset="0"/>
-                <a:ea typeface="Nunito"/>
-                <a:cs typeface="Nunito"/>
-                <a:sym typeface="Nunito"/>
-              </a:rPr>
-              <a:t>Processing big data: the issues</a:t>
-            </a:r>
-            <a:endParaRPr dirty="0">
-              <a:latin typeface="Arial Rounded MT Bold" panose="020F0704030504030204" pitchFamily="34" charset="0"/>
-            </a:endParaRPr>
-          </a:p>
-        </p:txBody>
-      </p:sp>
-      <p:sp>
-        <p:nvSpPr>
-          <p:cNvPr id="131" name="Google Shape;131;p24"/>
-          <p:cNvSpPr txBox="1">
-            <a:spLocks noGrp="1"/>
-          </p:cNvSpPr>
-          <p:nvPr>
-            <p:ph type="body" idx="1"/>
-          </p:nvPr>
-        </p:nvSpPr>
-        <p:spPr>
-          <a:xfrm>
-            <a:off x="457200" y="980728"/>
-            <a:ext cx="8229600" cy="4824536"/>
-          </a:xfrm>
-          <a:prstGeom prst="rect">
-            <a:avLst/>
-          </a:prstGeom>
-          <a:noFill/>
-          <a:ln>
-            <a:noFill/>
-          </a:ln>
-        </p:spPr>
-        <p:txBody>
-          <a:bodyPr spcFirstLastPara="1" wrap="square" lIns="91425" tIns="45700" rIns="91425" bIns="45700" anchor="t" anchorCtr="0">
-            <a:noAutofit/>
-          </a:bodyPr>
-          <a:lstStyle/>
-          <a:p>
-            <a:pPr marL="228600" lvl="0" indent="-228600" algn="l" rtl="0">
-              <a:lnSpc>
-                <a:spcPct val="80000"/>
-              </a:lnSpc>
-              <a:spcBef>
-                <a:spcPts val="0"/>
-              </a:spcBef>
-              <a:spcAft>
-                <a:spcPts val="0"/>
-              </a:spcAft>
-              <a:buClr>
-                <a:srgbClr val="000000"/>
-              </a:buClr>
-              <a:buSzPts val="2800"/>
-              <a:buChar char="•"/>
-            </a:pPr>
-            <a:r>
-              <a:rPr lang="en-GB" sz="2800" dirty="0">
-                <a:solidFill>
-                  <a:srgbClr val="000000"/>
-                </a:solidFill>
-              </a:rPr>
-              <a:t>Parallel processing in the Environmental Sciences has historically focussed on running highly-parallelised models.</a:t>
-            </a:r>
-            <a:endParaRPr dirty="0"/>
-          </a:p>
-          <a:p>
-            <a:pPr marL="228600" lvl="0" indent="-228600" algn="l" rtl="0">
-              <a:lnSpc>
-                <a:spcPct val="80000"/>
-              </a:lnSpc>
-              <a:spcBef>
-                <a:spcPts val="1000"/>
-              </a:spcBef>
-              <a:spcAft>
-                <a:spcPts val="0"/>
-              </a:spcAft>
-              <a:buClr>
-                <a:srgbClr val="000000"/>
-              </a:buClr>
-              <a:buSzPts val="2800"/>
-              <a:buChar char="•"/>
-            </a:pPr>
-            <a:r>
-              <a:rPr lang="en-GB" sz="2800" dirty="0">
-                <a:solidFill>
-                  <a:srgbClr val="000000"/>
-                </a:solidFill>
-              </a:rPr>
-              <a:t>Data analysis was typically run sequentially because:</a:t>
-            </a:r>
-            <a:endParaRPr dirty="0"/>
-          </a:p>
-          <a:p>
-            <a:pPr marL="800100" lvl="1" algn="l" rtl="0">
-              <a:lnSpc>
-                <a:spcPct val="80000"/>
-              </a:lnSpc>
-              <a:spcBef>
-                <a:spcPts val="500"/>
-              </a:spcBef>
-              <a:spcAft>
-                <a:spcPts val="0"/>
-              </a:spcAft>
-              <a:buClr>
-                <a:srgbClr val="000000"/>
-              </a:buClr>
-              <a:buSzPts val="2400"/>
-              <a:buFont typeface="Calibri" panose="020F0502020204030204" pitchFamily="34" charset="0"/>
-              <a:buChar char="̶"/>
-            </a:pPr>
-            <a:r>
-              <a:rPr lang="en-GB" sz="2400" dirty="0">
-                <a:solidFill>
-                  <a:srgbClr val="000000"/>
-                </a:solidFill>
-              </a:rPr>
-              <a:t>It was a smaller problem</a:t>
-            </a:r>
-            <a:endParaRPr dirty="0"/>
-          </a:p>
-          <a:p>
-            <a:pPr marL="800100" lvl="1" algn="l" rtl="0">
-              <a:lnSpc>
-                <a:spcPct val="80000"/>
-              </a:lnSpc>
-              <a:spcBef>
-                <a:spcPts val="500"/>
-              </a:spcBef>
-              <a:spcAft>
-                <a:spcPts val="0"/>
-              </a:spcAft>
-              <a:buClr>
-                <a:srgbClr val="000000"/>
-              </a:buClr>
-              <a:buSzPts val="2400"/>
-              <a:buFont typeface="Calibri" panose="020F0502020204030204" pitchFamily="34" charset="0"/>
-              <a:buChar char="̶"/>
-            </a:pPr>
-            <a:r>
-              <a:rPr lang="en-GB" sz="2400" dirty="0">
-                <a:solidFill>
-                  <a:srgbClr val="000000"/>
-                </a:solidFill>
-              </a:rPr>
-              <a:t>It didn’t have parallel resources available</a:t>
-            </a:r>
-            <a:endParaRPr dirty="0"/>
-          </a:p>
-          <a:p>
-            <a:pPr marL="800100" lvl="1" algn="l" rtl="0">
-              <a:lnSpc>
-                <a:spcPct val="80000"/>
-              </a:lnSpc>
-              <a:spcBef>
-                <a:spcPts val="500"/>
-              </a:spcBef>
-              <a:spcAft>
-                <a:spcPts val="0"/>
-              </a:spcAft>
-              <a:buClr>
-                <a:srgbClr val="000000"/>
-              </a:buClr>
-              <a:buSzPts val="2400"/>
-              <a:buFont typeface="Calibri" panose="020F0502020204030204" pitchFamily="34" charset="0"/>
-              <a:buChar char="̶"/>
-            </a:pPr>
-            <a:r>
-              <a:rPr lang="en-GB" sz="2400" dirty="0">
-                <a:solidFill>
-                  <a:srgbClr val="000000"/>
-                </a:solidFill>
-              </a:rPr>
-              <a:t>The software/scientists were not equipped to work in parallel</a:t>
-            </a:r>
-            <a:endParaRPr dirty="0"/>
-          </a:p>
-          <a:p>
-            <a:pPr marL="228600" lvl="0" indent="-228600" algn="l" rtl="0">
-              <a:lnSpc>
-                <a:spcPct val="80000"/>
-              </a:lnSpc>
-              <a:spcBef>
-                <a:spcPts val="1000"/>
-              </a:spcBef>
-              <a:spcAft>
-                <a:spcPts val="0"/>
-              </a:spcAft>
-              <a:buClr>
-                <a:srgbClr val="000000"/>
-              </a:buClr>
-              <a:buSzPts val="2800"/>
-              <a:buChar char="•"/>
-            </a:pPr>
-            <a:r>
-              <a:rPr lang="en-GB" sz="2800" dirty="0">
-                <a:solidFill>
-                  <a:srgbClr val="000000"/>
-                </a:solidFill>
-              </a:rPr>
-              <a:t>The generation of enormous datasets (e.g. UPSCALE – around 300Tb) means that:</a:t>
-            </a:r>
-            <a:endParaRPr dirty="0"/>
-          </a:p>
-          <a:p>
-            <a:pPr marL="800100" lvl="1" algn="l" rtl="0">
-              <a:lnSpc>
-                <a:spcPct val="80000"/>
-              </a:lnSpc>
-              <a:spcBef>
-                <a:spcPts val="500"/>
-              </a:spcBef>
-              <a:spcAft>
-                <a:spcPts val="0"/>
-              </a:spcAft>
-              <a:buClr>
-                <a:srgbClr val="000000"/>
-              </a:buClr>
-              <a:buSzPts val="2400"/>
-              <a:buFont typeface="Calibri" panose="020F0502020204030204" pitchFamily="34" charset="0"/>
-              <a:buChar char="̶"/>
-            </a:pPr>
-            <a:r>
-              <a:rPr lang="en-GB" sz="2400" dirty="0">
-                <a:solidFill>
-                  <a:srgbClr val="000000"/>
-                </a:solidFill>
-              </a:rPr>
-              <a:t>Processing big data </a:t>
-            </a:r>
-            <a:r>
-              <a:rPr lang="en-GB" sz="2400" b="1" dirty="0">
-                <a:solidFill>
-                  <a:srgbClr val="000000"/>
-                </a:solidFill>
-              </a:rPr>
-              <a:t>requires</a:t>
-            </a:r>
-            <a:r>
-              <a:rPr lang="en-GB" sz="2400" dirty="0">
-                <a:solidFill>
-                  <a:srgbClr val="000000"/>
-                </a:solidFill>
-              </a:rPr>
-              <a:t> a parallel approach</a:t>
-            </a:r>
-            <a:endParaRPr dirty="0"/>
-          </a:p>
-          <a:p>
-            <a:pPr marL="800100" lvl="1" algn="l" rtl="0">
-              <a:lnSpc>
-                <a:spcPct val="80000"/>
-              </a:lnSpc>
-              <a:spcBef>
-                <a:spcPts val="500"/>
-              </a:spcBef>
-              <a:spcAft>
-                <a:spcPts val="0"/>
-              </a:spcAft>
-              <a:buClr>
-                <a:srgbClr val="000000"/>
-              </a:buClr>
-              <a:buSzPts val="2400"/>
-              <a:buFont typeface="Calibri" panose="020F0502020204030204" pitchFamily="34" charset="0"/>
-              <a:buChar char="̶"/>
-            </a:pPr>
-            <a:r>
-              <a:rPr lang="en-GB" sz="2400" dirty="0">
-                <a:solidFill>
-                  <a:srgbClr val="000000"/>
-                </a:solidFill>
-              </a:rPr>
-              <a:t>Fortunately, platforms, tools, and programmers are becoming better equipped</a:t>
-            </a:r>
-            <a:endParaRPr sz="2400" dirty="0"/>
-          </a:p>
-        </p:txBody>
-      </p:sp>
-    </p:spTree>
-  </p:cSld>
-  <p:clrMapOvr>
-    <a:masterClrMapping/>
-  </p:clrMapOvr>
-  <p:timing>
-    <p:tnLst>
-      <p:par>
-        <p:cTn id="1" dur="indefinite" restart="never" nodeType="tmRoot"/>
-      </p:par>
-    </p:tnLst>
-  </p:timing>
-</p:sld>
-</file>
-
-<file path=ppt/slides/slide30.xml><?xml version="1.0" encoding="utf-8"?>
+<file path=ppt/slides/slide31.xml><?xml version="1.0" encoding="utf-8"?>
 <p:sld xmlns:a="http://schemas.openxmlformats.org/drawingml/2006/main" xmlns:r="http://schemas.openxmlformats.org/officeDocument/2006/relationships" xmlns:p="http://schemas.openxmlformats.org/presentationml/2006/main">
   <p:cSld>
     <p:spTree>
@@ -27623,7 +28010,7 @@
 </p:sld>
 </file>
 
-<file path=ppt/slides/slide31.xml><?xml version="1.0" encoding="utf-8"?>
+<file path=ppt/slides/slide32.xml><?xml version="1.0" encoding="utf-8"?>
 <p:sld xmlns:a="http://schemas.openxmlformats.org/drawingml/2006/main" xmlns:r="http://schemas.openxmlformats.org/officeDocument/2006/relationships" xmlns:p="http://schemas.openxmlformats.org/presentationml/2006/main">
   <p:cSld>
     <p:spTree>
@@ -27903,7 +28290,7 @@
 </p:sld>
 </file>
 
-<file path=ppt/slides/slide32.xml><?xml version="1.0" encoding="utf-8"?>
+<file path=ppt/slides/slide33.xml><?xml version="1.0" encoding="utf-8"?>
 <p:sld xmlns:a="http://schemas.openxmlformats.org/drawingml/2006/main" xmlns:r="http://schemas.openxmlformats.org/officeDocument/2006/relationships" xmlns:p="http://schemas.openxmlformats.org/presentationml/2006/main">
   <p:cSld>
     <p:spTree>
